--- a/MinsooKang/오픈소스(대충).pptx
+++ b/MinsooKang/오픈소스(대충).pptx
@@ -1,20 +1,21 @@
 
 <file path=ppt/presentation.xml><?xml version="1.0" encoding="utf-8"?>
-<p:presentation xmlns:a="http://schemas.openxmlformats.org/drawingml/2006/main" xmlns:r="http://schemas.openxmlformats.org/officeDocument/2006/relationships" xmlns:p="http://schemas.openxmlformats.org/presentationml/2006/main" saveSubsetFonts="1" autoCompressPictures="0">
+<p:presentation xmlns:r="http://schemas.openxmlformats.org/officeDocument/2006/relationships" xmlns:c="http://schemas.openxmlformats.org/drawingml/2006/chart" xmlns:a="http://schemas.openxmlformats.org/drawingml/2006/main" xmlns:dgm="http://schemas.openxmlformats.org/drawingml/2006/diagram" xmlns:dsp="http://schemas.microsoft.com/office/drawing/2008/diagram" xmlns:p="http://schemas.openxmlformats.org/presentationml/2006/main" autoCompressPictures="0">
   <p:sldMasterIdLst>
-    <p:sldMasterId id="2147483648" r:id="rId1"/>
+    <p:sldMasterId id="2147483661" r:id="rId1"/>
   </p:sldMasterIdLst>
   <p:sldIdLst>
     <p:sldId id="256" r:id="rId2"/>
     <p:sldId id="257" r:id="rId3"/>
-    <p:sldId id="258" r:id="rId4"/>
-    <p:sldId id="261" r:id="rId5"/>
-    <p:sldId id="263" r:id="rId6"/>
-    <p:sldId id="265" r:id="rId7"/>
-    <p:sldId id="266" r:id="rId8"/>
-    <p:sldId id="267" r:id="rId9"/>
-    <p:sldId id="259" r:id="rId10"/>
-    <p:sldId id="260" r:id="rId11"/>
+    <p:sldId id="268" r:id="rId4"/>
+    <p:sldId id="258" r:id="rId5"/>
+    <p:sldId id="261" r:id="rId6"/>
+    <p:sldId id="263" r:id="rId7"/>
+    <p:sldId id="265" r:id="rId8"/>
+    <p:sldId id="266" r:id="rId9"/>
+    <p:sldId id="267" r:id="rId10"/>
+    <p:sldId id="259" r:id="rId11"/>
+    <p:sldId id="260" r:id="rId12"/>
   </p:sldIdLst>
   <p:sldSz cx="12192000" cy="6858000"/>
   <p:notesSz cx="6858000" cy="9144000"/>
@@ -4538,6 +4539,926 @@
 <file path=ppt/slides/slide10.xml><?xml version="1.0" encoding="utf-8"?>
 <p:sld xmlns:a="http://schemas.openxmlformats.org/drawingml/2006/main" xmlns:r="http://schemas.openxmlformats.org/officeDocument/2006/relationships" xmlns:p="http://schemas.openxmlformats.org/presentationml/2006/main">
   <p:cSld>
+    <p:bg>
+      <p:bgPr>
+        <a:solidFill>
+          <a:schemeClr val="bg1"/>
+        </a:solidFill>
+        <a:effectLst/>
+      </p:bgPr>
+    </p:bg>
+    <p:spTree>
+      <p:nvGrpSpPr>
+        <p:cNvPr id="1" name=""/>
+        <p:cNvGrpSpPr/>
+        <p:nvPr/>
+      </p:nvGrpSpPr>
+      <p:grpSpPr>
+        <a:xfrm>
+          <a:off x="0" y="0"/>
+          <a:ext cx="0" cy="0"/>
+          <a:chOff x="0" y="0"/>
+          <a:chExt cx="0" cy="0"/>
+        </a:xfrm>
+      </p:grpSpPr>
+      <p:sp useBgFill="1">
+        <p:nvSpPr>
+          <p:cNvPr id="2068" name="Rectangle 2067">
+            <a:extLst>
+              <a:ext uri="{FF2B5EF4-FFF2-40B4-BE49-F238E27FC236}">
+                <a16:creationId xmlns:a16="http://schemas.microsoft.com/office/drawing/2014/main" id="{637B2035-1FCB-439A-B421-095E136C7E07}"/>
+              </a:ext>
+              <a:ext uri="{C183D7F6-B498-43B3-948B-1728B52AA6E4}">
+                <adec:decorative xmlns:adec="http://schemas.microsoft.com/office/drawing/2017/decorative" val="1"/>
+              </a:ext>
+            </a:extLst>
+          </p:cNvPr>
+          <p:cNvSpPr>
+            <a:spLocks noGrp="1" noRot="1" noChangeAspect="1" noMove="1" noResize="1" noEditPoints="1" noAdjustHandles="1" noChangeArrowheads="1" noChangeShapeType="1" noTextEdit="1"/>
+          </p:cNvSpPr>
+          <p:nvPr>
+            <p:extLst>
+              <p:ext uri="{386F3935-93C4-4BCD-93E2-E3B085C9AB24}">
+                <p16:designElem xmlns:p16="http://schemas.microsoft.com/office/powerpoint/2015/main" val="1"/>
+              </p:ext>
+            </p:extLst>
+          </p:nvPr>
+        </p:nvSpPr>
+        <p:spPr>
+          <a:xfrm>
+            <a:off x="0" y="0"/>
+            <a:ext cx="12192000" cy="6858000"/>
+          </a:xfrm>
+          <a:prstGeom prst="rect">
+            <a:avLst/>
+          </a:prstGeom>
+          <a:ln w="12700" cap="flat" cmpd="sng" algn="ctr">
+            <a:noFill/>
+            <a:prstDash val="solid"/>
+            <a:miter lim="800000"/>
+          </a:ln>
+          <a:effectLst/>
+          <a:extLst>
+            <a:ext uri="{91240B29-F687-4F45-9708-019B960494DF}">
+              <a14:hiddenLine xmlns:a14="http://schemas.microsoft.com/office/drawing/2010/main" w="12700" cap="flat" cmpd="sng" algn="ctr">
+                <a:solidFill>
+                  <a:schemeClr val="accent1">
+                    <a:shade val="50000"/>
+                  </a:schemeClr>
+                </a:solidFill>
+                <a:prstDash val="solid"/>
+                <a:miter lim="800000"/>
+              </a14:hiddenLine>
+            </a:ext>
+          </a:extLst>
+        </p:spPr>
+        <p:style>
+          <a:lnRef idx="2">
+            <a:schemeClr val="accent1">
+              <a:shade val="50000"/>
+            </a:schemeClr>
+          </a:lnRef>
+          <a:fillRef idx="1">
+            <a:schemeClr val="accent1"/>
+          </a:fillRef>
+          <a:effectRef idx="0">
+            <a:schemeClr val="accent1"/>
+          </a:effectRef>
+          <a:fontRef idx="minor">
+            <a:schemeClr val="lt1"/>
+          </a:fontRef>
+        </p:style>
+        <p:txBody>
+          <a:bodyPr rtlCol="0" anchor="ctr"/>
+          <a:lstStyle/>
+          <a:p>
+            <a:pPr algn="ctr"/>
+            <a:endParaRPr lang="en-US"/>
+          </a:p>
+        </p:txBody>
+      </p:sp>
+      <p:sp>
+        <p:nvSpPr>
+          <p:cNvPr id="2070" name="Rectangle 2069">
+            <a:extLst>
+              <a:ext uri="{FF2B5EF4-FFF2-40B4-BE49-F238E27FC236}">
+                <a16:creationId xmlns:a16="http://schemas.microsoft.com/office/drawing/2014/main" id="{676D6CDF-C512-4739-B158-55EE955EFA39}"/>
+              </a:ext>
+              <a:ext uri="{C183D7F6-B498-43B3-948B-1728B52AA6E4}">
+                <adec:decorative xmlns:adec="http://schemas.microsoft.com/office/drawing/2017/decorative" val="1"/>
+              </a:ext>
+            </a:extLst>
+          </p:cNvPr>
+          <p:cNvSpPr>
+            <a:spLocks noGrp="1" noRot="1" noChangeAspect="1" noMove="1" noResize="1" noEditPoints="1" noAdjustHandles="1" noChangeArrowheads="1" noChangeShapeType="1" noTextEdit="1"/>
+          </p:cNvSpPr>
+          <p:nvPr>
+            <p:extLst>
+              <p:ext uri="{386F3935-93C4-4BCD-93E2-E3B085C9AB24}">
+                <p16:designElem xmlns:p16="http://schemas.microsoft.com/office/powerpoint/2015/main" val="1"/>
+              </p:ext>
+            </p:extLst>
+          </p:nvPr>
+        </p:nvSpPr>
+        <p:spPr>
+          <a:xfrm>
+            <a:off x="-5503" y="-1"/>
+            <a:ext cx="12192000" cy="6857999"/>
+          </a:xfrm>
+          <a:prstGeom prst="rect">
+            <a:avLst/>
+          </a:prstGeom>
+          <a:solidFill>
+            <a:srgbClr val="82766A">
+              <a:alpha val="15000"/>
+            </a:srgbClr>
+          </a:solidFill>
+          <a:ln>
+            <a:noFill/>
+          </a:ln>
+        </p:spPr>
+        <p:style>
+          <a:lnRef idx="2">
+            <a:schemeClr val="accent1">
+              <a:shade val="50000"/>
+            </a:schemeClr>
+          </a:lnRef>
+          <a:fillRef idx="1">
+            <a:schemeClr val="accent1"/>
+          </a:fillRef>
+          <a:effectRef idx="0">
+            <a:schemeClr val="accent1"/>
+          </a:effectRef>
+          <a:fontRef idx="minor">
+            <a:schemeClr val="lt1"/>
+          </a:fontRef>
+        </p:style>
+        <p:txBody>
+          <a:bodyPr rtlCol="0" anchor="ctr"/>
+          <a:lstStyle/>
+          <a:p>
+            <a:pPr algn="ctr"/>
+            <a:endParaRPr lang="en-US"/>
+          </a:p>
+        </p:txBody>
+      </p:sp>
+      <p:sp>
+        <p:nvSpPr>
+          <p:cNvPr id="2" name="제목 1">
+            <a:extLst>
+              <a:ext uri="{FF2B5EF4-FFF2-40B4-BE49-F238E27FC236}">
+                <a16:creationId xmlns:a16="http://schemas.microsoft.com/office/drawing/2014/main" id="{A05BD4A6-9030-6478-039E-62FAF441AC93}"/>
+              </a:ext>
+            </a:extLst>
+          </p:cNvPr>
+          <p:cNvSpPr>
+            <a:spLocks noGrp="1"/>
+          </p:cNvSpPr>
+          <p:nvPr>
+            <p:ph type="title"/>
+          </p:nvPr>
+        </p:nvSpPr>
+        <p:spPr>
+          <a:xfrm>
+            <a:off x="1137033" y="670559"/>
+            <a:ext cx="4683321" cy="2148841"/>
+          </a:xfrm>
+        </p:spPr>
+        <p:txBody>
+          <a:bodyPr anchor="t">
+            <a:normAutofit/>
+          </a:bodyPr>
+          <a:lstStyle/>
+          <a:p>
+            <a:r>
+              <a:rPr kumimoji="1" lang="ko-KR" altLang="en-US"/>
+              <a:t>한계점</a:t>
+            </a:r>
+            <a:r>
+              <a:rPr kumimoji="1" lang="en-US" altLang="ko-KR"/>
+              <a:t>(</a:t>
+            </a:r>
+            <a:r>
+              <a:rPr kumimoji="1" lang="ko-KR" altLang="en-US"/>
+              <a:t>진행</a:t>
+            </a:r>
+            <a:r>
+              <a:rPr kumimoji="1" lang="en-US" altLang="ko-KR"/>
+              <a:t>)</a:t>
+            </a:r>
+            <a:endParaRPr kumimoji="1" lang="ko-KR" altLang="en-US"/>
+          </a:p>
+        </p:txBody>
+      </p:sp>
+      <p:pic>
+        <p:nvPicPr>
+          <p:cNvPr id="2050" name="Picture 2" descr="손 포즈. 여성의 손을 잡고 가리키는 제스처, 손가락, 주먹, 평화, 엄지손가락. 만화 인간의 손바닥과 손목 벡터 세트입니다. 메신저용  이모티콘으로 통신 또는 대화 | 프리미엄 벡터">
+            <a:extLst>
+              <a:ext uri="{FF2B5EF4-FFF2-40B4-BE49-F238E27FC236}">
+                <a16:creationId xmlns:a16="http://schemas.microsoft.com/office/drawing/2014/main" id="{C0A6EC7F-24E3-5C30-8BEB-2BD102C79231}"/>
+              </a:ext>
+            </a:extLst>
+          </p:cNvPr>
+          <p:cNvPicPr>
+            <a:picLocks noChangeAspect="1" noChangeArrowheads="1"/>
+          </p:cNvPicPr>
+          <p:nvPr/>
+        </p:nvPicPr>
+        <p:blipFill>
+          <a:blip r:embed="rId2">
+            <a:extLst>
+              <a:ext uri="{28A0092B-C50C-407E-A947-70E740481C1C}">
+                <a14:useLocalDpi xmlns:a14="http://schemas.microsoft.com/office/drawing/2010/main" val="0"/>
+              </a:ext>
+            </a:extLst>
+          </a:blip>
+          <a:srcRect l="4417" r="4944" b="2"/>
+          <a:stretch/>
+        </p:blipFill>
+        <p:spPr bwMode="auto">
+          <a:xfrm>
+            <a:off x="-11006" y="3105149"/>
+            <a:ext cx="6448424" cy="3752849"/>
+          </a:xfrm>
+          <a:custGeom>
+            <a:avLst/>
+            <a:gdLst/>
+            <a:ahLst/>
+            <a:cxnLst/>
+            <a:rect l="l" t="t" r="r" b="b"/>
+            <a:pathLst>
+              <a:path w="6448424" h="3752849">
+                <a:moveTo>
+                  <a:pt x="0" y="0"/>
+                </a:moveTo>
+                <a:lnTo>
+                  <a:pt x="137978" y="22215"/>
+                </a:lnTo>
+                <a:cubicBezTo>
+                  <a:pt x="196046" y="32277"/>
+                  <a:pt x="252469" y="42437"/>
+                  <a:pt x="295660" y="49771"/>
+                </a:cubicBezTo>
+                <a:cubicBezTo>
+                  <a:pt x="364885" y="66610"/>
+                  <a:pt x="403214" y="32071"/>
+                  <a:pt x="456941" y="65635"/>
+                </a:cubicBezTo>
+                <a:cubicBezTo>
+                  <a:pt x="529612" y="69090"/>
+                  <a:pt x="662508" y="71245"/>
+                  <a:pt x="731691" y="70501"/>
+                </a:cubicBezTo>
+                <a:cubicBezTo>
+                  <a:pt x="768741" y="62400"/>
+                  <a:pt x="808263" y="64633"/>
+                  <a:pt x="841820" y="61171"/>
+                </a:cubicBezTo>
+                <a:cubicBezTo>
+                  <a:pt x="958973" y="43639"/>
+                  <a:pt x="1009730" y="45863"/>
+                  <a:pt x="1068219" y="39136"/>
+                </a:cubicBezTo>
+                <a:cubicBezTo>
+                  <a:pt x="1104329" y="33447"/>
+                  <a:pt x="1156536" y="44203"/>
+                  <a:pt x="1174190" y="38808"/>
+                </a:cubicBezTo>
+                <a:cubicBezTo>
+                  <a:pt x="1188943" y="36385"/>
+                  <a:pt x="1213832" y="14880"/>
+                  <a:pt x="1225923" y="34507"/>
+                </a:cubicBezTo>
+                <a:cubicBezTo>
+                  <a:pt x="1305283" y="8501"/>
+                  <a:pt x="1319617" y="30839"/>
+                  <a:pt x="1385617" y="18003"/>
+                </a:cubicBezTo>
+                <a:cubicBezTo>
+                  <a:pt x="1461876" y="-26747"/>
+                  <a:pt x="1519510" y="56342"/>
+                  <a:pt x="1563967" y="4638"/>
+                </a:cubicBezTo>
+                <a:lnTo>
+                  <a:pt x="1676634" y="10582"/>
+                </a:lnTo>
+                <a:lnTo>
+                  <a:pt x="1769429" y="20265"/>
+                </a:lnTo>
+                <a:cubicBezTo>
+                  <a:pt x="1790625" y="23534"/>
+                  <a:pt x="1880369" y="18448"/>
+                  <a:pt x="1900584" y="27732"/>
+                </a:cubicBezTo>
+                <a:cubicBezTo>
+                  <a:pt x="2072430" y="22762"/>
+                  <a:pt x="2014935" y="5831"/>
+                  <a:pt x="2127041" y="22101"/>
+                </a:cubicBezTo>
+                <a:cubicBezTo>
+                  <a:pt x="2168847" y="65820"/>
+                  <a:pt x="2153052" y="28773"/>
+                  <a:pt x="2211644" y="44507"/>
+                </a:cubicBezTo>
+                <a:cubicBezTo>
+                  <a:pt x="2211201" y="9921"/>
+                  <a:pt x="2277596" y="73686"/>
+                  <a:pt x="2299605" y="38004"/>
+                </a:cubicBezTo>
+                <a:cubicBezTo>
+                  <a:pt x="2309570" y="41997"/>
+                  <a:pt x="2318531" y="46991"/>
+                  <a:pt x="2327359" y="52270"/>
+                </a:cubicBezTo>
+                <a:lnTo>
+                  <a:pt x="2331995" y="55017"/>
+                </a:lnTo>
+                <a:lnTo>
+                  <a:pt x="2353777" y="59755"/>
+                </a:lnTo>
+                <a:lnTo>
+                  <a:pt x="2355893" y="68914"/>
+                </a:lnTo>
+                <a:lnTo>
+                  <a:pt x="2385794" y="81650"/>
+                </a:lnTo>
+                <a:cubicBezTo>
+                  <a:pt x="2397613" y="85211"/>
+                  <a:pt x="2411061" y="87627"/>
+                  <a:pt x="2427010" y="88184"/>
+                </a:cubicBezTo>
+                <a:cubicBezTo>
+                  <a:pt x="2486314" y="76422"/>
+                  <a:pt x="2553170" y="126870"/>
+                  <a:pt x="2627153" y="110451"/>
+                </a:cubicBezTo>
+                <a:cubicBezTo>
+                  <a:pt x="2653722" y="107383"/>
+                  <a:pt x="2732043" y="116068"/>
+                  <a:pt x="2744462" y="128780"/>
+                </a:cubicBezTo>
+                <a:cubicBezTo>
+                  <a:pt x="2760299" y="132873"/>
+                  <a:pt x="2780248" y="130843"/>
+                  <a:pt x="2785202" y="143610"/>
+                </a:cubicBezTo>
+                <a:cubicBezTo>
+                  <a:pt x="2794558" y="159316"/>
+                  <a:pt x="2856498" y="142821"/>
+                  <a:pt x="2844667" y="159029"/>
+                </a:cubicBezTo>
+                <a:cubicBezTo>
+                  <a:pt x="2888530" y="147871"/>
+                  <a:pt x="2914187" y="181391"/>
+                  <a:pt x="2946649" y="192330"/>
+                </a:cubicBezTo>
+                <a:cubicBezTo>
+                  <a:pt x="2981872" y="180417"/>
+                  <a:pt x="3015239" y="215115"/>
+                  <a:pt x="3088812" y="226485"/>
+                </a:cubicBezTo>
+                <a:cubicBezTo>
+                  <a:pt x="3127734" y="212524"/>
+                  <a:pt x="3138301" y="234381"/>
+                  <a:pt x="3208669" y="217774"/>
+                </a:cubicBezTo>
+                <a:cubicBezTo>
+                  <a:pt x="3242208" y="219284"/>
+                  <a:pt x="3229623" y="233297"/>
+                  <a:pt x="3290045" y="235553"/>
+                </a:cubicBezTo>
+                <a:cubicBezTo>
+                  <a:pt x="3399655" y="215239"/>
+                  <a:pt x="3444518" y="245862"/>
+                  <a:pt x="3529335" y="249571"/>
+                </a:cubicBezTo>
+                <a:cubicBezTo>
+                  <a:pt x="3623697" y="257405"/>
+                  <a:pt x="3587652" y="268832"/>
+                  <a:pt x="3716766" y="252690"/>
+                </a:cubicBezTo>
+                <a:cubicBezTo>
+                  <a:pt x="3723469" y="267318"/>
+                  <a:pt x="3737863" y="269842"/>
+                  <a:pt x="3765333" y="266823"/>
+                </a:cubicBezTo>
+                <a:cubicBezTo>
+                  <a:pt x="3810754" y="271601"/>
+                  <a:pt x="3792745" y="303866"/>
+                  <a:pt x="3846897" y="290090"/>
+                </a:cubicBezTo>
+                <a:cubicBezTo>
+                  <a:pt x="3830941" y="306608"/>
+                  <a:pt x="3929114" y="308026"/>
+                  <a:pt x="3900217" y="323590"/>
+                </a:cubicBezTo>
+                <a:cubicBezTo>
+                  <a:pt x="3922367" y="343425"/>
+                  <a:pt x="3948574" y="318948"/>
+                  <a:pt x="3971444" y="336662"/>
+                </a:cubicBezTo>
+                <a:cubicBezTo>
+                  <a:pt x="4002781" y="344193"/>
+                  <a:pt x="3960997" y="315419"/>
+                  <a:pt x="3997868" y="318867"/>
+                </a:cubicBezTo>
+                <a:cubicBezTo>
+                  <a:pt x="4041159" y="326219"/>
+                  <a:pt x="4055435" y="293981"/>
+                  <a:pt x="4070852" y="339615"/>
+                </a:cubicBezTo>
+                <a:cubicBezTo>
+                  <a:pt x="4121286" y="335828"/>
+                  <a:pt x="4121920" y="355506"/>
+                  <a:pt x="4180483" y="373369"/>
+                </a:cubicBezTo>
+                <a:cubicBezTo>
+                  <a:pt x="4211379" y="366707"/>
+                  <a:pt x="4230171" y="374664"/>
+                  <a:pt x="4246264" y="387458"/>
+                </a:cubicBezTo>
+                <a:cubicBezTo>
+                  <a:pt x="4308508" y="393310"/>
+                  <a:pt x="4357326" y="416142"/>
+                  <a:pt x="4423169" y="431783"/>
+                </a:cubicBezTo>
+                <a:lnTo>
+                  <a:pt x="4446752" y="435383"/>
+                </a:lnTo>
+                <a:lnTo>
+                  <a:pt x="4446954" y="435566"/>
+                </a:lnTo>
+                <a:cubicBezTo>
+                  <a:pt x="4508528" y="480137"/>
+                  <a:pt x="4617740" y="529869"/>
+                  <a:pt x="4662523" y="553169"/>
+                </a:cubicBezTo>
+                <a:cubicBezTo>
+                  <a:pt x="4720320" y="547046"/>
+                  <a:pt x="4678644" y="560102"/>
+                  <a:pt x="4715641" y="575354"/>
+                </a:cubicBezTo>
+                <a:cubicBezTo>
+                  <a:pt x="4682056" y="593278"/>
+                  <a:pt x="4768370" y="586520"/>
+                  <a:pt x="4742071" y="614016"/>
+                </a:cubicBezTo>
+                <a:cubicBezTo>
+                  <a:pt x="4749637" y="615922"/>
+                  <a:pt x="4757797" y="616899"/>
+                  <a:pt x="4766183" y="617675"/>
+                </a:cubicBezTo>
+                <a:lnTo>
+                  <a:pt x="4770562" y="618094"/>
+                </a:lnTo>
+                <a:lnTo>
+                  <a:pt x="4783240" y="624350"/>
+                </a:lnTo>
+                <a:lnTo>
+                  <a:pt x="4792882" y="620401"/>
+                </a:lnTo>
+                <a:lnTo>
+                  <a:pt x="4816310" y="625721"/>
+                </a:lnTo>
+                <a:cubicBezTo>
+                  <a:pt x="4824144" y="628595"/>
+                  <a:pt x="4831482" y="632720"/>
+                  <a:pt x="4837953" y="638824"/>
+                </a:cubicBezTo>
+                <a:cubicBezTo>
+                  <a:pt x="4848645" y="668753"/>
+                  <a:pt x="4922266" y="669148"/>
+                  <a:pt x="4933914" y="707398"/>
+                </a:cubicBezTo>
+                <a:cubicBezTo>
+                  <a:pt x="4940833" y="719653"/>
+                  <a:pt x="4978358" y="746502"/>
+                  <a:pt x="4995259" y="744825"/>
+                </a:cubicBezTo>
+                <a:cubicBezTo>
+                  <a:pt x="5005107" y="749034"/>
+                  <a:pt x="5010567" y="758092"/>
+                  <a:pt x="5024744" y="753396"/>
+                </a:cubicBezTo>
+                <a:cubicBezTo>
+                  <a:pt x="5047511" y="761361"/>
+                  <a:pt x="5109162" y="783016"/>
+                  <a:pt x="5131877" y="792613"/>
+                </a:cubicBezTo>
+                <a:cubicBezTo>
+                  <a:pt x="5132671" y="802792"/>
+                  <a:pt x="5144554" y="806683"/>
+                  <a:pt x="5161031" y="810975"/>
+                </a:cubicBezTo>
+                <a:lnTo>
+                  <a:pt x="5176815" y="815342"/>
+                </a:lnTo>
+                <a:lnTo>
+                  <a:pt x="5180064" y="831233"/>
+                </a:lnTo>
+                <a:cubicBezTo>
+                  <a:pt x="5202966" y="819270"/>
+                  <a:pt x="5188976" y="863361"/>
+                  <a:pt x="5215059" y="865080"/>
+                </a:cubicBezTo>
+                <a:cubicBezTo>
+                  <a:pt x="5235765" y="864786"/>
+                  <a:pt x="5236347" y="878098"/>
+                  <a:pt x="5245643" y="887119"/>
+                </a:cubicBezTo>
+                <a:cubicBezTo>
+                  <a:pt x="5267660" y="891609"/>
+                  <a:pt x="5295742" y="939348"/>
+                  <a:pt x="5295952" y="957174"/>
+                </a:cubicBezTo>
+                <a:cubicBezTo>
+                  <a:pt x="5284322" y="1008946"/>
+                  <a:pt x="5374979" y="1038019"/>
+                  <a:pt x="5367826" y="1079140"/>
+                </a:cubicBezTo>
+                <a:cubicBezTo>
+                  <a:pt x="5371668" y="1089190"/>
+                  <a:pt x="5377921" y="1097135"/>
+                  <a:pt x="5385646" y="1103730"/>
+                </a:cubicBezTo>
+                <a:lnTo>
+                  <a:pt x="5410965" y="1119397"/>
+                </a:lnTo>
+                <a:lnTo>
+                  <a:pt x="5436960" y="1130910"/>
+                </a:lnTo>
+                <a:lnTo>
+                  <a:pt x="5442083" y="1133134"/>
+                </a:lnTo>
+                <a:cubicBezTo>
+                  <a:pt x="5451910" y="1137346"/>
+                  <a:pt x="5457170" y="1169188"/>
+                  <a:pt x="5465219" y="1174479"/>
+                </a:cubicBezTo>
+                <a:cubicBezTo>
+                  <a:pt x="5488744" y="1195184"/>
+                  <a:pt x="5467141" y="1223401"/>
+                  <a:pt x="5488171" y="1238604"/>
+                </a:cubicBezTo>
+                <a:cubicBezTo>
+                  <a:pt x="5523491" y="1271811"/>
+                  <a:pt x="5486623" y="1305961"/>
+                  <a:pt x="5562172" y="1320840"/>
+                </a:cubicBezTo>
+                <a:cubicBezTo>
+                  <a:pt x="5601634" y="1385316"/>
+                  <a:pt x="5636528" y="1453139"/>
+                  <a:pt x="5686905" y="1512529"/>
+                </a:cubicBezTo>
+                <a:cubicBezTo>
+                  <a:pt x="5729049" y="1575678"/>
+                  <a:pt x="5699691" y="1553768"/>
+                  <a:pt x="5748726" y="1623716"/>
+                </a:cubicBezTo>
+                <a:cubicBezTo>
+                  <a:pt x="5783098" y="1689734"/>
+                  <a:pt x="5789710" y="1639740"/>
+                  <a:pt x="5842593" y="1726595"/>
+                </a:cubicBezTo>
+                <a:cubicBezTo>
+                  <a:pt x="5837824" y="1733043"/>
+                  <a:pt x="5862023" y="1845188"/>
+                  <a:pt x="5861042" y="1851837"/>
+                </a:cubicBezTo>
+                <a:cubicBezTo>
+                  <a:pt x="5874156" y="1887981"/>
+                  <a:pt x="5901790" y="1919218"/>
+                  <a:pt x="5921290" y="1943460"/>
+                </a:cubicBezTo>
+                <a:lnTo>
+                  <a:pt x="5978046" y="1997284"/>
+                </a:lnTo>
+                <a:lnTo>
+                  <a:pt x="5992479" y="2056720"/>
+                </a:lnTo>
+                <a:cubicBezTo>
+                  <a:pt x="6011078" y="2079033"/>
+                  <a:pt x="6072687" y="2117397"/>
+                  <a:pt x="6089639" y="2131171"/>
+                </a:cubicBezTo>
+                <a:lnTo>
+                  <a:pt x="6094199" y="2139379"/>
+                </a:lnTo>
+                <a:lnTo>
+                  <a:pt x="6094822" y="2139386"/>
+                </a:lnTo>
+                <a:cubicBezTo>
+                  <a:pt x="6096947" y="2140841"/>
+                  <a:pt x="6098876" y="2143416"/>
+                  <a:pt x="6100692" y="2147736"/>
+                </a:cubicBezTo>
+                <a:lnTo>
+                  <a:pt x="6102516" y="2154343"/>
+                </a:lnTo>
+                <a:lnTo>
+                  <a:pt x="6111361" y="2170264"/>
+                </a:lnTo>
+                <a:lnTo>
+                  <a:pt x="6215475" y="2270153"/>
+                </a:lnTo>
+                <a:lnTo>
+                  <a:pt x="6255966" y="2335401"/>
+                </a:lnTo>
+                <a:lnTo>
+                  <a:pt x="6272711" y="2385144"/>
+                </a:lnTo>
+                <a:cubicBezTo>
+                  <a:pt x="6282320" y="2406495"/>
+                  <a:pt x="6299066" y="2405139"/>
+                  <a:pt x="6304347" y="2439388"/>
+                </a:cubicBezTo>
+                <a:cubicBezTo>
+                  <a:pt x="6297131" y="2486231"/>
+                  <a:pt x="6325530" y="2500962"/>
+                  <a:pt x="6326729" y="2549400"/>
+                </a:cubicBezTo>
+                <a:cubicBezTo>
+                  <a:pt x="6325926" y="2572066"/>
+                  <a:pt x="6339111" y="2599957"/>
+                  <a:pt x="6344663" y="2628839"/>
+                </a:cubicBezTo>
+                <a:lnTo>
+                  <a:pt x="6375811" y="2639204"/>
+                </a:lnTo>
+                <a:cubicBezTo>
+                  <a:pt x="6375427" y="2643533"/>
+                  <a:pt x="6375041" y="2647863"/>
+                  <a:pt x="6374657" y="2652193"/>
+                </a:cubicBezTo>
+                <a:cubicBezTo>
+                  <a:pt x="6373555" y="2658134"/>
+                  <a:pt x="6371943" y="2662665"/>
+                  <a:pt x="6369740" y="2664642"/>
+                </a:cubicBezTo>
+                <a:cubicBezTo>
+                  <a:pt x="6368032" y="2674540"/>
+                  <a:pt x="6371528" y="2686899"/>
+                  <a:pt x="6361964" y="2690172"/>
+                </a:cubicBezTo>
+                <a:cubicBezTo>
+                  <a:pt x="6350507" y="2696218"/>
+                  <a:pt x="6369375" y="2734440"/>
+                  <a:pt x="6355511" y="2727335"/>
+                </a:cubicBezTo>
+                <a:cubicBezTo>
+                  <a:pt x="6358746" y="2734104"/>
+                  <a:pt x="6360434" y="2742096"/>
+                  <a:pt x="6361058" y="2750592"/>
+                </a:cubicBezTo>
+                <a:cubicBezTo>
+                  <a:pt x="6361013" y="2751998"/>
+                  <a:pt x="6360970" y="2753408"/>
+                  <a:pt x="6360926" y="2754814"/>
+                </a:cubicBezTo>
+                <a:lnTo>
+                  <a:pt x="6339285" y="2810353"/>
+                </a:lnTo>
+                <a:cubicBezTo>
+                  <a:pt x="6360091" y="2854187"/>
+                  <a:pt x="6313103" y="2870086"/>
+                  <a:pt x="6325672" y="2908809"/>
+                </a:cubicBezTo>
+                <a:cubicBezTo>
+                  <a:pt x="6341563" y="2966972"/>
+                  <a:pt x="6291836" y="2935388"/>
+                  <a:pt x="6333498" y="3009772"/>
+                </a:cubicBezTo>
+                <a:cubicBezTo>
+                  <a:pt x="6345476" y="3039254"/>
+                  <a:pt x="6345955" y="3068963"/>
+                  <a:pt x="6334947" y="3095405"/>
+                </a:cubicBezTo>
+                <a:lnTo>
+                  <a:pt x="6344768" y="3155941"/>
+                </a:lnTo>
+                <a:cubicBezTo>
+                  <a:pt x="6348643" y="3153663"/>
+                  <a:pt x="6311793" y="3186588"/>
+                  <a:pt x="6314754" y="3197987"/>
+                </a:cubicBezTo>
+                <a:cubicBezTo>
+                  <a:pt x="6318695" y="3221971"/>
+                  <a:pt x="6319257" y="3226752"/>
+                  <a:pt x="6304230" y="3239690"/>
+                </a:cubicBezTo>
+                <a:cubicBezTo>
+                  <a:pt x="6306321" y="3248567"/>
+                  <a:pt x="6307305" y="3254005"/>
+                  <a:pt x="6308837" y="3264003"/>
+                </a:cubicBezTo>
+                <a:cubicBezTo>
+                  <a:pt x="6301812" y="3288243"/>
+                  <a:pt x="6298529" y="3302527"/>
+                  <a:pt x="6309285" y="3324103"/>
+                </a:cubicBezTo>
+                <a:cubicBezTo>
+                  <a:pt x="6301188" y="3343007"/>
+                  <a:pt x="6329285" y="3359307"/>
+                  <a:pt x="6342503" y="3405661"/>
+                </a:cubicBezTo>
+                <a:cubicBezTo>
+                  <a:pt x="6338012" y="3447477"/>
+                  <a:pt x="6408325" y="3505721"/>
+                  <a:pt x="6401531" y="3550593"/>
+                </a:cubicBezTo>
+                <a:cubicBezTo>
+                  <a:pt x="6395655" y="3579549"/>
+                  <a:pt x="6423437" y="3594758"/>
+                  <a:pt x="6427705" y="3624684"/>
+                </a:cubicBezTo>
+                <a:cubicBezTo>
+                  <a:pt x="6416402" y="3629199"/>
+                  <a:pt x="6435787" y="3639516"/>
+                  <a:pt x="6448424" y="3657106"/>
+                </a:cubicBezTo>
+                <a:lnTo>
+                  <a:pt x="6444014" y="3752742"/>
+                </a:lnTo>
+                <a:cubicBezTo>
+                  <a:pt x="6443990" y="3752777"/>
+                  <a:pt x="6443967" y="3752813"/>
+                  <a:pt x="6443946" y="3752849"/>
+                </a:cubicBezTo>
+                <a:lnTo>
+                  <a:pt x="0" y="3752849"/>
+                </a:lnTo>
+                <a:close/>
+              </a:path>
+            </a:pathLst>
+          </a:custGeom>
+          <a:noFill/>
+          <a:extLst>
+            <a:ext uri="{909E8E84-426E-40DD-AFC4-6F175D3DCCD1}">
+              <a14:hiddenFill xmlns:a14="http://schemas.microsoft.com/office/drawing/2010/main">
+                <a:solidFill>
+                  <a:srgbClr val="FFFFFF"/>
+                </a:solidFill>
+              </a14:hiddenFill>
+            </a:ext>
+          </a:extLst>
+        </p:spPr>
+      </p:pic>
+      <p:sp>
+        <p:nvSpPr>
+          <p:cNvPr id="3" name="내용 개체 틀 2">
+            <a:extLst>
+              <a:ext uri="{FF2B5EF4-FFF2-40B4-BE49-F238E27FC236}">
+                <a16:creationId xmlns:a16="http://schemas.microsoft.com/office/drawing/2014/main" id="{C836182A-5A59-924F-5708-DA837F0F13F9}"/>
+              </a:ext>
+            </a:extLst>
+          </p:cNvPr>
+          <p:cNvSpPr>
+            <a:spLocks noGrp="1"/>
+          </p:cNvSpPr>
+          <p:nvPr>
+            <p:ph idx="1"/>
+          </p:nvPr>
+        </p:nvSpPr>
+        <p:spPr>
+          <a:xfrm>
+            <a:off x="6797004" y="670559"/>
+            <a:ext cx="4555782" cy="5445076"/>
+          </a:xfrm>
+        </p:spPr>
+        <p:txBody>
+          <a:bodyPr anchor="t">
+            <a:normAutofit/>
+          </a:bodyPr>
+          <a:lstStyle/>
+          <a:p>
+            <a:r>
+              <a:rPr kumimoji="1" lang="ko-KR" altLang="en-US" sz="2000"/>
+              <a:t>슬라이드 유형의 다양성</a:t>
+            </a:r>
+            <a:r>
+              <a:rPr kumimoji="1" lang="en-US" altLang="ko-KR" sz="2000"/>
+              <a:t>(</a:t>
+            </a:r>
+            <a:r>
+              <a:rPr kumimoji="1" lang="ko-KR" altLang="en-US" sz="2000"/>
+              <a:t>손의 제스쳐의 종류에 따라</a:t>
+            </a:r>
+            <a:r>
+              <a:rPr kumimoji="1" lang="en-US" altLang="ko-KR" sz="2000"/>
+              <a:t>)</a:t>
+            </a:r>
+            <a:endParaRPr kumimoji="1" lang="ko-KR" altLang="en-US" sz="2000"/>
+          </a:p>
+        </p:txBody>
+      </p:sp>
+    </p:spTree>
+    <p:extLst>
+      <p:ext uri="{BB962C8B-B14F-4D97-AF65-F5344CB8AC3E}">
+        <p14:creationId xmlns:p14="http://schemas.microsoft.com/office/powerpoint/2010/main" val="894101800"/>
+      </p:ext>
+    </p:extLst>
+  </p:cSld>
+  <p:clrMapOvr>
+    <a:masterClrMapping/>
+  </p:clrMapOvr>
+  <p:timing>
+    <p:tnLst>
+      <p:par>
+        <p:cTn id="1" dur="indefinite" restart="never" nodeType="tmRoot">
+          <p:childTnLst>
+            <p:seq concurrent="1" nextAc="seek">
+              <p:cTn id="2" dur="indefinite" nodeType="mainSeq">
+                <p:childTnLst>
+                  <p:par>
+                    <p:cTn id="3" fill="hold">
+                      <p:stCondLst>
+                        <p:cond delay="indefinite"/>
+                        <p:cond evt="onBegin" delay="0">
+                          <p:tn val="2"/>
+                        </p:cond>
+                      </p:stCondLst>
+                      <p:childTnLst>
+                        <p:par>
+                          <p:cTn id="4" fill="hold">
+                            <p:stCondLst>
+                              <p:cond delay="0"/>
+                            </p:stCondLst>
+                            <p:childTnLst>
+                              <p:par>
+                                <p:cTn id="5" presetID="10" presetClass="entr" presetSubtype="0" fill="hold" grpId="0" nodeType="withEffect">
+                                  <p:stCondLst>
+                                    <p:cond delay="1000"/>
+                                  </p:stCondLst>
+                                  <p:iterate>
+                                    <p:tmPct val="10000"/>
+                                  </p:iterate>
+                                  <p:childTnLst>
+                                    <p:set>
+                                      <p:cBhvr>
+                                        <p:cTn id="6" dur="1" fill="hold">
+                                          <p:stCondLst>
+                                            <p:cond delay="0"/>
+                                          </p:stCondLst>
+                                        </p:cTn>
+                                        <p:tgtEl>
+                                          <p:spTgt spid="2"/>
+                                        </p:tgtEl>
+                                        <p:attrNameLst>
+                                          <p:attrName>style.visibility</p:attrName>
+                                        </p:attrNameLst>
+                                      </p:cBhvr>
+                                      <p:to>
+                                        <p:strVal val="visible"/>
+                                      </p:to>
+                                    </p:set>
+                                    <p:animEffect transition="in" filter="fade">
+                                      <p:cBhvr>
+                                        <p:cTn id="7" dur="700"/>
+                                        <p:tgtEl>
+                                          <p:spTgt spid="2"/>
+                                        </p:tgtEl>
+                                      </p:cBhvr>
+                                    </p:animEffect>
+                                  </p:childTnLst>
+                                </p:cTn>
+                              </p:par>
+                            </p:childTnLst>
+                          </p:cTn>
+                        </p:par>
+                      </p:childTnLst>
+                    </p:cTn>
+                  </p:par>
+                </p:childTnLst>
+              </p:cTn>
+              <p:prevCondLst>
+                <p:cond evt="onPrev" delay="0">
+                  <p:tgtEl>
+                    <p:sldTgt/>
+                  </p:tgtEl>
+                </p:cond>
+              </p:prevCondLst>
+              <p:nextCondLst>
+                <p:cond evt="onNext" delay="0">
+                  <p:tgtEl>
+                    <p:sldTgt/>
+                  </p:tgtEl>
+                </p:cond>
+              </p:nextCondLst>
+            </p:seq>
+          </p:childTnLst>
+        </p:cTn>
+      </p:par>
+    </p:tnLst>
+    <p:bldLst>
+      <p:bldP spid="2" grpId="0"/>
+    </p:bldLst>
+  </p:timing>
+</p:sld>
+</file>
+
+<file path=ppt/slides/slide11.xml><?xml version="1.0" encoding="utf-8"?>
+<p:sld xmlns:a="http://schemas.openxmlformats.org/drawingml/2006/main" xmlns:r="http://schemas.openxmlformats.org/officeDocument/2006/relationships" xmlns:p="http://schemas.openxmlformats.org/presentationml/2006/main">
+  <p:cSld>
     <p:spTree>
       <p:nvGrpSpPr>
         <p:cNvPr id="1" name=""/>
@@ -4616,14 +5537,13 @@
 </file>
 
 <file path=ppt/slides/slide2.xml><?xml version="1.0" encoding="utf-8"?>
-<p:sld xmlns:a="http://schemas.openxmlformats.org/drawingml/2006/main" xmlns:r="http://schemas.openxmlformats.org/officeDocument/2006/relationships" xmlns:p="http://schemas.openxmlformats.org/presentationml/2006/main">
+<p:sld xmlns:r="http://schemas.openxmlformats.org/officeDocument/2006/relationships" xmlns:c="http://schemas.openxmlformats.org/drawingml/2006/chart" xmlns:a="http://schemas.openxmlformats.org/drawingml/2006/main" xmlns:dgm="http://schemas.openxmlformats.org/drawingml/2006/diagram" xmlns:dsp="http://schemas.microsoft.com/office/drawing/2008/diagram" xmlns:p="http://schemas.openxmlformats.org/presentationml/2006/main">
   <p:cSld>
     <p:bg>
-      <p:bgPr>
+      <p:bgPr shadeToTitle="0">
         <a:solidFill>
           <a:schemeClr val="bg1"/>
         </a:solidFill>
-        <a:effectLst/>
       </p:bgPr>
     </p:bg>
     <p:spTree>
@@ -4642,26 +5562,11 @@
       </p:grpSpPr>
       <p:sp useBgFill="1">
         <p:nvSpPr>
-          <p:cNvPr id="8" name="Rectangle 7">
-            <a:extLst>
-              <a:ext uri="{FF2B5EF4-FFF2-40B4-BE49-F238E27FC236}">
-                <a16:creationId xmlns:a16="http://schemas.microsoft.com/office/drawing/2014/main" id="{95408913-B323-422F-B521-2957A5B7FEE8}"/>
-              </a:ext>
-              <a:ext uri="{C183D7F6-B498-43B3-948B-1728B52AA6E4}">
-                <adec:decorative xmlns:adec="http://schemas.microsoft.com/office/drawing/2017/decorative" val="1"/>
-              </a:ext>
-            </a:extLst>
-          </p:cNvPr>
+          <p:cNvPr id="8" name="Rectangle 7"/>
           <p:cNvSpPr>
             <a:spLocks noGrp="1" noRot="1" noChangeAspect="1" noMove="1" noResize="1" noEditPoints="1" noAdjustHandles="1" noChangeArrowheads="1" noChangeShapeType="1" noTextEdit="1"/>
           </p:cNvSpPr>
-          <p:nvPr>
-            <p:extLst>
-              <p:ext uri="{386F3935-93C4-4BCD-93E2-E3B085C9AB24}">
-                <p16:designElem xmlns:p16="http://schemas.microsoft.com/office/powerpoint/2015/main" val="1"/>
-              </p:ext>
-            </p:extLst>
-          </p:nvPr>
+          <p:nvPr/>
         </p:nvSpPr>
         <p:spPr>
           <a:xfrm>
@@ -4692,36 +5597,23 @@
           </a:fontRef>
         </p:style>
         <p:txBody>
-          <a:bodyPr rtlCol="0" anchor="ctr"/>
+          <a:bodyPr anchor="ctr"/>
           <a:lstStyle/>
           <a:p>
-            <a:pPr algn="ctr"/>
+            <a:pPr algn="ctr">
+              <a:defRPr/>
+            </a:pPr>
             <a:endParaRPr lang="en-US"/>
           </a:p>
         </p:txBody>
       </p:sp>
       <p:sp>
         <p:nvSpPr>
-          <p:cNvPr id="10" name="Freeform: Shape 9">
-            <a:extLst>
-              <a:ext uri="{FF2B5EF4-FFF2-40B4-BE49-F238E27FC236}">
-                <a16:creationId xmlns:a16="http://schemas.microsoft.com/office/drawing/2014/main" id="{AA770EBD-5B77-46EC-BF58-EF27ACD6B47C}"/>
-              </a:ext>
-              <a:ext uri="{C183D7F6-B498-43B3-948B-1728B52AA6E4}">
-                <adec:decorative xmlns:adec="http://schemas.microsoft.com/office/drawing/2017/decorative" val="1"/>
-              </a:ext>
-            </a:extLst>
-          </p:cNvPr>
+          <p:cNvPr id="10" name="Freeform: Shape 9"/>
           <p:cNvSpPr>
             <a:spLocks noGrp="1" noRot="1" noChangeAspect="1" noMove="1" noResize="1" noEditPoints="1" noAdjustHandles="1" noChangeArrowheads="1" noChangeShapeType="1" noTextEdit="1"/>
           </p:cNvSpPr>
-          <p:nvPr>
-            <p:extLst>
-              <p:ext uri="{386F3935-93C4-4BCD-93E2-E3B085C9AB24}">
-                <p16:designElem xmlns:p16="http://schemas.microsoft.com/office/powerpoint/2015/main" val="1"/>
-              </p:ext>
-            </p:extLst>
-          </p:nvPr>
+          <p:nvPr/>
         </p:nvSpPr>
         <p:spPr>
           <a:xfrm flipH="1">
@@ -4924,7 +5816,6 @@
               <a:gd name="connsiteX95" fmla="*/ 1008599 w 7299977"/>
               <a:gd name="connsiteY95" fmla="*/ 0 h 6858000"/>
             </a:gdLst>
-            <a:ahLst/>
             <a:cxnLst>
               <a:cxn ang="0">
                 <a:pos x="connsiteX0" y="connsiteY0"/>
@@ -5698,9 +6589,12 @@
           </a:ln>
         </p:spPr>
         <p:txBody>
-          <a:bodyPr rtlCol="0" anchor="ctr"/>
+          <a:bodyPr anchor="ctr"/>
           <a:lstStyle/>
           <a:p>
+            <a:pPr lvl="0">
+              <a:defRPr/>
+            </a:pPr>
             <a:endParaRPr lang="en-US">
               <a:solidFill>
                 <a:schemeClr val="tx1"/>
@@ -5711,18 +6605,12 @@
       </p:sp>
       <p:sp>
         <p:nvSpPr>
-          <p:cNvPr id="2" name="제목 1">
-            <a:extLst>
-              <a:ext uri="{FF2B5EF4-FFF2-40B4-BE49-F238E27FC236}">
-                <a16:creationId xmlns:a16="http://schemas.microsoft.com/office/drawing/2014/main" id="{B57C5EB0-3554-6F80-0B2F-B0157F8CF13C}"/>
-              </a:ext>
-            </a:extLst>
-          </p:cNvPr>
+          <p:cNvPr id="2" name="제목 1"/>
           <p:cNvSpPr>
             <a:spLocks noGrp="1"/>
           </p:cNvSpPr>
           <p:nvPr>
-            <p:ph type="title"/>
+            <p:ph type="title" idx="0"/>
           </p:nvPr>
         </p:nvSpPr>
         <p:spPr>
@@ -5737,23 +6625,20 @@
           </a:bodyPr>
           <a:lstStyle/>
           <a:p>
+            <a:pPr lvl="0">
+              <a:defRPr/>
+            </a:pPr>
             <a:r>
-              <a:rPr kumimoji="1" lang="ko-KR" altLang="en-US" dirty="0" err="1"/>
-              <a:t>추구성</a:t>
+              <a:rPr kumimoji="1" lang="ko-KR" altLang="en-US"/>
+              <a:t>개요</a:t>
             </a:r>
-            <a:endParaRPr kumimoji="1" lang="ko-KR" altLang="en-US" dirty="0"/>
+            <a:endParaRPr kumimoji="1" lang="ko-KR" altLang="en-US"/>
           </a:p>
         </p:txBody>
       </p:sp>
       <p:sp>
         <p:nvSpPr>
-          <p:cNvPr id="3" name="내용 개체 틀 2">
-            <a:extLst>
-              <a:ext uri="{FF2B5EF4-FFF2-40B4-BE49-F238E27FC236}">
-                <a16:creationId xmlns:a16="http://schemas.microsoft.com/office/drawing/2014/main" id="{0A477BD8-3363-3CE1-24D3-DB5827827DA3}"/>
-              </a:ext>
-            </a:extLst>
-          </p:cNvPr>
+          <p:cNvPr id="3" name="내용 개체 틀 2"/>
           <p:cNvSpPr>
             <a:spLocks noGrp="1"/>
           </p:cNvSpPr>
@@ -5763,8 +6648,8 @@
         </p:nvSpPr>
         <p:spPr>
           <a:xfrm>
-            <a:off x="7538022" y="713313"/>
-            <a:ext cx="3815778" cy="5431376"/>
+            <a:off x="5297634" y="713313"/>
+            <a:ext cx="6056165" cy="5431376"/>
           </a:xfrm>
         </p:spPr>
         <p:txBody>
@@ -5775,66 +6660,77 @@
           <a:p>
             <a:pPr marL="514350" indent="-514350">
               <a:buAutoNum type="arabicPeriod"/>
+              <a:defRPr/>
             </a:pPr>
             <a:r>
               <a:rPr kumimoji="1" lang="ko-KR" altLang="en-US" sz="2000"/>
-              <a:t>신속성</a:t>
+              <a:t>파워포인트 발표시 도움을 위해 개발 진행</a:t>
             </a:r>
-            <a:endParaRPr kumimoji="1" lang="en-US" altLang="ko-KR" sz="2000"/>
+            <a:endParaRPr kumimoji="1" lang="ko-KR" altLang="en-US" sz="2000"/>
           </a:p>
           <a:p>
             <a:pPr marL="514350" indent="-514350">
               <a:buAutoNum type="arabicPeriod"/>
+              <a:defRPr/>
             </a:pPr>
             <a:r>
               <a:rPr kumimoji="1" lang="ko-KR" altLang="en-US" sz="2000"/>
-              <a:t>정확성</a:t>
+              <a:t>설정된 특수 제스처를 통해 파워포인트를 제어</a:t>
             </a:r>
-            <a:endParaRPr kumimoji="1" lang="en-US" altLang="ko-KR" sz="2000"/>
+            <a:endParaRPr kumimoji="1" lang="ko-KR" altLang="en-US" sz="2000"/>
           </a:p>
           <a:p>
             <a:pPr marL="514350" indent="-514350">
               <a:buAutoNum type="arabicPeriod"/>
+              <a:defRPr/>
             </a:pPr>
             <a:r>
               <a:rPr kumimoji="1" lang="ko-KR" altLang="en-US" sz="2000"/>
-              <a:t>신뢰성</a:t>
+              <a:t>마우스를 쓰거나</a:t>
             </a:r>
-            <a:endParaRPr kumimoji="1" lang="en-US" altLang="ko-KR" sz="2000"/>
+            <a:r>
+              <a:rPr kumimoji="1" lang="en-US" altLang="ko-KR" sz="2000"/>
+              <a:t>,</a:t>
+            </a:r>
+            <a:r>
+              <a:rPr kumimoji="1" lang="ko-KR" altLang="en-US" sz="2000"/>
+              <a:t> 타인의 도움을 필요로하는 불편함을 해소</a:t>
+            </a:r>
+            <a:endParaRPr kumimoji="1" lang="ko-KR" altLang="en-US" sz="2000"/>
           </a:p>
           <a:p>
             <a:pPr marL="514350" indent="-514350">
               <a:buAutoNum type="arabicPeriod"/>
+              <a:defRPr/>
             </a:pPr>
-            <a:r>
-              <a:rPr kumimoji="1" lang="ko-KR" altLang="en-US" sz="2000"/>
-              <a:t>편의성</a:t>
-            </a:r>
+            <a:endParaRPr kumimoji="1" lang="ko-KR" altLang="en-US" sz="2000"/>
           </a:p>
         </p:txBody>
       </p:sp>
     </p:spTree>
-    <p:extLst>
-      <p:ext uri="{BB962C8B-B14F-4D97-AF65-F5344CB8AC3E}">
-        <p14:creationId xmlns:p14="http://schemas.microsoft.com/office/powerpoint/2010/main" val="629496055"/>
-      </p:ext>
-    </p:extLst>
   </p:cSld>
   <p:clrMapOvr>
     <a:masterClrMapping/>
   </p:clrMapOvr>
+  <mc:AlternateContent xmlns:mc="http://schemas.openxmlformats.org/markup-compatibility/2006">
+    <mc:Choice xmlns:p14="http://schemas.microsoft.com/office/powerpoint/2010/main" Requires="p14">
+      <p:transition xmlns:mc="http://schemas.openxmlformats.org/markup-compatibility/2006" xmlns:p14="http://schemas.microsoft.com/office/powerpoint/2010/main" mc:Ignorable="p14" p14:dur="500"/>
+    </mc:Choice>
+    <mc:Fallback>
+      <p:transition/>
+    </mc:Fallback>
+  </mc:AlternateContent>
 </p:sld>
 </file>
 
 <file path=ppt/slides/slide3.xml><?xml version="1.0" encoding="utf-8"?>
-<p:sld xmlns:a="http://schemas.openxmlformats.org/drawingml/2006/main" xmlns:r="http://schemas.openxmlformats.org/officeDocument/2006/relationships" xmlns:p="http://schemas.openxmlformats.org/presentationml/2006/main">
+<p:sld xmlns:r="http://schemas.openxmlformats.org/officeDocument/2006/relationships" xmlns:c="http://schemas.openxmlformats.org/drawingml/2006/chart" xmlns:a="http://schemas.openxmlformats.org/drawingml/2006/main" xmlns:dgm="http://schemas.openxmlformats.org/drawingml/2006/diagram" xmlns:dsp="http://schemas.microsoft.com/office/drawing/2008/diagram" xmlns:p="http://schemas.openxmlformats.org/presentationml/2006/main">
   <p:cSld>
     <p:bg>
-      <p:bgPr>
+      <p:bgPr shadeToTitle="0">
         <a:solidFill>
           <a:schemeClr val="bg1"/>
         </a:solidFill>
-        <a:effectLst/>
       </p:bgPr>
     </p:bg>
     <p:spTree>
@@ -5853,26 +6749,11 @@
       </p:grpSpPr>
       <p:sp useBgFill="1">
         <p:nvSpPr>
-          <p:cNvPr id="1031" name="Rectangle 1030">
-            <a:extLst>
-              <a:ext uri="{FF2B5EF4-FFF2-40B4-BE49-F238E27FC236}">
-                <a16:creationId xmlns:a16="http://schemas.microsoft.com/office/drawing/2014/main" id="{0E3596DD-156A-473E-9BB3-C6A29F7574E9}"/>
-              </a:ext>
-              <a:ext uri="{C183D7F6-B498-43B3-948B-1728B52AA6E4}">
-                <adec:decorative xmlns:adec="http://schemas.microsoft.com/office/drawing/2017/decorative" val="1"/>
-              </a:ext>
-            </a:extLst>
-          </p:cNvPr>
+          <p:cNvPr id="8" name="Rectangle 7"/>
           <p:cNvSpPr>
             <a:spLocks noGrp="1" noRot="1" noChangeAspect="1" noMove="1" noResize="1" noEditPoints="1" noAdjustHandles="1" noChangeArrowheads="1" noChangeShapeType="1" noTextEdit="1"/>
           </p:cNvSpPr>
-          <p:nvPr>
-            <p:extLst>
-              <p:ext uri="{386F3935-93C4-4BCD-93E2-E3B085C9AB24}">
-                <p16:designElem xmlns:p16="http://schemas.microsoft.com/office/powerpoint/2015/main" val="1"/>
-              </p:ext>
-            </p:extLst>
-          </p:nvPr>
+          <p:nvPr/>
         </p:nvSpPr>
         <p:spPr>
           <a:xfrm>
@@ -5903,1333 +6784,23 @@
           </a:fontRef>
         </p:style>
         <p:txBody>
-          <a:bodyPr rtlCol="0" anchor="ctr"/>
+          <a:bodyPr anchor="ctr"/>
           <a:lstStyle/>
           <a:p>
-            <a:pPr algn="ctr"/>
+            <a:pPr algn="ctr">
+              <a:defRPr/>
+            </a:pPr>
             <a:endParaRPr lang="en-US"/>
           </a:p>
         </p:txBody>
       </p:sp>
       <p:sp>
         <p:nvSpPr>
-          <p:cNvPr id="1033" name="Freeform: Shape 1032">
-            <a:extLst>
-              <a:ext uri="{FF2B5EF4-FFF2-40B4-BE49-F238E27FC236}">
-                <a16:creationId xmlns:a16="http://schemas.microsoft.com/office/drawing/2014/main" id="{2C46C4D6-C474-4E92-B52E-944C1118F7B6}"/>
-              </a:ext>
-              <a:ext uri="{C183D7F6-B498-43B3-948B-1728B52AA6E4}">
-                <adec:decorative xmlns:adec="http://schemas.microsoft.com/office/drawing/2017/decorative" val="1"/>
-              </a:ext>
-            </a:extLst>
-          </p:cNvPr>
+          <p:cNvPr id="10" name="Freeform: Shape 9"/>
           <p:cNvSpPr>
             <a:spLocks noGrp="1" noRot="1" noChangeAspect="1" noMove="1" noResize="1" noEditPoints="1" noAdjustHandles="1" noChangeArrowheads="1" noChangeShapeType="1" noTextEdit="1"/>
           </p:cNvSpPr>
-          <p:nvPr>
-            <p:extLst>
-              <p:ext uri="{386F3935-93C4-4BCD-93E2-E3B085C9AB24}">
-                <p16:designElem xmlns:p16="http://schemas.microsoft.com/office/powerpoint/2015/main" val="1"/>
-              </p:ext>
-            </p:extLst>
-          </p:nvPr>
-        </p:nvSpPr>
-        <p:spPr>
-          <a:xfrm flipH="1">
-            <a:off x="0" y="0"/>
-            <a:ext cx="5962785" cy="6858000"/>
-          </a:xfrm>
-          <a:custGeom>
-            <a:avLst/>
-            <a:gdLst>
-              <a:gd name="connsiteX0" fmla="*/ 1044839 w 5962785"/>
-              <a:gd name="connsiteY0" fmla="*/ 0 h 6858000"/>
-              <a:gd name="connsiteX1" fmla="*/ 5962785 w 5962785"/>
-              <a:gd name="connsiteY1" fmla="*/ 0 h 6858000"/>
-              <a:gd name="connsiteX2" fmla="*/ 5962785 w 5962785"/>
-              <a:gd name="connsiteY2" fmla="*/ 6858000 h 6858000"/>
-              <a:gd name="connsiteX3" fmla="*/ 1469886 w 5962785"/>
-              <a:gd name="connsiteY3" fmla="*/ 6858000 h 6858000"/>
-              <a:gd name="connsiteX4" fmla="*/ 1416006 w 5962785"/>
-              <a:gd name="connsiteY4" fmla="*/ 6823984 h 6858000"/>
-              <a:gd name="connsiteX5" fmla="*/ 1232473 w 5962785"/>
-              <a:gd name="connsiteY5" fmla="*/ 6733873 h 6858000"/>
-              <a:gd name="connsiteX6" fmla="*/ 1075471 w 5962785"/>
-              <a:gd name="connsiteY6" fmla="*/ 6503186 h 6858000"/>
-              <a:gd name="connsiteX7" fmla="*/ 1020229 w 5962785"/>
-              <a:gd name="connsiteY7" fmla="*/ 6438306 h 6858000"/>
-              <a:gd name="connsiteX8" fmla="*/ 883579 w 5962785"/>
-              <a:gd name="connsiteY8" fmla="*/ 6351798 h 6858000"/>
-              <a:gd name="connsiteX9" fmla="*/ 645167 w 5962785"/>
-              <a:gd name="connsiteY9" fmla="*/ 6167969 h 6858000"/>
-              <a:gd name="connsiteX10" fmla="*/ 732391 w 5962785"/>
-              <a:gd name="connsiteY10" fmla="*/ 6124716 h 6858000"/>
-              <a:gd name="connsiteX11" fmla="*/ 985339 w 5962785"/>
-              <a:gd name="connsiteY11" fmla="*/ 6236455 h 6858000"/>
-              <a:gd name="connsiteX12" fmla="*/ 1168509 w 5962785"/>
-              <a:gd name="connsiteY12" fmla="*/ 6265291 h 6858000"/>
-              <a:gd name="connsiteX13" fmla="*/ 909746 w 5962785"/>
-              <a:gd name="connsiteY13" fmla="*/ 6070649 h 6858000"/>
-              <a:gd name="connsiteX14" fmla="*/ 659704 w 5962785"/>
-              <a:gd name="connsiteY14" fmla="*/ 5818335 h 6858000"/>
-              <a:gd name="connsiteX15" fmla="*/ 851597 w 5962785"/>
-              <a:gd name="connsiteY15" fmla="*/ 5865193 h 6858000"/>
-              <a:gd name="connsiteX16" fmla="*/ 860319 w 5962785"/>
-              <a:gd name="connsiteY16" fmla="*/ 5832753 h 6858000"/>
-              <a:gd name="connsiteX17" fmla="*/ 691686 w 5962785"/>
-              <a:gd name="connsiteY17" fmla="*/ 5533581 h 6858000"/>
-              <a:gd name="connsiteX18" fmla="*/ 610278 w 5962785"/>
-              <a:gd name="connsiteY18" fmla="*/ 5411029 h 6858000"/>
-              <a:gd name="connsiteX19" fmla="*/ 238123 w 5962785"/>
-              <a:gd name="connsiteY19" fmla="*/ 5046976 h 6858000"/>
-              <a:gd name="connsiteX20" fmla="*/ 592833 w 5962785"/>
-              <a:gd name="connsiteY20" fmla="*/ 5209177 h 6858000"/>
-              <a:gd name="connsiteX21" fmla="*/ 226494 w 5962785"/>
-              <a:gd name="connsiteY21" fmla="*/ 4855939 h 6858000"/>
-              <a:gd name="connsiteX22" fmla="*/ 49139 w 5962785"/>
-              <a:gd name="connsiteY22" fmla="*/ 4726177 h 6858000"/>
-              <a:gd name="connsiteX23" fmla="*/ 5527 w 5962785"/>
-              <a:gd name="connsiteY23" fmla="*/ 4650483 h 6858000"/>
-              <a:gd name="connsiteX24" fmla="*/ 84029 w 5962785"/>
-              <a:gd name="connsiteY24" fmla="*/ 4632460 h 6858000"/>
-              <a:gd name="connsiteX25" fmla="*/ 325347 w 5962785"/>
-              <a:gd name="connsiteY25" fmla="*/ 4661296 h 6858000"/>
-              <a:gd name="connsiteX26" fmla="*/ 25879 w 5962785"/>
-              <a:gd name="connsiteY26" fmla="*/ 4423401 h 6858000"/>
-              <a:gd name="connsiteX27" fmla="*/ 249753 w 5962785"/>
-              <a:gd name="connsiteY27" fmla="*/ 4459446 h 6858000"/>
-              <a:gd name="connsiteX28" fmla="*/ 313718 w 5962785"/>
-              <a:gd name="connsiteY28" fmla="*/ 4365729 h 6858000"/>
-              <a:gd name="connsiteX29" fmla="*/ 418386 w 5962785"/>
-              <a:gd name="connsiteY29" fmla="*/ 4214341 h 6858000"/>
-              <a:gd name="connsiteX30" fmla="*/ 491072 w 5962785"/>
-              <a:gd name="connsiteY30" fmla="*/ 4131438 h 6858000"/>
-              <a:gd name="connsiteX31" fmla="*/ 520147 w 5962785"/>
-              <a:gd name="connsiteY31" fmla="*/ 3864706 h 6858000"/>
-              <a:gd name="connsiteX32" fmla="*/ 459090 w 5962785"/>
-              <a:gd name="connsiteY32" fmla="*/ 3572743 h 6858000"/>
-              <a:gd name="connsiteX33" fmla="*/ 290458 w 5962785"/>
-              <a:gd name="connsiteY33" fmla="*/ 3424959 h 6858000"/>
-              <a:gd name="connsiteX34" fmla="*/ 339884 w 5962785"/>
-              <a:gd name="connsiteY34" fmla="*/ 3259153 h 6858000"/>
-              <a:gd name="connsiteX35" fmla="*/ 697501 w 5962785"/>
-              <a:gd name="connsiteY35" fmla="*/ 3360078 h 6858000"/>
-              <a:gd name="connsiteX36" fmla="*/ 165437 w 5962785"/>
-              <a:gd name="connsiteY36" fmla="*/ 2967190 h 6858000"/>
-              <a:gd name="connsiteX37" fmla="*/ 255568 w 5962785"/>
-              <a:gd name="connsiteY37" fmla="*/ 2949167 h 6858000"/>
-              <a:gd name="connsiteX38" fmla="*/ 578296 w 5962785"/>
-              <a:gd name="connsiteY38" fmla="*/ 2725691 h 6858000"/>
-              <a:gd name="connsiteX39" fmla="*/ 595740 w 5962785"/>
-              <a:gd name="connsiteY39" fmla="*/ 2714876 h 6858000"/>
-              <a:gd name="connsiteX40" fmla="*/ 650982 w 5962785"/>
-              <a:gd name="connsiteY40" fmla="*/ 2574301 h 6858000"/>
-              <a:gd name="connsiteX41" fmla="*/ 825429 w 5962785"/>
-              <a:gd name="connsiteY41" fmla="*/ 2552674 h 6858000"/>
-              <a:gd name="connsiteX42" fmla="*/ 970802 w 5962785"/>
-              <a:gd name="connsiteY42" fmla="*/ 2585115 h 6858000"/>
-              <a:gd name="connsiteX43" fmla="*/ 1127805 w 5962785"/>
-              <a:gd name="connsiteY43" fmla="*/ 2545465 h 6858000"/>
-              <a:gd name="connsiteX44" fmla="*/ 1267362 w 5962785"/>
-              <a:gd name="connsiteY44" fmla="*/ 2563488 h 6858000"/>
-              <a:gd name="connsiteX45" fmla="*/ 1386568 w 5962785"/>
-              <a:gd name="connsiteY45" fmla="*/ 2538257 h 6858000"/>
-              <a:gd name="connsiteX46" fmla="*/ 1270270 w 5962785"/>
-              <a:gd name="connsiteY46" fmla="*/ 2419309 h 6858000"/>
-              <a:gd name="connsiteX47" fmla="*/ 1107453 w 5962785"/>
-              <a:gd name="connsiteY47" fmla="*/ 2419309 h 6858000"/>
-              <a:gd name="connsiteX48" fmla="*/ 991154 w 5962785"/>
-              <a:gd name="connsiteY48" fmla="*/ 2343615 h 6858000"/>
-              <a:gd name="connsiteX49" fmla="*/ 880671 w 5962785"/>
-              <a:gd name="connsiteY49" fmla="*/ 2206645 h 6858000"/>
-              <a:gd name="connsiteX50" fmla="*/ 491072 w 5962785"/>
-              <a:gd name="connsiteY50" fmla="*/ 1986771 h 6858000"/>
-              <a:gd name="connsiteX51" fmla="*/ 421293 w 5962785"/>
-              <a:gd name="connsiteY51" fmla="*/ 1903868 h 6858000"/>
-              <a:gd name="connsiteX52" fmla="*/ 1531941 w 5962785"/>
-              <a:gd name="connsiteY52" fmla="*/ 2224667 h 6858000"/>
-              <a:gd name="connsiteX53" fmla="*/ 1188861 w 5962785"/>
-              <a:gd name="connsiteY53" fmla="*/ 2091301 h 6858000"/>
-              <a:gd name="connsiteX54" fmla="*/ 1421458 w 5962785"/>
-              <a:gd name="connsiteY54" fmla="*/ 2116532 h 6858000"/>
-              <a:gd name="connsiteX55" fmla="*/ 1549386 w 5962785"/>
-              <a:gd name="connsiteY55" fmla="*/ 2026420 h 6858000"/>
-              <a:gd name="connsiteX56" fmla="*/ 1549386 w 5962785"/>
-              <a:gd name="connsiteY56" fmla="*/ 1997584 h 6858000"/>
-              <a:gd name="connsiteX57" fmla="*/ 1453440 w 5962785"/>
-              <a:gd name="connsiteY57" fmla="*/ 1914682 h 6858000"/>
-              <a:gd name="connsiteX58" fmla="*/ 1398198 w 5962785"/>
-              <a:gd name="connsiteY58" fmla="*/ 1860614 h 6858000"/>
-              <a:gd name="connsiteX59" fmla="*/ 1247011 w 5962785"/>
-              <a:gd name="connsiteY59" fmla="*/ 1665972 h 6858000"/>
-              <a:gd name="connsiteX60" fmla="*/ 1354586 w 5962785"/>
-              <a:gd name="connsiteY60" fmla="*/ 1644345 h 6858000"/>
-              <a:gd name="connsiteX61" fmla="*/ 1395290 w 5962785"/>
-              <a:gd name="connsiteY61" fmla="*/ 1604696 h 6858000"/>
-              <a:gd name="connsiteX62" fmla="*/ 1366216 w 5962785"/>
-              <a:gd name="connsiteY62" fmla="*/ 1547025 h 6858000"/>
-              <a:gd name="connsiteX63" fmla="*/ 1031858 w 5962785"/>
-              <a:gd name="connsiteY63" fmla="*/ 1370405 h 6858000"/>
-              <a:gd name="connsiteX64" fmla="*/ 1005692 w 5962785"/>
-              <a:gd name="connsiteY64" fmla="*/ 1233435 h 6858000"/>
-              <a:gd name="connsiteX65" fmla="*/ 1069655 w 5962785"/>
-              <a:gd name="connsiteY65" fmla="*/ 1211808 h 6858000"/>
-              <a:gd name="connsiteX66" fmla="*/ 1142342 w 5962785"/>
-              <a:gd name="connsiteY66" fmla="*/ 1222621 h 6858000"/>
-              <a:gd name="connsiteX67" fmla="*/ 1084193 w 5962785"/>
-              <a:gd name="connsiteY67" fmla="*/ 1114487 h 6858000"/>
-              <a:gd name="connsiteX68" fmla="*/ 848689 w 5962785"/>
-              <a:gd name="connsiteY68" fmla="*/ 1006353 h 6858000"/>
-              <a:gd name="connsiteX69" fmla="*/ 805077 w 5962785"/>
-              <a:gd name="connsiteY69" fmla="*/ 948681 h 6858000"/>
-              <a:gd name="connsiteX70" fmla="*/ 863226 w 5962785"/>
-              <a:gd name="connsiteY70" fmla="*/ 919844 h 6858000"/>
-              <a:gd name="connsiteX71" fmla="*/ 906838 w 5962785"/>
-              <a:gd name="connsiteY71" fmla="*/ 909031 h 6858000"/>
-              <a:gd name="connsiteX72" fmla="*/ 5527 w 5962785"/>
-              <a:gd name="connsiteY72" fmla="*/ 458471 h 6858000"/>
-              <a:gd name="connsiteX73" fmla="*/ 209049 w 5962785"/>
-              <a:gd name="connsiteY73" fmla="*/ 454867 h 6858000"/>
-              <a:gd name="connsiteX74" fmla="*/ 409664 w 5962785"/>
-              <a:gd name="connsiteY74" fmla="*/ 526956 h 6858000"/>
-              <a:gd name="connsiteX75" fmla="*/ 621908 w 5962785"/>
-              <a:gd name="connsiteY75" fmla="*/ 516143 h 6858000"/>
-              <a:gd name="connsiteX76" fmla="*/ 822522 w 5962785"/>
-              <a:gd name="connsiteY76" fmla="*/ 552188 h 6858000"/>
-              <a:gd name="connsiteX77" fmla="*/ 996969 w 5962785"/>
-              <a:gd name="connsiteY77" fmla="*/ 552188 h 6858000"/>
-              <a:gd name="connsiteX78" fmla="*/ 834151 w 5962785"/>
-              <a:gd name="connsiteY78" fmla="*/ 498120 h 6858000"/>
-              <a:gd name="connsiteX79" fmla="*/ 773095 w 5962785"/>
-              <a:gd name="connsiteY79" fmla="*/ 408008 h 6858000"/>
-              <a:gd name="connsiteX80" fmla="*/ 793447 w 5962785"/>
-              <a:gd name="connsiteY80" fmla="*/ 325106 h 6858000"/>
-              <a:gd name="connsiteX81" fmla="*/ 860319 w 5962785"/>
-              <a:gd name="connsiteY81" fmla="*/ 350336 h 6858000"/>
-              <a:gd name="connsiteX82" fmla="*/ 938820 w 5962785"/>
-              <a:gd name="connsiteY82" fmla="*/ 444054 h 6858000"/>
-              <a:gd name="connsiteX83" fmla="*/ 956265 w 5962785"/>
-              <a:gd name="connsiteY83" fmla="*/ 386381 h 6858000"/>
-              <a:gd name="connsiteX84" fmla="*/ 1002784 w 5962785"/>
-              <a:gd name="connsiteY84" fmla="*/ 343127 h 6858000"/>
-              <a:gd name="connsiteX85" fmla="*/ 1270270 w 5962785"/>
-              <a:gd name="connsiteY85" fmla="*/ 364755 h 6858000"/>
-              <a:gd name="connsiteX86" fmla="*/ 1092915 w 5962785"/>
-              <a:gd name="connsiteY86" fmla="*/ 180926 h 6858000"/>
-              <a:gd name="connsiteX87" fmla="*/ 979525 w 5962785"/>
-              <a:gd name="connsiteY87" fmla="*/ 152090 h 6858000"/>
-              <a:gd name="connsiteX88" fmla="*/ 953358 w 5962785"/>
-              <a:gd name="connsiteY88" fmla="*/ 76396 h 6858000"/>
-              <a:gd name="connsiteX89" fmla="*/ 1005692 w 5962785"/>
-              <a:gd name="connsiteY89" fmla="*/ 58373 h 6858000"/>
-              <a:gd name="connsiteX90" fmla="*/ 1267362 w 5962785"/>
-              <a:gd name="connsiteY90" fmla="*/ 123254 h 6858000"/>
-              <a:gd name="connsiteX91" fmla="*/ 1310975 w 5962785"/>
-              <a:gd name="connsiteY91" fmla="*/ 98023 h 6858000"/>
-              <a:gd name="connsiteX92" fmla="*/ 1159787 w 5962785"/>
-              <a:gd name="connsiteY92" fmla="*/ 43505 h 6858000"/>
-            </a:gdLst>
-            <a:ahLst/>
-            <a:cxnLst>
-              <a:cxn ang="0">
-                <a:pos x="connsiteX0" y="connsiteY0"/>
-              </a:cxn>
-              <a:cxn ang="0">
-                <a:pos x="connsiteX1" y="connsiteY1"/>
-              </a:cxn>
-              <a:cxn ang="0">
-                <a:pos x="connsiteX2" y="connsiteY2"/>
-              </a:cxn>
-              <a:cxn ang="0">
-                <a:pos x="connsiteX3" y="connsiteY3"/>
-              </a:cxn>
-              <a:cxn ang="0">
-                <a:pos x="connsiteX4" y="connsiteY4"/>
-              </a:cxn>
-              <a:cxn ang="0">
-                <a:pos x="connsiteX5" y="connsiteY5"/>
-              </a:cxn>
-              <a:cxn ang="0">
-                <a:pos x="connsiteX6" y="connsiteY6"/>
-              </a:cxn>
-              <a:cxn ang="0">
-                <a:pos x="connsiteX7" y="connsiteY7"/>
-              </a:cxn>
-              <a:cxn ang="0">
-                <a:pos x="connsiteX8" y="connsiteY8"/>
-              </a:cxn>
-              <a:cxn ang="0">
-                <a:pos x="connsiteX9" y="connsiteY9"/>
-              </a:cxn>
-              <a:cxn ang="0">
-                <a:pos x="connsiteX10" y="connsiteY10"/>
-              </a:cxn>
-              <a:cxn ang="0">
-                <a:pos x="connsiteX11" y="connsiteY11"/>
-              </a:cxn>
-              <a:cxn ang="0">
-                <a:pos x="connsiteX12" y="connsiteY12"/>
-              </a:cxn>
-              <a:cxn ang="0">
-                <a:pos x="connsiteX13" y="connsiteY13"/>
-              </a:cxn>
-              <a:cxn ang="0">
-                <a:pos x="connsiteX14" y="connsiteY14"/>
-              </a:cxn>
-              <a:cxn ang="0">
-                <a:pos x="connsiteX15" y="connsiteY15"/>
-              </a:cxn>
-              <a:cxn ang="0">
-                <a:pos x="connsiteX16" y="connsiteY16"/>
-              </a:cxn>
-              <a:cxn ang="0">
-                <a:pos x="connsiteX17" y="connsiteY17"/>
-              </a:cxn>
-              <a:cxn ang="0">
-                <a:pos x="connsiteX18" y="connsiteY18"/>
-              </a:cxn>
-              <a:cxn ang="0">
-                <a:pos x="connsiteX19" y="connsiteY19"/>
-              </a:cxn>
-              <a:cxn ang="0">
-                <a:pos x="connsiteX20" y="connsiteY20"/>
-              </a:cxn>
-              <a:cxn ang="0">
-                <a:pos x="connsiteX21" y="connsiteY21"/>
-              </a:cxn>
-              <a:cxn ang="0">
-                <a:pos x="connsiteX22" y="connsiteY22"/>
-              </a:cxn>
-              <a:cxn ang="0">
-                <a:pos x="connsiteX23" y="connsiteY23"/>
-              </a:cxn>
-              <a:cxn ang="0">
-                <a:pos x="connsiteX24" y="connsiteY24"/>
-              </a:cxn>
-              <a:cxn ang="0">
-                <a:pos x="connsiteX25" y="connsiteY25"/>
-              </a:cxn>
-              <a:cxn ang="0">
-                <a:pos x="connsiteX26" y="connsiteY26"/>
-              </a:cxn>
-              <a:cxn ang="0">
-                <a:pos x="connsiteX27" y="connsiteY27"/>
-              </a:cxn>
-              <a:cxn ang="0">
-                <a:pos x="connsiteX28" y="connsiteY28"/>
-              </a:cxn>
-              <a:cxn ang="0">
-                <a:pos x="connsiteX29" y="connsiteY29"/>
-              </a:cxn>
-              <a:cxn ang="0">
-                <a:pos x="connsiteX30" y="connsiteY30"/>
-              </a:cxn>
-              <a:cxn ang="0">
-                <a:pos x="connsiteX31" y="connsiteY31"/>
-              </a:cxn>
-              <a:cxn ang="0">
-                <a:pos x="connsiteX32" y="connsiteY32"/>
-              </a:cxn>
-              <a:cxn ang="0">
-                <a:pos x="connsiteX33" y="connsiteY33"/>
-              </a:cxn>
-              <a:cxn ang="0">
-                <a:pos x="connsiteX34" y="connsiteY34"/>
-              </a:cxn>
-              <a:cxn ang="0">
-                <a:pos x="connsiteX35" y="connsiteY35"/>
-              </a:cxn>
-              <a:cxn ang="0">
-                <a:pos x="connsiteX36" y="connsiteY36"/>
-              </a:cxn>
-              <a:cxn ang="0">
-                <a:pos x="connsiteX37" y="connsiteY37"/>
-              </a:cxn>
-              <a:cxn ang="0">
-                <a:pos x="connsiteX38" y="connsiteY38"/>
-              </a:cxn>
-              <a:cxn ang="0">
-                <a:pos x="connsiteX39" y="connsiteY39"/>
-              </a:cxn>
-              <a:cxn ang="0">
-                <a:pos x="connsiteX40" y="connsiteY40"/>
-              </a:cxn>
-              <a:cxn ang="0">
-                <a:pos x="connsiteX41" y="connsiteY41"/>
-              </a:cxn>
-              <a:cxn ang="0">
-                <a:pos x="connsiteX42" y="connsiteY42"/>
-              </a:cxn>
-              <a:cxn ang="0">
-                <a:pos x="connsiteX43" y="connsiteY43"/>
-              </a:cxn>
-              <a:cxn ang="0">
-                <a:pos x="connsiteX44" y="connsiteY44"/>
-              </a:cxn>
-              <a:cxn ang="0">
-                <a:pos x="connsiteX45" y="connsiteY45"/>
-              </a:cxn>
-              <a:cxn ang="0">
-                <a:pos x="connsiteX46" y="connsiteY46"/>
-              </a:cxn>
-              <a:cxn ang="0">
-                <a:pos x="connsiteX47" y="connsiteY47"/>
-              </a:cxn>
-              <a:cxn ang="0">
-                <a:pos x="connsiteX48" y="connsiteY48"/>
-              </a:cxn>
-              <a:cxn ang="0">
-                <a:pos x="connsiteX49" y="connsiteY49"/>
-              </a:cxn>
-              <a:cxn ang="0">
-                <a:pos x="connsiteX50" y="connsiteY50"/>
-              </a:cxn>
-              <a:cxn ang="0">
-                <a:pos x="connsiteX51" y="connsiteY51"/>
-              </a:cxn>
-              <a:cxn ang="0">
-                <a:pos x="connsiteX52" y="connsiteY52"/>
-              </a:cxn>
-              <a:cxn ang="0">
-                <a:pos x="connsiteX53" y="connsiteY53"/>
-              </a:cxn>
-              <a:cxn ang="0">
-                <a:pos x="connsiteX54" y="connsiteY54"/>
-              </a:cxn>
-              <a:cxn ang="0">
-                <a:pos x="connsiteX55" y="connsiteY55"/>
-              </a:cxn>
-              <a:cxn ang="0">
-                <a:pos x="connsiteX56" y="connsiteY56"/>
-              </a:cxn>
-              <a:cxn ang="0">
-                <a:pos x="connsiteX57" y="connsiteY57"/>
-              </a:cxn>
-              <a:cxn ang="0">
-                <a:pos x="connsiteX58" y="connsiteY58"/>
-              </a:cxn>
-              <a:cxn ang="0">
-                <a:pos x="connsiteX59" y="connsiteY59"/>
-              </a:cxn>
-              <a:cxn ang="0">
-                <a:pos x="connsiteX60" y="connsiteY60"/>
-              </a:cxn>
-              <a:cxn ang="0">
-                <a:pos x="connsiteX61" y="connsiteY61"/>
-              </a:cxn>
-              <a:cxn ang="0">
-                <a:pos x="connsiteX62" y="connsiteY62"/>
-              </a:cxn>
-              <a:cxn ang="0">
-                <a:pos x="connsiteX63" y="connsiteY63"/>
-              </a:cxn>
-              <a:cxn ang="0">
-                <a:pos x="connsiteX64" y="connsiteY64"/>
-              </a:cxn>
-              <a:cxn ang="0">
-                <a:pos x="connsiteX65" y="connsiteY65"/>
-              </a:cxn>
-              <a:cxn ang="0">
-                <a:pos x="connsiteX66" y="connsiteY66"/>
-              </a:cxn>
-              <a:cxn ang="0">
-                <a:pos x="connsiteX67" y="connsiteY67"/>
-              </a:cxn>
-              <a:cxn ang="0">
-                <a:pos x="connsiteX68" y="connsiteY68"/>
-              </a:cxn>
-              <a:cxn ang="0">
-                <a:pos x="connsiteX69" y="connsiteY69"/>
-              </a:cxn>
-              <a:cxn ang="0">
-                <a:pos x="connsiteX70" y="connsiteY70"/>
-              </a:cxn>
-              <a:cxn ang="0">
-                <a:pos x="connsiteX71" y="connsiteY71"/>
-              </a:cxn>
-              <a:cxn ang="0">
-                <a:pos x="connsiteX72" y="connsiteY72"/>
-              </a:cxn>
-              <a:cxn ang="0">
-                <a:pos x="connsiteX73" y="connsiteY73"/>
-              </a:cxn>
-              <a:cxn ang="0">
-                <a:pos x="connsiteX74" y="connsiteY74"/>
-              </a:cxn>
-              <a:cxn ang="0">
-                <a:pos x="connsiteX75" y="connsiteY75"/>
-              </a:cxn>
-              <a:cxn ang="0">
-                <a:pos x="connsiteX76" y="connsiteY76"/>
-              </a:cxn>
-              <a:cxn ang="0">
-                <a:pos x="connsiteX77" y="connsiteY77"/>
-              </a:cxn>
-              <a:cxn ang="0">
-                <a:pos x="connsiteX78" y="connsiteY78"/>
-              </a:cxn>
-              <a:cxn ang="0">
-                <a:pos x="connsiteX79" y="connsiteY79"/>
-              </a:cxn>
-              <a:cxn ang="0">
-                <a:pos x="connsiteX80" y="connsiteY80"/>
-              </a:cxn>
-              <a:cxn ang="0">
-                <a:pos x="connsiteX81" y="connsiteY81"/>
-              </a:cxn>
-              <a:cxn ang="0">
-                <a:pos x="connsiteX82" y="connsiteY82"/>
-              </a:cxn>
-              <a:cxn ang="0">
-                <a:pos x="connsiteX83" y="connsiteY83"/>
-              </a:cxn>
-              <a:cxn ang="0">
-                <a:pos x="connsiteX84" y="connsiteY84"/>
-              </a:cxn>
-              <a:cxn ang="0">
-                <a:pos x="connsiteX85" y="connsiteY85"/>
-              </a:cxn>
-              <a:cxn ang="0">
-                <a:pos x="connsiteX86" y="connsiteY86"/>
-              </a:cxn>
-              <a:cxn ang="0">
-                <a:pos x="connsiteX87" y="connsiteY87"/>
-              </a:cxn>
-              <a:cxn ang="0">
-                <a:pos x="connsiteX88" y="connsiteY88"/>
-              </a:cxn>
-              <a:cxn ang="0">
-                <a:pos x="connsiteX89" y="connsiteY89"/>
-              </a:cxn>
-              <a:cxn ang="0">
-                <a:pos x="connsiteX90" y="connsiteY90"/>
-              </a:cxn>
-              <a:cxn ang="0">
-                <a:pos x="connsiteX91" y="connsiteY91"/>
-              </a:cxn>
-              <a:cxn ang="0">
-                <a:pos x="connsiteX92" y="connsiteY92"/>
-              </a:cxn>
-            </a:cxnLst>
-            <a:rect l="l" t="t" r="r" b="b"/>
-            <a:pathLst>
-              <a:path w="5962785" h="6858000">
-                <a:moveTo>
-                  <a:pt x="1044839" y="0"/>
-                </a:moveTo>
-                <a:lnTo>
-                  <a:pt x="5962785" y="0"/>
-                </a:lnTo>
-                <a:lnTo>
-                  <a:pt x="5962785" y="6858000"/>
-                </a:lnTo>
-                <a:lnTo>
-                  <a:pt x="1469886" y="6858000"/>
-                </a:lnTo>
-                <a:lnTo>
-                  <a:pt x="1416006" y="6823984"/>
-                </a:lnTo>
-                <a:cubicBezTo>
-                  <a:pt x="1356767" y="6787940"/>
-                  <a:pt x="1296437" y="6755500"/>
-                  <a:pt x="1232473" y="6733873"/>
-                </a:cubicBezTo>
-                <a:cubicBezTo>
-                  <a:pt x="1145250" y="6705037"/>
-                  <a:pt x="1060933" y="6654575"/>
-                  <a:pt x="1075471" y="6503186"/>
-                </a:cubicBezTo>
-                <a:cubicBezTo>
-                  <a:pt x="1078378" y="6459932"/>
-                  <a:pt x="1055118" y="6427493"/>
-                  <a:pt x="1020229" y="6438306"/>
-                </a:cubicBezTo>
-                <a:cubicBezTo>
-                  <a:pt x="953358" y="6459932"/>
-                  <a:pt x="921375" y="6398656"/>
-                  <a:pt x="883579" y="6351798"/>
-                </a:cubicBezTo>
-                <a:cubicBezTo>
-                  <a:pt x="816707" y="6268895"/>
-                  <a:pt x="752743" y="6182387"/>
-                  <a:pt x="645167" y="6167969"/>
-                </a:cubicBezTo>
-                <a:cubicBezTo>
-                  <a:pt x="665519" y="6103088"/>
-                  <a:pt x="700408" y="6110298"/>
-                  <a:pt x="732391" y="6124716"/>
-                </a:cubicBezTo>
-                <a:cubicBezTo>
-                  <a:pt x="816707" y="6160761"/>
-                  <a:pt x="901023" y="6200410"/>
-                  <a:pt x="985339" y="6236455"/>
-                </a:cubicBezTo>
-                <a:cubicBezTo>
-                  <a:pt x="1040581" y="6258081"/>
-                  <a:pt x="1095822" y="6290522"/>
-                  <a:pt x="1168509" y="6265291"/>
-                </a:cubicBezTo>
-                <a:cubicBezTo>
-                  <a:pt x="1104545" y="6135530"/>
-                  <a:pt x="996969" y="6110298"/>
-                  <a:pt x="909746" y="6070649"/>
-                </a:cubicBezTo>
-                <a:cubicBezTo>
-                  <a:pt x="802169" y="6020185"/>
-                  <a:pt x="738206" y="5926470"/>
-                  <a:pt x="659704" y="5818335"/>
-                </a:cubicBezTo>
-                <a:cubicBezTo>
-                  <a:pt x="738206" y="5789500"/>
-                  <a:pt x="787632" y="5868798"/>
-                  <a:pt x="851597" y="5865193"/>
-                </a:cubicBezTo>
-                <a:cubicBezTo>
-                  <a:pt x="854504" y="5854380"/>
-                  <a:pt x="860319" y="5832753"/>
-                  <a:pt x="860319" y="5832753"/>
-                </a:cubicBezTo>
-                <a:cubicBezTo>
-                  <a:pt x="755650" y="5775081"/>
-                  <a:pt x="709132" y="5666947"/>
-                  <a:pt x="691686" y="5533581"/>
-                </a:cubicBezTo>
-                <a:cubicBezTo>
-                  <a:pt x="685872" y="5465095"/>
-                  <a:pt x="648075" y="5443468"/>
-                  <a:pt x="610278" y="5411029"/>
-                </a:cubicBezTo>
-                <a:cubicBezTo>
-                  <a:pt x="482350" y="5299289"/>
-                  <a:pt x="345700" y="5198364"/>
-                  <a:pt x="238123" y="5046976"/>
-                </a:cubicBezTo>
-                <a:cubicBezTo>
-                  <a:pt x="363144" y="5064998"/>
-                  <a:pt x="461997" y="5165924"/>
-                  <a:pt x="592833" y="5209177"/>
-                </a:cubicBezTo>
-                <a:cubicBezTo>
-                  <a:pt x="488165" y="5043371"/>
-                  <a:pt x="351514" y="4956864"/>
-                  <a:pt x="226494" y="4855939"/>
-                </a:cubicBezTo>
-                <a:cubicBezTo>
-                  <a:pt x="168344" y="4809081"/>
-                  <a:pt x="116011" y="4751408"/>
-                  <a:pt x="49139" y="4726177"/>
-                </a:cubicBezTo>
-                <a:cubicBezTo>
-                  <a:pt x="25879" y="4718968"/>
-                  <a:pt x="-14825" y="4700947"/>
-                  <a:pt x="5527" y="4650483"/>
-                </a:cubicBezTo>
-                <a:cubicBezTo>
-                  <a:pt x="22972" y="4607230"/>
-                  <a:pt x="54954" y="4621648"/>
-                  <a:pt x="84029" y="4632460"/>
-                </a:cubicBezTo>
-                <a:cubicBezTo>
-                  <a:pt x="153807" y="4661296"/>
-                  <a:pt x="229401" y="4661296"/>
-                  <a:pt x="325347" y="4661296"/>
-                </a:cubicBezTo>
-                <a:cubicBezTo>
-                  <a:pt x="243939" y="4524326"/>
-                  <a:pt x="95658" y="4567580"/>
-                  <a:pt x="25879" y="4423401"/>
-                </a:cubicBezTo>
-                <a:cubicBezTo>
-                  <a:pt x="113103" y="4398170"/>
-                  <a:pt x="179975" y="4448632"/>
-                  <a:pt x="249753" y="4459446"/>
-                </a:cubicBezTo>
-                <a:cubicBezTo>
-                  <a:pt x="313718" y="4470259"/>
-                  <a:pt x="328254" y="4445028"/>
-                  <a:pt x="313718" y="4365729"/>
-                </a:cubicBezTo>
-                <a:cubicBezTo>
-                  <a:pt x="290458" y="4243177"/>
-                  <a:pt x="325347" y="4181900"/>
-                  <a:pt x="418386" y="4214341"/>
-                </a:cubicBezTo>
-                <a:cubicBezTo>
-                  <a:pt x="505609" y="4246781"/>
-                  <a:pt x="514332" y="4199922"/>
-                  <a:pt x="491072" y="4131438"/>
-                </a:cubicBezTo>
-                <a:cubicBezTo>
-                  <a:pt x="456183" y="4030512"/>
-                  <a:pt x="493979" y="3951214"/>
-                  <a:pt x="520147" y="3864706"/>
-                </a:cubicBezTo>
-                <a:cubicBezTo>
-                  <a:pt x="560851" y="3734945"/>
-                  <a:pt x="543407" y="3670064"/>
-                  <a:pt x="459090" y="3572743"/>
-                </a:cubicBezTo>
-                <a:cubicBezTo>
-                  <a:pt x="409664" y="3518676"/>
-                  <a:pt x="360236" y="3471818"/>
-                  <a:pt x="290458" y="3424959"/>
-                </a:cubicBezTo>
-                <a:cubicBezTo>
-                  <a:pt x="450368" y="3399728"/>
-                  <a:pt x="284643" y="3313221"/>
-                  <a:pt x="339884" y="3259153"/>
-                </a:cubicBezTo>
-                <a:cubicBezTo>
-                  <a:pt x="453275" y="3237527"/>
-                  <a:pt x="543407" y="3410542"/>
-                  <a:pt x="697501" y="3360078"/>
-                </a:cubicBezTo>
-                <a:cubicBezTo>
-                  <a:pt x="511425" y="3212294"/>
-                  <a:pt x="302087" y="3165436"/>
-                  <a:pt x="165437" y="2967190"/>
-                </a:cubicBezTo>
-                <a:cubicBezTo>
-                  <a:pt x="197419" y="2923937"/>
-                  <a:pt x="229401" y="2967190"/>
-                  <a:pt x="255568" y="2949167"/>
-                </a:cubicBezTo>
-                <a:cubicBezTo>
-                  <a:pt x="255568" y="2938354"/>
-                  <a:pt x="560851" y="3006840"/>
-                  <a:pt x="578296" y="2725691"/>
-                </a:cubicBezTo>
-                <a:cubicBezTo>
-                  <a:pt x="584111" y="2725691"/>
-                  <a:pt x="589926" y="2725691"/>
-                  <a:pt x="595740" y="2714876"/>
-                </a:cubicBezTo>
-                <a:cubicBezTo>
-                  <a:pt x="627722" y="2675228"/>
-                  <a:pt x="598648" y="2581510"/>
-                  <a:pt x="650982" y="2574301"/>
-                </a:cubicBezTo>
-                <a:cubicBezTo>
-                  <a:pt x="709132" y="2567092"/>
-                  <a:pt x="764373" y="2534653"/>
-                  <a:pt x="825429" y="2552674"/>
-                </a:cubicBezTo>
-                <a:cubicBezTo>
-                  <a:pt x="871949" y="2567092"/>
-                  <a:pt x="921375" y="2585115"/>
-                  <a:pt x="970802" y="2585115"/>
-                </a:cubicBezTo>
-                <a:cubicBezTo>
-                  <a:pt x="1023136" y="2585115"/>
-                  <a:pt x="1095822" y="2707668"/>
-                  <a:pt x="1127805" y="2545465"/>
-                </a:cubicBezTo>
-                <a:cubicBezTo>
-                  <a:pt x="1127805" y="2538257"/>
-                  <a:pt x="1217936" y="2556280"/>
-                  <a:pt x="1267362" y="2563488"/>
-                </a:cubicBezTo>
-                <a:cubicBezTo>
-                  <a:pt x="1308067" y="2570698"/>
-                  <a:pt x="1357494" y="2603137"/>
-                  <a:pt x="1386568" y="2538257"/>
-                </a:cubicBezTo>
-                <a:cubicBezTo>
-                  <a:pt x="1401105" y="2498607"/>
-                  <a:pt x="1331326" y="2426518"/>
-                  <a:pt x="1270270" y="2419309"/>
-                </a:cubicBezTo>
-                <a:cubicBezTo>
-                  <a:pt x="1215029" y="2412101"/>
-                  <a:pt x="1159787" y="2404892"/>
-                  <a:pt x="1107453" y="2419309"/>
-                </a:cubicBezTo>
-                <a:cubicBezTo>
-                  <a:pt x="1043489" y="2437331"/>
-                  <a:pt x="1008599" y="2408495"/>
-                  <a:pt x="991154" y="2343615"/>
-                </a:cubicBezTo>
-                <a:cubicBezTo>
-                  <a:pt x="970802" y="2275131"/>
-                  <a:pt x="933005" y="2239085"/>
-                  <a:pt x="880671" y="2206645"/>
-                </a:cubicBezTo>
-                <a:cubicBezTo>
-                  <a:pt x="752743" y="2127346"/>
-                  <a:pt x="630630" y="2033629"/>
-                  <a:pt x="491072" y="1986771"/>
-                </a:cubicBezTo>
-                <a:cubicBezTo>
-                  <a:pt x="464905" y="1979562"/>
-                  <a:pt x="432923" y="1965145"/>
-                  <a:pt x="421293" y="1903868"/>
-                </a:cubicBezTo>
-                <a:cubicBezTo>
-                  <a:pt x="799262" y="1997584"/>
-                  <a:pt x="1142342" y="2239085"/>
-                  <a:pt x="1531941" y="2224667"/>
-                </a:cubicBezTo>
-                <a:cubicBezTo>
-                  <a:pt x="1427272" y="2148974"/>
-                  <a:pt x="1302252" y="2145369"/>
-                  <a:pt x="1188861" y="2091301"/>
-                </a:cubicBezTo>
-                <a:cubicBezTo>
-                  <a:pt x="1270270" y="2051652"/>
-                  <a:pt x="1345864" y="2094906"/>
-                  <a:pt x="1421458" y="2116532"/>
-                </a:cubicBezTo>
-                <a:cubicBezTo>
-                  <a:pt x="1485422" y="2134554"/>
-                  <a:pt x="1543571" y="2138160"/>
-                  <a:pt x="1549386" y="2026420"/>
-                </a:cubicBezTo>
-                <a:cubicBezTo>
-                  <a:pt x="1549386" y="2015607"/>
-                  <a:pt x="1549386" y="2008398"/>
-                  <a:pt x="1549386" y="1997584"/>
-                </a:cubicBezTo>
-                <a:cubicBezTo>
-                  <a:pt x="1526126" y="1950727"/>
-                  <a:pt x="1494144" y="1929099"/>
-                  <a:pt x="1453440" y="1914682"/>
-                </a:cubicBezTo>
-                <a:cubicBezTo>
-                  <a:pt x="1430180" y="1907473"/>
-                  <a:pt x="1398198" y="1893056"/>
-                  <a:pt x="1398198" y="1860614"/>
-                </a:cubicBezTo>
-                <a:cubicBezTo>
-                  <a:pt x="1401105" y="1738063"/>
-                  <a:pt x="1322604" y="1702018"/>
-                  <a:pt x="1247011" y="1665972"/>
-                </a:cubicBezTo>
-                <a:cubicBezTo>
-                  <a:pt x="1287715" y="1604696"/>
-                  <a:pt x="1322604" y="1647950"/>
-                  <a:pt x="1354586" y="1644345"/>
-                </a:cubicBezTo>
-                <a:cubicBezTo>
-                  <a:pt x="1374939" y="1640741"/>
-                  <a:pt x="1395290" y="1637138"/>
-                  <a:pt x="1395290" y="1604696"/>
-                </a:cubicBezTo>
-                <a:cubicBezTo>
-                  <a:pt x="1395290" y="1579465"/>
-                  <a:pt x="1386568" y="1547025"/>
-                  <a:pt x="1366216" y="1547025"/>
-                </a:cubicBezTo>
-                <a:cubicBezTo>
-                  <a:pt x="1238288" y="1543420"/>
-                  <a:pt x="1165601" y="1370405"/>
-                  <a:pt x="1031858" y="1370405"/>
-                </a:cubicBezTo>
-                <a:cubicBezTo>
-                  <a:pt x="950450" y="1370405"/>
-                  <a:pt x="1072563" y="1273083"/>
-                  <a:pt x="1005692" y="1233435"/>
-                </a:cubicBezTo>
-                <a:cubicBezTo>
-                  <a:pt x="991154" y="1222621"/>
-                  <a:pt x="1046396" y="1208203"/>
-                  <a:pt x="1069655" y="1211808"/>
-                </a:cubicBezTo>
-                <a:cubicBezTo>
-                  <a:pt x="1092915" y="1215412"/>
-                  <a:pt x="1113268" y="1240644"/>
-                  <a:pt x="1142342" y="1222621"/>
-                </a:cubicBezTo>
-                <a:cubicBezTo>
-                  <a:pt x="1156879" y="1157741"/>
-                  <a:pt x="1119082" y="1132510"/>
-                  <a:pt x="1084193" y="1114487"/>
-                </a:cubicBezTo>
-                <a:cubicBezTo>
-                  <a:pt x="1008599" y="1071234"/>
-                  <a:pt x="933005" y="1020771"/>
-                  <a:pt x="848689" y="1006353"/>
-                </a:cubicBezTo>
-                <a:cubicBezTo>
-                  <a:pt x="819615" y="1002748"/>
-                  <a:pt x="802169" y="984726"/>
-                  <a:pt x="805077" y="948681"/>
-                </a:cubicBezTo>
-                <a:cubicBezTo>
-                  <a:pt x="810892" y="901822"/>
-                  <a:pt x="839967" y="916240"/>
-                  <a:pt x="863226" y="919844"/>
-                </a:cubicBezTo>
-                <a:cubicBezTo>
-                  <a:pt x="877764" y="923450"/>
-                  <a:pt x="892301" y="934263"/>
-                  <a:pt x="906838" y="909031"/>
-                </a:cubicBezTo>
-                <a:cubicBezTo>
-                  <a:pt x="566666" y="653113"/>
-                  <a:pt x="386404" y="667532"/>
-                  <a:pt x="5527" y="458471"/>
-                </a:cubicBezTo>
-                <a:cubicBezTo>
-                  <a:pt x="89843" y="418822"/>
-                  <a:pt x="150900" y="447658"/>
-                  <a:pt x="209049" y="454867"/>
-                </a:cubicBezTo>
-                <a:cubicBezTo>
-                  <a:pt x="354422" y="472890"/>
-                  <a:pt x="264290" y="505329"/>
-                  <a:pt x="409664" y="526956"/>
-                </a:cubicBezTo>
-                <a:cubicBezTo>
-                  <a:pt x="479443" y="537770"/>
-                  <a:pt x="543407" y="573815"/>
-                  <a:pt x="621908" y="516143"/>
-                </a:cubicBezTo>
-                <a:cubicBezTo>
-                  <a:pt x="674242" y="476494"/>
-                  <a:pt x="758558" y="519747"/>
-                  <a:pt x="822522" y="552188"/>
-                </a:cubicBezTo>
-                <a:cubicBezTo>
-                  <a:pt x="874856" y="581024"/>
-                  <a:pt x="927190" y="588232"/>
-                  <a:pt x="996969" y="552188"/>
-                </a:cubicBezTo>
-                <a:cubicBezTo>
-                  <a:pt x="933005" y="530562"/>
-                  <a:pt x="883579" y="512539"/>
-                  <a:pt x="834151" y="498120"/>
-                </a:cubicBezTo>
-                <a:cubicBezTo>
-                  <a:pt x="793447" y="487307"/>
-                  <a:pt x="770187" y="462076"/>
-                  <a:pt x="773095" y="408008"/>
-                </a:cubicBezTo>
-                <a:cubicBezTo>
-                  <a:pt x="773095" y="379172"/>
-                  <a:pt x="764373" y="339523"/>
-                  <a:pt x="793447" y="325106"/>
-                </a:cubicBezTo>
-                <a:cubicBezTo>
-                  <a:pt x="816707" y="310688"/>
-                  <a:pt x="848689" y="325106"/>
-                  <a:pt x="860319" y="350336"/>
-                </a:cubicBezTo>
-                <a:cubicBezTo>
-                  <a:pt x="874856" y="397195"/>
-                  <a:pt x="889393" y="440449"/>
-                  <a:pt x="938820" y="444054"/>
-                </a:cubicBezTo>
-                <a:cubicBezTo>
-                  <a:pt x="1005692" y="451262"/>
-                  <a:pt x="967894" y="422426"/>
-                  <a:pt x="956265" y="386381"/>
-                </a:cubicBezTo>
-                <a:cubicBezTo>
-                  <a:pt x="944635" y="346733"/>
-                  <a:pt x="979525" y="335919"/>
-                  <a:pt x="1002784" y="343127"/>
-                </a:cubicBezTo>
-                <a:cubicBezTo>
-                  <a:pt x="1090008" y="375569"/>
-                  <a:pt x="1180139" y="317897"/>
-                  <a:pt x="1270270" y="364755"/>
-                </a:cubicBezTo>
-                <a:cubicBezTo>
-                  <a:pt x="1247011" y="249411"/>
-                  <a:pt x="1197583" y="198949"/>
-                  <a:pt x="1092915" y="180926"/>
-                </a:cubicBezTo>
-                <a:cubicBezTo>
-                  <a:pt x="1055118" y="177322"/>
-                  <a:pt x="1014414" y="184530"/>
-                  <a:pt x="979525" y="152090"/>
-                </a:cubicBezTo>
-                <a:cubicBezTo>
-                  <a:pt x="959172" y="134068"/>
-                  <a:pt x="938820" y="112441"/>
-                  <a:pt x="953358" y="76396"/>
-                </a:cubicBezTo>
-                <a:cubicBezTo>
-                  <a:pt x="962080" y="51165"/>
-                  <a:pt x="985339" y="51165"/>
-                  <a:pt x="1005692" y="58373"/>
-                </a:cubicBezTo>
-                <a:cubicBezTo>
-                  <a:pt x="1090008" y="98023"/>
-                  <a:pt x="1180139" y="108837"/>
-                  <a:pt x="1267362" y="123254"/>
-                </a:cubicBezTo>
-                <a:cubicBezTo>
-                  <a:pt x="1281900" y="126859"/>
-                  <a:pt x="1296437" y="134068"/>
-                  <a:pt x="1310975" y="98023"/>
-                </a:cubicBezTo>
-                <a:cubicBezTo>
-                  <a:pt x="1260095" y="81803"/>
-                  <a:pt x="1209941" y="62879"/>
-                  <a:pt x="1159787" y="43505"/>
-                </a:cubicBezTo>
-                <a:close/>
-              </a:path>
-            </a:pathLst>
-          </a:custGeom>
-          <a:solidFill>
-            <a:schemeClr val="bg2">
-              <a:alpha val="50000"/>
-            </a:schemeClr>
-          </a:solidFill>
-          <a:ln w="32707" cap="flat">
-            <a:noFill/>
-            <a:prstDash val="solid"/>
-            <a:miter/>
-          </a:ln>
-        </p:spPr>
-        <p:txBody>
-          <a:bodyPr wrap="square" rtlCol="0" anchor="ctr">
-            <a:noAutofit/>
-          </a:bodyPr>
-          <a:lstStyle/>
-          <a:p>
-            <a:pPr algn="ctr"/>
-            <a:endParaRPr lang="en-US"/>
-          </a:p>
-        </p:txBody>
-      </p:sp>
-      <p:sp>
-        <p:nvSpPr>
-          <p:cNvPr id="2" name="제목 1">
-            <a:extLst>
-              <a:ext uri="{FF2B5EF4-FFF2-40B4-BE49-F238E27FC236}">
-                <a16:creationId xmlns:a16="http://schemas.microsoft.com/office/drawing/2014/main" id="{A2E0F15D-A415-7975-97F0-D59BF90BC90D}"/>
-              </a:ext>
-            </a:extLst>
-          </p:cNvPr>
-          <p:cNvSpPr>
-            <a:spLocks noGrp="1"/>
-          </p:cNvSpPr>
-          <p:nvPr>
-            <p:ph type="title"/>
-          </p:nvPr>
-        </p:nvSpPr>
-        <p:spPr>
-          <a:xfrm>
-            <a:off x="838201" y="643467"/>
-            <a:ext cx="3888526" cy="1800526"/>
-          </a:xfrm>
-        </p:spPr>
-        <p:txBody>
-          <a:bodyPr>
-            <a:normAutofit/>
-          </a:bodyPr>
-          <a:lstStyle/>
-          <a:p>
-            <a:r>
-              <a:rPr kumimoji="1" lang="ko-KR" altLang="en-US" dirty="0"/>
-              <a:t>사용 오픈소스</a:t>
-            </a:r>
-          </a:p>
-        </p:txBody>
-      </p:sp>
-      <p:sp>
-        <p:nvSpPr>
-          <p:cNvPr id="3" name="내용 개체 틀 2">
-            <a:extLst>
-              <a:ext uri="{FF2B5EF4-FFF2-40B4-BE49-F238E27FC236}">
-                <a16:creationId xmlns:a16="http://schemas.microsoft.com/office/drawing/2014/main" id="{7E2D7FCB-F03E-4CE8-90CF-FCB7395F1F4D}"/>
-              </a:ext>
-            </a:extLst>
-          </p:cNvPr>
-          <p:cNvSpPr>
-            <a:spLocks noGrp="1"/>
-          </p:cNvSpPr>
-          <p:nvPr>
-            <p:ph idx="1"/>
-          </p:nvPr>
-        </p:nvSpPr>
-        <p:spPr>
-          <a:xfrm>
-            <a:off x="838201" y="2623381"/>
-            <a:ext cx="3888528" cy="3553581"/>
-          </a:xfrm>
-        </p:spPr>
-        <p:txBody>
-          <a:bodyPr>
-            <a:normAutofit/>
-          </a:bodyPr>
-          <a:lstStyle/>
-          <a:p>
-            <a:r>
-              <a:rPr kumimoji="1" lang="en-US" altLang="ko-KR" sz="2000" dirty="0"/>
-              <a:t>OpenCV</a:t>
-            </a:r>
-          </a:p>
-          <a:p>
-            <a:r>
-              <a:rPr kumimoji="1" lang="en-US" altLang="ko-KR" sz="2000" dirty="0" err="1"/>
-              <a:t>Mediapipe</a:t>
-            </a:r>
-            <a:endParaRPr kumimoji="1" lang="en-US" altLang="ko-KR" sz="2000" dirty="0"/>
-          </a:p>
-          <a:p>
-            <a:pPr marL="0" indent="0">
-              <a:buNone/>
-            </a:pPr>
-            <a:endParaRPr kumimoji="1" lang="en-US" altLang="ko-KR" sz="2000" dirty="0"/>
-          </a:p>
-          <a:p>
-            <a:pPr marL="0" indent="0">
-              <a:buNone/>
-            </a:pPr>
-            <a:endParaRPr kumimoji="1" lang="en-US" altLang="ko-KR" sz="2000" dirty="0"/>
-          </a:p>
-          <a:p>
-            <a:pPr marL="0" indent="0">
-              <a:buNone/>
-            </a:pPr>
-            <a:endParaRPr kumimoji="1" lang="en-US" altLang="ko-KR" sz="2000" dirty="0"/>
-          </a:p>
-          <a:p>
-            <a:pPr marL="0" indent="0">
-              <a:buNone/>
-            </a:pPr>
-            <a:r>
-              <a:rPr kumimoji="1" lang="ko-KR" altLang="en-US" sz="2000" dirty="0"/>
-              <a:t>사용 언어 </a:t>
-            </a:r>
-            <a:r>
-              <a:rPr kumimoji="1" lang="en-US" altLang="ko-KR" sz="2000" dirty="0"/>
-              <a:t>=</a:t>
-            </a:r>
-            <a:r>
-              <a:rPr kumimoji="1" lang="ko-KR" altLang="en-US" sz="2000" dirty="0"/>
-              <a:t> </a:t>
-            </a:r>
-            <a:r>
-              <a:rPr kumimoji="1" lang="en-US" altLang="ko-KR" sz="2000" dirty="0"/>
-              <a:t>Python</a:t>
-            </a:r>
-          </a:p>
-          <a:p>
-            <a:pPr marL="0" indent="0">
-              <a:buNone/>
-            </a:pPr>
-            <a:endParaRPr kumimoji="1" lang="ko-KR" altLang="en-US" sz="2000" dirty="0"/>
-          </a:p>
-        </p:txBody>
-      </p:sp>
-      <p:pic>
-        <p:nvPicPr>
-          <p:cNvPr id="1026" name="Picture 2" descr="OpenCV - 나무위키">
-            <a:extLst>
-              <a:ext uri="{FF2B5EF4-FFF2-40B4-BE49-F238E27FC236}">
-                <a16:creationId xmlns:a16="http://schemas.microsoft.com/office/drawing/2014/main" id="{6496664E-0B34-2D12-23C2-F15D7161D53D}"/>
-              </a:ext>
-            </a:extLst>
-          </p:cNvPr>
-          <p:cNvPicPr>
-            <a:picLocks noChangeAspect="1" noChangeArrowheads="1"/>
-          </p:cNvPicPr>
           <p:nvPr/>
-        </p:nvPicPr>
-        <p:blipFill>
-          <a:blip r:embed="rId2">
-            <a:extLst>
-              <a:ext uri="{28A0092B-C50C-407E-A947-70E740481C1C}">
-                <a14:useLocalDpi xmlns:a14="http://schemas.microsoft.com/office/drawing/2010/main" val="0"/>
-              </a:ext>
-            </a:extLst>
-          </a:blip>
-          <a:stretch>
-            <a:fillRect/>
-          </a:stretch>
-        </p:blipFill>
-        <p:spPr bwMode="auto">
-          <a:xfrm>
-            <a:off x="7949176" y="291155"/>
-            <a:ext cx="2546369" cy="3369281"/>
-          </a:xfrm>
-          <a:prstGeom prst="rect">
-            <a:avLst/>
-          </a:prstGeom>
-          <a:noFill/>
-          <a:extLst>
-            <a:ext uri="{909E8E84-426E-40DD-AFC4-6F175D3DCCD1}">
-              <a14:hiddenFill xmlns:a14="http://schemas.microsoft.com/office/drawing/2010/main">
-                <a:solidFill>
-                  <a:srgbClr val="FFFFFF"/>
-                </a:solidFill>
-              </a14:hiddenFill>
-            </a:ext>
-          </a:extLst>
-        </p:spPr>
-      </p:pic>
-      <p:pic>
-        <p:nvPicPr>
-          <p:cNvPr id="1028" name="Picture 4" descr="MediaPipe: Google's Open Source Framework (2024 Guide) - viso.ai">
-            <a:extLst>
-              <a:ext uri="{FF2B5EF4-FFF2-40B4-BE49-F238E27FC236}">
-                <a16:creationId xmlns:a16="http://schemas.microsoft.com/office/drawing/2014/main" id="{CD21784C-3B71-6AFD-6BF3-38105CA84038}"/>
-              </a:ext>
-            </a:extLst>
-          </p:cNvPr>
-          <p:cNvPicPr>
-            <a:picLocks noChangeAspect="1" noChangeArrowheads="1"/>
-          </p:cNvPicPr>
-          <p:nvPr/>
-        </p:nvPicPr>
-        <p:blipFill>
-          <a:blip r:embed="rId3">
-            <a:extLst>
-              <a:ext uri="{28A0092B-C50C-407E-A947-70E740481C1C}">
-                <a14:useLocalDpi xmlns:a14="http://schemas.microsoft.com/office/drawing/2010/main" val="0"/>
-              </a:ext>
-            </a:extLst>
-          </a:blip>
-          <a:srcRect/>
-          <a:stretch>
-            <a:fillRect/>
-          </a:stretch>
-        </p:blipFill>
-        <p:spPr bwMode="auto">
-          <a:xfrm>
-            <a:off x="7476111" y="3951590"/>
-            <a:ext cx="3492500" cy="2324100"/>
-          </a:xfrm>
-          <a:prstGeom prst="rect">
-            <a:avLst/>
-          </a:prstGeom>
-          <a:noFill/>
-          <a:extLst>
-            <a:ext uri="{909E8E84-426E-40DD-AFC4-6F175D3DCCD1}">
-              <a14:hiddenFill xmlns:a14="http://schemas.microsoft.com/office/drawing/2010/main">
-                <a:solidFill>
-                  <a:srgbClr val="FFFFFF"/>
-                </a:solidFill>
-              </a14:hiddenFill>
-            </a:ext>
-          </a:extLst>
-        </p:spPr>
-      </p:pic>
-    </p:spTree>
-    <p:extLst>
-      <p:ext uri="{BB962C8B-B14F-4D97-AF65-F5344CB8AC3E}">
-        <p14:creationId xmlns:p14="http://schemas.microsoft.com/office/powerpoint/2010/main" val="2699046948"/>
-      </p:ext>
-    </p:extLst>
-  </p:cSld>
-  <p:clrMapOvr>
-    <a:masterClrMapping/>
-  </p:clrMapOvr>
-</p:sld>
-</file>
-
-<file path=ppt/slides/slide4.xml><?xml version="1.0" encoding="utf-8"?>
-<p:sld xmlns:a="http://schemas.openxmlformats.org/drawingml/2006/main" xmlns:r="http://schemas.openxmlformats.org/officeDocument/2006/relationships" xmlns:p="http://schemas.openxmlformats.org/presentationml/2006/main">
-  <p:cSld>
-    <p:bg>
-      <p:bgPr>
-        <a:solidFill>
-          <a:schemeClr val="bg1"/>
-        </a:solidFill>
-        <a:effectLst/>
-      </p:bgPr>
-    </p:bg>
-    <p:spTree>
-      <p:nvGrpSpPr>
-        <p:cNvPr id="1" name=""/>
-        <p:cNvGrpSpPr/>
-        <p:nvPr/>
-      </p:nvGrpSpPr>
-      <p:grpSpPr>
-        <a:xfrm>
-          <a:off x="0" y="0"/>
-          <a:ext cx="0" cy="0"/>
-          <a:chOff x="0" y="0"/>
-          <a:chExt cx="0" cy="0"/>
-        </a:xfrm>
-      </p:grpSpPr>
-      <p:sp useBgFill="1">
-        <p:nvSpPr>
-          <p:cNvPr id="8" name="Rectangle 7">
-            <a:extLst>
-              <a:ext uri="{FF2B5EF4-FFF2-40B4-BE49-F238E27FC236}">
-                <a16:creationId xmlns:a16="http://schemas.microsoft.com/office/drawing/2014/main" id="{95408913-B323-422F-B521-2957A5B7FEE8}"/>
-              </a:ext>
-              <a:ext uri="{C183D7F6-B498-43B3-948B-1728B52AA6E4}">
-                <adec:decorative xmlns:adec="http://schemas.microsoft.com/office/drawing/2017/decorative" val="1"/>
-              </a:ext>
-            </a:extLst>
-          </p:cNvPr>
-          <p:cNvSpPr>
-            <a:spLocks noGrp="1" noRot="1" noChangeAspect="1" noMove="1" noResize="1" noEditPoints="1" noAdjustHandles="1" noChangeArrowheads="1" noChangeShapeType="1" noTextEdit="1"/>
-          </p:cNvSpPr>
-          <p:nvPr>
-            <p:extLst>
-              <p:ext uri="{386F3935-93C4-4BCD-93E2-E3B085C9AB24}">
-                <p16:designElem xmlns:p16="http://schemas.microsoft.com/office/powerpoint/2015/main" val="1"/>
-              </p:ext>
-            </p:extLst>
-          </p:nvPr>
-        </p:nvSpPr>
-        <p:spPr>
-          <a:xfrm>
-            <a:off x="0" y="0"/>
-            <a:ext cx="12188952" cy="6858000"/>
-          </a:xfrm>
-          <a:prstGeom prst="rect">
-            <a:avLst/>
-          </a:prstGeom>
-          <a:ln>
-            <a:noFill/>
-          </a:ln>
-        </p:spPr>
-        <p:style>
-          <a:lnRef idx="2">
-            <a:schemeClr val="accent1">
-              <a:shade val="50000"/>
-            </a:schemeClr>
-          </a:lnRef>
-          <a:fillRef idx="1">
-            <a:schemeClr val="accent1"/>
-          </a:fillRef>
-          <a:effectRef idx="0">
-            <a:schemeClr val="accent1"/>
-          </a:effectRef>
-          <a:fontRef idx="minor">
-            <a:schemeClr val="lt1"/>
-          </a:fontRef>
-        </p:style>
-        <p:txBody>
-          <a:bodyPr rtlCol="0" anchor="ctr"/>
-          <a:lstStyle/>
-          <a:p>
-            <a:pPr algn="ctr"/>
-            <a:endParaRPr lang="en-US"/>
-          </a:p>
-        </p:txBody>
-      </p:sp>
-      <p:sp>
-        <p:nvSpPr>
-          <p:cNvPr id="10" name="Freeform: Shape 9">
-            <a:extLst>
-              <a:ext uri="{FF2B5EF4-FFF2-40B4-BE49-F238E27FC236}">
-                <a16:creationId xmlns:a16="http://schemas.microsoft.com/office/drawing/2014/main" id="{AA770EBD-5B77-46EC-BF58-EF27ACD6B47C}"/>
-              </a:ext>
-              <a:ext uri="{C183D7F6-B498-43B3-948B-1728B52AA6E4}">
-                <adec:decorative xmlns:adec="http://schemas.microsoft.com/office/drawing/2017/decorative" val="1"/>
-              </a:ext>
-            </a:extLst>
-          </p:cNvPr>
-          <p:cNvSpPr>
-            <a:spLocks noGrp="1" noRot="1" noChangeAspect="1" noMove="1" noResize="1" noEditPoints="1" noAdjustHandles="1" noChangeArrowheads="1" noChangeShapeType="1" noTextEdit="1"/>
-          </p:cNvSpPr>
-          <p:nvPr>
-            <p:extLst>
-              <p:ext uri="{386F3935-93C4-4BCD-93E2-E3B085C9AB24}">
-                <p16:designElem xmlns:p16="http://schemas.microsoft.com/office/powerpoint/2015/main" val="1"/>
-              </p:ext>
-            </p:extLst>
-          </p:nvPr>
         </p:nvSpPr>
         <p:spPr>
           <a:xfrm flipH="1">
@@ -7432,7 +7003,6 @@
               <a:gd name="connsiteX95" fmla="*/ 1008599 w 7299977"/>
               <a:gd name="connsiteY95" fmla="*/ 0 h 6858000"/>
             </a:gdLst>
-            <a:ahLst/>
             <a:cxnLst>
               <a:cxn ang="0">
                 <a:pos x="connsiteX0" y="connsiteY0"/>
@@ -8206,9 +7776,12 @@
           </a:ln>
         </p:spPr>
         <p:txBody>
-          <a:bodyPr rtlCol="0" anchor="ctr"/>
+          <a:bodyPr anchor="ctr"/>
           <a:lstStyle/>
           <a:p>
+            <a:pPr lvl="0">
+              <a:defRPr/>
+            </a:pPr>
             <a:endParaRPr lang="en-US">
               <a:solidFill>
                 <a:schemeClr val="tx1"/>
@@ -8219,18 +7792,12 @@
       </p:sp>
       <p:sp>
         <p:nvSpPr>
-          <p:cNvPr id="2" name="제목 1">
-            <a:extLst>
-              <a:ext uri="{FF2B5EF4-FFF2-40B4-BE49-F238E27FC236}">
-                <a16:creationId xmlns:a16="http://schemas.microsoft.com/office/drawing/2014/main" id="{F848A3CD-C488-15A0-BE6D-3042B22C8C19}"/>
-              </a:ext>
-            </a:extLst>
-          </p:cNvPr>
+          <p:cNvPr id="2" name="제목 1"/>
           <p:cNvSpPr>
             <a:spLocks noGrp="1"/>
           </p:cNvSpPr>
           <p:nvPr>
-            <p:ph type="title"/>
+            <p:ph type="title" idx="0"/>
           </p:nvPr>
         </p:nvSpPr>
         <p:spPr>
@@ -8245,22 +7812,20 @@
           </a:bodyPr>
           <a:lstStyle/>
           <a:p>
+            <a:pPr lvl="0">
+              <a:defRPr/>
+            </a:pPr>
             <a:r>
-              <a:rPr kumimoji="1" lang="ko-KR" altLang="en-US" dirty="0"/>
-              <a:t>고려할 점</a:t>
+              <a:rPr kumimoji="1" lang="ko-KR" altLang="en-US"/>
+              <a:t>추구성</a:t>
             </a:r>
+            <a:endParaRPr kumimoji="1" lang="ko-KR" altLang="en-US"/>
           </a:p>
         </p:txBody>
       </p:sp>
       <p:sp>
         <p:nvSpPr>
-          <p:cNvPr id="3" name="내용 개체 틀 2">
-            <a:extLst>
-              <a:ext uri="{FF2B5EF4-FFF2-40B4-BE49-F238E27FC236}">
-                <a16:creationId xmlns:a16="http://schemas.microsoft.com/office/drawing/2014/main" id="{BBD98C47-7DA7-C84F-4D90-03C5822E334D}"/>
-              </a:ext>
-            </a:extLst>
-          </p:cNvPr>
+          <p:cNvPr id="3" name="내용 개체 틀 2"/>
           <p:cNvSpPr>
             <a:spLocks noGrp="1"/>
           </p:cNvSpPr>
@@ -8270,8 +7835,8 @@
         </p:nvSpPr>
         <p:spPr>
           <a:xfrm>
-            <a:off x="7538022" y="713313"/>
-            <a:ext cx="3815778" cy="5431376"/>
+            <a:off x="5150065" y="713313"/>
+            <a:ext cx="6203735" cy="5431376"/>
           </a:xfrm>
         </p:spPr>
         <p:txBody>
@@ -8280,49 +7845,175 @@
           </a:bodyPr>
           <a:lstStyle/>
           <a:p>
+            <a:pPr marL="0" indent="0">
+              <a:buNone/>
+              <a:defRPr/>
+            </a:pPr>
             <a:r>
               <a:rPr kumimoji="1" lang="ko-KR" altLang="en-US" sz="2000"/>
-              <a:t>조명 변화</a:t>
+              <a:t> </a:t>
+            </a:r>
+            <a:r>
+              <a:rPr kumimoji="1" lang="en-US" altLang="ko-KR" sz="2000"/>
+              <a:t>1.</a:t>
+            </a:r>
+            <a:r>
+              <a:rPr kumimoji="1" lang="ko-KR" altLang="en-US" sz="2000"/>
+              <a:t> 신속성</a:t>
+            </a:r>
+            <a:endParaRPr kumimoji="1" lang="ko-KR" altLang="en-US" sz="2000"/>
+          </a:p>
+          <a:p>
+            <a:pPr marL="0" indent="0">
+              <a:buNone/>
+              <a:defRPr/>
+            </a:pPr>
+            <a:r>
+              <a:rPr kumimoji="1" lang="ko-KR" altLang="en-US" sz="2000"/>
+              <a:t> </a:t>
+            </a:r>
+            <a:r>
+              <a:rPr kumimoji="1" lang="en-US" altLang="ko-KR" sz="2000"/>
+              <a:t>-</a:t>
+            </a:r>
+            <a:r>
+              <a:rPr kumimoji="1" lang="ko-KR" altLang="en-US" sz="2000"/>
+              <a:t> 발표 도중 사용하는 만큼 즉각적으로 반응 할 수 있어야함</a:t>
+            </a:r>
+            <a:r>
+              <a:rPr kumimoji="1" lang="en-US" altLang="ko-KR" sz="2000"/>
+              <a:t>.</a:t>
             </a:r>
             <a:endParaRPr kumimoji="1" lang="en-US" altLang="ko-KR" sz="2000"/>
           </a:p>
           <a:p>
+            <a:pPr marL="0" indent="0">
+              <a:buNone/>
+              <a:defRPr/>
+            </a:pPr>
+            <a:endParaRPr kumimoji="1" lang="en-US" altLang="ko-KR" sz="2000"/>
+          </a:p>
+          <a:p>
+            <a:pPr marL="0" indent="0">
+              <a:buNone/>
+              <a:defRPr/>
+            </a:pPr>
             <a:r>
               <a:rPr kumimoji="1" lang="ko-KR" altLang="en-US" sz="2000"/>
-              <a:t>뒷배경의 복합성</a:t>
+              <a:t> </a:t>
+            </a:r>
+            <a:r>
+              <a:rPr kumimoji="1" lang="en-US" altLang="ko-KR" sz="2000"/>
+              <a:t>2.</a:t>
+            </a:r>
+            <a:r>
+              <a:rPr kumimoji="1" lang="ko-KR" altLang="en-US" sz="2000"/>
+              <a:t> 정확성</a:t>
+            </a:r>
+            <a:endParaRPr kumimoji="1" lang="ko-KR" altLang="en-US" sz="2000"/>
+          </a:p>
+          <a:p>
+            <a:pPr marL="0" indent="0">
+              <a:buNone/>
+              <a:defRPr/>
+            </a:pPr>
+            <a:r>
+              <a:rPr kumimoji="1" lang="ko-KR" altLang="en-US" sz="2000"/>
+              <a:t> </a:t>
+            </a:r>
+            <a:r>
+              <a:rPr kumimoji="1" lang="en-US" altLang="ko-KR" sz="2000"/>
+              <a:t>-</a:t>
+            </a:r>
+            <a:r>
+              <a:rPr kumimoji="1" lang="ko-KR" altLang="en-US" sz="2000"/>
+              <a:t> 다른 제스처와 특수 제스처를 정확하게 구분하여 오류를 제거 하고자 함</a:t>
+            </a:r>
+            <a:r>
+              <a:rPr kumimoji="1" lang="en-US" altLang="ko-KR" sz="2000"/>
+              <a:t>.</a:t>
             </a:r>
             <a:endParaRPr kumimoji="1" lang="en-US" altLang="ko-KR" sz="2000"/>
           </a:p>
           <a:p>
+            <a:pPr marL="0" indent="0">
+              <a:buNone/>
+              <a:defRPr/>
+            </a:pPr>
+            <a:endParaRPr kumimoji="1" lang="ko-KR" altLang="en-US" sz="2000"/>
+          </a:p>
+          <a:p>
+            <a:pPr marL="0" indent="0">
+              <a:buNone/>
+              <a:defRPr/>
+            </a:pPr>
             <a:r>
               <a:rPr kumimoji="1" lang="ko-KR" altLang="en-US" sz="2000"/>
-              <a:t>제스쳐 다양성</a:t>
+              <a:t> </a:t>
             </a:r>
+            <a:r>
+              <a:rPr kumimoji="1" lang="en-US" altLang="ko-KR" sz="2000"/>
+              <a:t>3.</a:t>
+            </a:r>
+            <a:r>
+              <a:rPr kumimoji="1" lang="ko-KR" altLang="en-US" sz="2000"/>
+              <a:t> 편의성</a:t>
+            </a:r>
+            <a:endParaRPr kumimoji="1" lang="ko-KR" altLang="en-US" sz="2000"/>
+          </a:p>
+          <a:p>
+            <a:pPr marL="0" indent="0">
+              <a:buNone/>
+              <a:defRPr/>
+            </a:pPr>
+            <a:r>
+              <a:rPr kumimoji="1" lang="ko-KR" altLang="en-US" sz="2000"/>
+              <a:t> </a:t>
+            </a:r>
+            <a:r>
+              <a:rPr kumimoji="1" lang="en-US" altLang="ko-KR" sz="2000"/>
+              <a:t>-</a:t>
+            </a:r>
+            <a:r>
+              <a:rPr kumimoji="1" lang="ko-KR" altLang="en-US" sz="2000"/>
+              <a:t> 마우스</a:t>
+            </a:r>
+            <a:r>
+              <a:rPr kumimoji="1" lang="en-US" altLang="ko-KR" sz="2000"/>
+              <a:t>,</a:t>
+            </a:r>
+            <a:r>
+              <a:rPr kumimoji="1" lang="ko-KR" altLang="en-US" sz="2000"/>
+              <a:t> 타인의 도움이 필요 없는 자립적인 발표를 위해서 만들고자 함</a:t>
+            </a:r>
+            <a:endParaRPr kumimoji="1" lang="en-US" altLang="ko-KR" sz="2000"/>
           </a:p>
         </p:txBody>
       </p:sp>
     </p:spTree>
-    <p:extLst>
-      <p:ext uri="{BB962C8B-B14F-4D97-AF65-F5344CB8AC3E}">
-        <p14:creationId xmlns:p14="http://schemas.microsoft.com/office/powerpoint/2010/main" val="3252682610"/>
-      </p:ext>
-    </p:extLst>
   </p:cSld>
   <p:clrMapOvr>
     <a:masterClrMapping/>
   </p:clrMapOvr>
+  <mc:AlternateContent xmlns:mc="http://schemas.openxmlformats.org/markup-compatibility/2006">
+    <mc:Choice xmlns:p14="http://schemas.microsoft.com/office/powerpoint/2010/main" Requires="p14">
+      <p:transition xmlns:mc="http://schemas.openxmlformats.org/markup-compatibility/2006" xmlns:p14="http://schemas.microsoft.com/office/powerpoint/2010/main" mc:Ignorable="p14" p14:dur="500"/>
+    </mc:Choice>
+    <mc:Fallback>
+      <p:transition/>
+    </mc:Fallback>
+  </mc:AlternateContent>
 </p:sld>
 </file>
 
-<file path=ppt/slides/slide5.xml><?xml version="1.0" encoding="utf-8"?>
-<p:sld xmlns:a="http://schemas.openxmlformats.org/drawingml/2006/main" xmlns:r="http://schemas.openxmlformats.org/officeDocument/2006/relationships" xmlns:p="http://schemas.openxmlformats.org/presentationml/2006/main">
+<file path=ppt/slides/slide4.xml><?xml version="1.0" encoding="utf-8"?>
+<p:sld xmlns:r="http://schemas.openxmlformats.org/officeDocument/2006/relationships" xmlns:c="http://schemas.openxmlformats.org/drawingml/2006/chart" xmlns:a="http://schemas.openxmlformats.org/drawingml/2006/main" xmlns:dgm="http://schemas.openxmlformats.org/drawingml/2006/diagram" xmlns:dsp="http://schemas.microsoft.com/office/drawing/2008/diagram" xmlns:p="http://schemas.openxmlformats.org/presentationml/2006/main">
   <p:cSld>
     <p:bg>
-      <p:bgPr>
+      <p:bgPr shadeToTitle="0">
         <a:solidFill>
           <a:schemeClr val="bg1"/>
         </a:solidFill>
-        <a:effectLst/>
       </p:bgPr>
     </p:bg>
     <p:spTree>
@@ -8341,26 +8032,11 @@
       </p:grpSpPr>
       <p:sp useBgFill="1">
         <p:nvSpPr>
-          <p:cNvPr id="8" name="Rectangle 7">
-            <a:extLst>
-              <a:ext uri="{FF2B5EF4-FFF2-40B4-BE49-F238E27FC236}">
-                <a16:creationId xmlns:a16="http://schemas.microsoft.com/office/drawing/2014/main" id="{95408913-B323-422F-B521-2957A5B7FEE8}"/>
-              </a:ext>
-              <a:ext uri="{C183D7F6-B498-43B3-948B-1728B52AA6E4}">
-                <adec:decorative xmlns:adec="http://schemas.microsoft.com/office/drawing/2017/decorative" val="1"/>
-              </a:ext>
-            </a:extLst>
-          </p:cNvPr>
+          <p:cNvPr id="1031" name="Rectangle 1030"/>
           <p:cNvSpPr>
             <a:spLocks noGrp="1" noRot="1" noChangeAspect="1" noMove="1" noResize="1" noEditPoints="1" noAdjustHandles="1" noChangeArrowheads="1" noChangeShapeType="1" noTextEdit="1"/>
           </p:cNvSpPr>
-          <p:nvPr>
-            <p:extLst>
-              <p:ext uri="{386F3935-93C4-4BCD-93E2-E3B085C9AB24}">
-                <p16:designElem xmlns:p16="http://schemas.microsoft.com/office/powerpoint/2015/main" val="1"/>
-              </p:ext>
-            </p:extLst>
-          </p:nvPr>
+          <p:nvPr/>
         </p:nvSpPr>
         <p:spPr>
           <a:xfrm>
@@ -8391,36 +8067,1268 @@
           </a:fontRef>
         </p:style>
         <p:txBody>
-          <a:bodyPr rtlCol="0" anchor="ctr"/>
+          <a:bodyPr anchor="ctr"/>
           <a:lstStyle/>
           <a:p>
-            <a:pPr algn="ctr"/>
+            <a:pPr algn="ctr">
+              <a:defRPr/>
+            </a:pPr>
             <a:endParaRPr lang="en-US"/>
           </a:p>
         </p:txBody>
       </p:sp>
       <p:sp>
         <p:nvSpPr>
-          <p:cNvPr id="10" name="Freeform: Shape 9">
-            <a:extLst>
-              <a:ext uri="{FF2B5EF4-FFF2-40B4-BE49-F238E27FC236}">
-                <a16:creationId xmlns:a16="http://schemas.microsoft.com/office/drawing/2014/main" id="{AA770EBD-5B77-46EC-BF58-EF27ACD6B47C}"/>
-              </a:ext>
-              <a:ext uri="{C183D7F6-B498-43B3-948B-1728B52AA6E4}">
-                <adec:decorative xmlns:adec="http://schemas.microsoft.com/office/drawing/2017/decorative" val="1"/>
-              </a:ext>
-            </a:extLst>
-          </p:cNvPr>
+          <p:cNvPr id="1033" name="Freeform: Shape 1032"/>
           <p:cNvSpPr>
             <a:spLocks noGrp="1" noRot="1" noChangeAspect="1" noMove="1" noResize="1" noEditPoints="1" noAdjustHandles="1" noChangeArrowheads="1" noChangeShapeType="1" noTextEdit="1"/>
           </p:cNvSpPr>
+          <p:nvPr/>
+        </p:nvSpPr>
+        <p:spPr>
+          <a:xfrm flipH="1">
+            <a:off x="0" y="0"/>
+            <a:ext cx="5962785" cy="6858000"/>
+          </a:xfrm>
+          <a:custGeom>
+            <a:avLst/>
+            <a:gdLst>
+              <a:gd name="connsiteX0" fmla="*/ 1044839 w 5962785"/>
+              <a:gd name="connsiteY0" fmla="*/ 0 h 6858000"/>
+              <a:gd name="connsiteX1" fmla="*/ 5962785 w 5962785"/>
+              <a:gd name="connsiteY1" fmla="*/ 0 h 6858000"/>
+              <a:gd name="connsiteX2" fmla="*/ 5962785 w 5962785"/>
+              <a:gd name="connsiteY2" fmla="*/ 6858000 h 6858000"/>
+              <a:gd name="connsiteX3" fmla="*/ 1469886 w 5962785"/>
+              <a:gd name="connsiteY3" fmla="*/ 6858000 h 6858000"/>
+              <a:gd name="connsiteX4" fmla="*/ 1416006 w 5962785"/>
+              <a:gd name="connsiteY4" fmla="*/ 6823984 h 6858000"/>
+              <a:gd name="connsiteX5" fmla="*/ 1232473 w 5962785"/>
+              <a:gd name="connsiteY5" fmla="*/ 6733873 h 6858000"/>
+              <a:gd name="connsiteX6" fmla="*/ 1075471 w 5962785"/>
+              <a:gd name="connsiteY6" fmla="*/ 6503186 h 6858000"/>
+              <a:gd name="connsiteX7" fmla="*/ 1020229 w 5962785"/>
+              <a:gd name="connsiteY7" fmla="*/ 6438306 h 6858000"/>
+              <a:gd name="connsiteX8" fmla="*/ 883579 w 5962785"/>
+              <a:gd name="connsiteY8" fmla="*/ 6351798 h 6858000"/>
+              <a:gd name="connsiteX9" fmla="*/ 645167 w 5962785"/>
+              <a:gd name="connsiteY9" fmla="*/ 6167969 h 6858000"/>
+              <a:gd name="connsiteX10" fmla="*/ 732391 w 5962785"/>
+              <a:gd name="connsiteY10" fmla="*/ 6124716 h 6858000"/>
+              <a:gd name="connsiteX11" fmla="*/ 985339 w 5962785"/>
+              <a:gd name="connsiteY11" fmla="*/ 6236455 h 6858000"/>
+              <a:gd name="connsiteX12" fmla="*/ 1168509 w 5962785"/>
+              <a:gd name="connsiteY12" fmla="*/ 6265291 h 6858000"/>
+              <a:gd name="connsiteX13" fmla="*/ 909746 w 5962785"/>
+              <a:gd name="connsiteY13" fmla="*/ 6070649 h 6858000"/>
+              <a:gd name="connsiteX14" fmla="*/ 659704 w 5962785"/>
+              <a:gd name="connsiteY14" fmla="*/ 5818335 h 6858000"/>
+              <a:gd name="connsiteX15" fmla="*/ 851597 w 5962785"/>
+              <a:gd name="connsiteY15" fmla="*/ 5865193 h 6858000"/>
+              <a:gd name="connsiteX16" fmla="*/ 860319 w 5962785"/>
+              <a:gd name="connsiteY16" fmla="*/ 5832753 h 6858000"/>
+              <a:gd name="connsiteX17" fmla="*/ 691686 w 5962785"/>
+              <a:gd name="connsiteY17" fmla="*/ 5533581 h 6858000"/>
+              <a:gd name="connsiteX18" fmla="*/ 610278 w 5962785"/>
+              <a:gd name="connsiteY18" fmla="*/ 5411029 h 6858000"/>
+              <a:gd name="connsiteX19" fmla="*/ 238123 w 5962785"/>
+              <a:gd name="connsiteY19" fmla="*/ 5046976 h 6858000"/>
+              <a:gd name="connsiteX20" fmla="*/ 592833 w 5962785"/>
+              <a:gd name="connsiteY20" fmla="*/ 5209177 h 6858000"/>
+              <a:gd name="connsiteX21" fmla="*/ 226494 w 5962785"/>
+              <a:gd name="connsiteY21" fmla="*/ 4855939 h 6858000"/>
+              <a:gd name="connsiteX22" fmla="*/ 49139 w 5962785"/>
+              <a:gd name="connsiteY22" fmla="*/ 4726177 h 6858000"/>
+              <a:gd name="connsiteX23" fmla="*/ 5527 w 5962785"/>
+              <a:gd name="connsiteY23" fmla="*/ 4650483 h 6858000"/>
+              <a:gd name="connsiteX24" fmla="*/ 84029 w 5962785"/>
+              <a:gd name="connsiteY24" fmla="*/ 4632460 h 6858000"/>
+              <a:gd name="connsiteX25" fmla="*/ 325347 w 5962785"/>
+              <a:gd name="connsiteY25" fmla="*/ 4661296 h 6858000"/>
+              <a:gd name="connsiteX26" fmla="*/ 25879 w 5962785"/>
+              <a:gd name="connsiteY26" fmla="*/ 4423401 h 6858000"/>
+              <a:gd name="connsiteX27" fmla="*/ 249753 w 5962785"/>
+              <a:gd name="connsiteY27" fmla="*/ 4459446 h 6858000"/>
+              <a:gd name="connsiteX28" fmla="*/ 313718 w 5962785"/>
+              <a:gd name="connsiteY28" fmla="*/ 4365729 h 6858000"/>
+              <a:gd name="connsiteX29" fmla="*/ 418386 w 5962785"/>
+              <a:gd name="connsiteY29" fmla="*/ 4214341 h 6858000"/>
+              <a:gd name="connsiteX30" fmla="*/ 491072 w 5962785"/>
+              <a:gd name="connsiteY30" fmla="*/ 4131438 h 6858000"/>
+              <a:gd name="connsiteX31" fmla="*/ 520147 w 5962785"/>
+              <a:gd name="connsiteY31" fmla="*/ 3864706 h 6858000"/>
+              <a:gd name="connsiteX32" fmla="*/ 459090 w 5962785"/>
+              <a:gd name="connsiteY32" fmla="*/ 3572743 h 6858000"/>
+              <a:gd name="connsiteX33" fmla="*/ 290458 w 5962785"/>
+              <a:gd name="connsiteY33" fmla="*/ 3424959 h 6858000"/>
+              <a:gd name="connsiteX34" fmla="*/ 339884 w 5962785"/>
+              <a:gd name="connsiteY34" fmla="*/ 3259153 h 6858000"/>
+              <a:gd name="connsiteX35" fmla="*/ 697501 w 5962785"/>
+              <a:gd name="connsiteY35" fmla="*/ 3360078 h 6858000"/>
+              <a:gd name="connsiteX36" fmla="*/ 165437 w 5962785"/>
+              <a:gd name="connsiteY36" fmla="*/ 2967190 h 6858000"/>
+              <a:gd name="connsiteX37" fmla="*/ 255568 w 5962785"/>
+              <a:gd name="connsiteY37" fmla="*/ 2949167 h 6858000"/>
+              <a:gd name="connsiteX38" fmla="*/ 578296 w 5962785"/>
+              <a:gd name="connsiteY38" fmla="*/ 2725691 h 6858000"/>
+              <a:gd name="connsiteX39" fmla="*/ 595740 w 5962785"/>
+              <a:gd name="connsiteY39" fmla="*/ 2714876 h 6858000"/>
+              <a:gd name="connsiteX40" fmla="*/ 650982 w 5962785"/>
+              <a:gd name="connsiteY40" fmla="*/ 2574301 h 6858000"/>
+              <a:gd name="connsiteX41" fmla="*/ 825429 w 5962785"/>
+              <a:gd name="connsiteY41" fmla="*/ 2552674 h 6858000"/>
+              <a:gd name="connsiteX42" fmla="*/ 970802 w 5962785"/>
+              <a:gd name="connsiteY42" fmla="*/ 2585115 h 6858000"/>
+              <a:gd name="connsiteX43" fmla="*/ 1127805 w 5962785"/>
+              <a:gd name="connsiteY43" fmla="*/ 2545465 h 6858000"/>
+              <a:gd name="connsiteX44" fmla="*/ 1267362 w 5962785"/>
+              <a:gd name="connsiteY44" fmla="*/ 2563488 h 6858000"/>
+              <a:gd name="connsiteX45" fmla="*/ 1386568 w 5962785"/>
+              <a:gd name="connsiteY45" fmla="*/ 2538257 h 6858000"/>
+              <a:gd name="connsiteX46" fmla="*/ 1270270 w 5962785"/>
+              <a:gd name="connsiteY46" fmla="*/ 2419309 h 6858000"/>
+              <a:gd name="connsiteX47" fmla="*/ 1107453 w 5962785"/>
+              <a:gd name="connsiteY47" fmla="*/ 2419309 h 6858000"/>
+              <a:gd name="connsiteX48" fmla="*/ 991154 w 5962785"/>
+              <a:gd name="connsiteY48" fmla="*/ 2343615 h 6858000"/>
+              <a:gd name="connsiteX49" fmla="*/ 880671 w 5962785"/>
+              <a:gd name="connsiteY49" fmla="*/ 2206645 h 6858000"/>
+              <a:gd name="connsiteX50" fmla="*/ 491072 w 5962785"/>
+              <a:gd name="connsiteY50" fmla="*/ 1986771 h 6858000"/>
+              <a:gd name="connsiteX51" fmla="*/ 421293 w 5962785"/>
+              <a:gd name="connsiteY51" fmla="*/ 1903868 h 6858000"/>
+              <a:gd name="connsiteX52" fmla="*/ 1531941 w 5962785"/>
+              <a:gd name="connsiteY52" fmla="*/ 2224667 h 6858000"/>
+              <a:gd name="connsiteX53" fmla="*/ 1188861 w 5962785"/>
+              <a:gd name="connsiteY53" fmla="*/ 2091301 h 6858000"/>
+              <a:gd name="connsiteX54" fmla="*/ 1421458 w 5962785"/>
+              <a:gd name="connsiteY54" fmla="*/ 2116532 h 6858000"/>
+              <a:gd name="connsiteX55" fmla="*/ 1549386 w 5962785"/>
+              <a:gd name="connsiteY55" fmla="*/ 2026420 h 6858000"/>
+              <a:gd name="connsiteX56" fmla="*/ 1549386 w 5962785"/>
+              <a:gd name="connsiteY56" fmla="*/ 1997584 h 6858000"/>
+              <a:gd name="connsiteX57" fmla="*/ 1453440 w 5962785"/>
+              <a:gd name="connsiteY57" fmla="*/ 1914682 h 6858000"/>
+              <a:gd name="connsiteX58" fmla="*/ 1398198 w 5962785"/>
+              <a:gd name="connsiteY58" fmla="*/ 1860614 h 6858000"/>
+              <a:gd name="connsiteX59" fmla="*/ 1247011 w 5962785"/>
+              <a:gd name="connsiteY59" fmla="*/ 1665972 h 6858000"/>
+              <a:gd name="connsiteX60" fmla="*/ 1354586 w 5962785"/>
+              <a:gd name="connsiteY60" fmla="*/ 1644345 h 6858000"/>
+              <a:gd name="connsiteX61" fmla="*/ 1395290 w 5962785"/>
+              <a:gd name="connsiteY61" fmla="*/ 1604696 h 6858000"/>
+              <a:gd name="connsiteX62" fmla="*/ 1366216 w 5962785"/>
+              <a:gd name="connsiteY62" fmla="*/ 1547025 h 6858000"/>
+              <a:gd name="connsiteX63" fmla="*/ 1031858 w 5962785"/>
+              <a:gd name="connsiteY63" fmla="*/ 1370405 h 6858000"/>
+              <a:gd name="connsiteX64" fmla="*/ 1005692 w 5962785"/>
+              <a:gd name="connsiteY64" fmla="*/ 1233435 h 6858000"/>
+              <a:gd name="connsiteX65" fmla="*/ 1069655 w 5962785"/>
+              <a:gd name="connsiteY65" fmla="*/ 1211808 h 6858000"/>
+              <a:gd name="connsiteX66" fmla="*/ 1142342 w 5962785"/>
+              <a:gd name="connsiteY66" fmla="*/ 1222621 h 6858000"/>
+              <a:gd name="connsiteX67" fmla="*/ 1084193 w 5962785"/>
+              <a:gd name="connsiteY67" fmla="*/ 1114487 h 6858000"/>
+              <a:gd name="connsiteX68" fmla="*/ 848689 w 5962785"/>
+              <a:gd name="connsiteY68" fmla="*/ 1006353 h 6858000"/>
+              <a:gd name="connsiteX69" fmla="*/ 805077 w 5962785"/>
+              <a:gd name="connsiteY69" fmla="*/ 948681 h 6858000"/>
+              <a:gd name="connsiteX70" fmla="*/ 863226 w 5962785"/>
+              <a:gd name="connsiteY70" fmla="*/ 919844 h 6858000"/>
+              <a:gd name="connsiteX71" fmla="*/ 906838 w 5962785"/>
+              <a:gd name="connsiteY71" fmla="*/ 909031 h 6858000"/>
+              <a:gd name="connsiteX72" fmla="*/ 5527 w 5962785"/>
+              <a:gd name="connsiteY72" fmla="*/ 458471 h 6858000"/>
+              <a:gd name="connsiteX73" fmla="*/ 209049 w 5962785"/>
+              <a:gd name="connsiteY73" fmla="*/ 454867 h 6858000"/>
+              <a:gd name="connsiteX74" fmla="*/ 409664 w 5962785"/>
+              <a:gd name="connsiteY74" fmla="*/ 526956 h 6858000"/>
+              <a:gd name="connsiteX75" fmla="*/ 621908 w 5962785"/>
+              <a:gd name="connsiteY75" fmla="*/ 516143 h 6858000"/>
+              <a:gd name="connsiteX76" fmla="*/ 822522 w 5962785"/>
+              <a:gd name="connsiteY76" fmla="*/ 552188 h 6858000"/>
+              <a:gd name="connsiteX77" fmla="*/ 996969 w 5962785"/>
+              <a:gd name="connsiteY77" fmla="*/ 552188 h 6858000"/>
+              <a:gd name="connsiteX78" fmla="*/ 834151 w 5962785"/>
+              <a:gd name="connsiteY78" fmla="*/ 498120 h 6858000"/>
+              <a:gd name="connsiteX79" fmla="*/ 773095 w 5962785"/>
+              <a:gd name="connsiteY79" fmla="*/ 408008 h 6858000"/>
+              <a:gd name="connsiteX80" fmla="*/ 793447 w 5962785"/>
+              <a:gd name="connsiteY80" fmla="*/ 325106 h 6858000"/>
+              <a:gd name="connsiteX81" fmla="*/ 860319 w 5962785"/>
+              <a:gd name="connsiteY81" fmla="*/ 350336 h 6858000"/>
+              <a:gd name="connsiteX82" fmla="*/ 938820 w 5962785"/>
+              <a:gd name="connsiteY82" fmla="*/ 444054 h 6858000"/>
+              <a:gd name="connsiteX83" fmla="*/ 956265 w 5962785"/>
+              <a:gd name="connsiteY83" fmla="*/ 386381 h 6858000"/>
+              <a:gd name="connsiteX84" fmla="*/ 1002784 w 5962785"/>
+              <a:gd name="connsiteY84" fmla="*/ 343127 h 6858000"/>
+              <a:gd name="connsiteX85" fmla="*/ 1270270 w 5962785"/>
+              <a:gd name="connsiteY85" fmla="*/ 364755 h 6858000"/>
+              <a:gd name="connsiteX86" fmla="*/ 1092915 w 5962785"/>
+              <a:gd name="connsiteY86" fmla="*/ 180926 h 6858000"/>
+              <a:gd name="connsiteX87" fmla="*/ 979525 w 5962785"/>
+              <a:gd name="connsiteY87" fmla="*/ 152090 h 6858000"/>
+              <a:gd name="connsiteX88" fmla="*/ 953358 w 5962785"/>
+              <a:gd name="connsiteY88" fmla="*/ 76396 h 6858000"/>
+              <a:gd name="connsiteX89" fmla="*/ 1005692 w 5962785"/>
+              <a:gd name="connsiteY89" fmla="*/ 58373 h 6858000"/>
+              <a:gd name="connsiteX90" fmla="*/ 1267362 w 5962785"/>
+              <a:gd name="connsiteY90" fmla="*/ 123254 h 6858000"/>
+              <a:gd name="connsiteX91" fmla="*/ 1310975 w 5962785"/>
+              <a:gd name="connsiteY91" fmla="*/ 98023 h 6858000"/>
+              <a:gd name="connsiteX92" fmla="*/ 1159787 w 5962785"/>
+              <a:gd name="connsiteY92" fmla="*/ 43505 h 6858000"/>
+            </a:gdLst>
+            <a:cxnLst>
+              <a:cxn ang="0">
+                <a:pos x="connsiteX0" y="connsiteY0"/>
+              </a:cxn>
+              <a:cxn ang="0">
+                <a:pos x="connsiteX1" y="connsiteY1"/>
+              </a:cxn>
+              <a:cxn ang="0">
+                <a:pos x="connsiteX2" y="connsiteY2"/>
+              </a:cxn>
+              <a:cxn ang="0">
+                <a:pos x="connsiteX3" y="connsiteY3"/>
+              </a:cxn>
+              <a:cxn ang="0">
+                <a:pos x="connsiteX4" y="connsiteY4"/>
+              </a:cxn>
+              <a:cxn ang="0">
+                <a:pos x="connsiteX5" y="connsiteY5"/>
+              </a:cxn>
+              <a:cxn ang="0">
+                <a:pos x="connsiteX6" y="connsiteY6"/>
+              </a:cxn>
+              <a:cxn ang="0">
+                <a:pos x="connsiteX7" y="connsiteY7"/>
+              </a:cxn>
+              <a:cxn ang="0">
+                <a:pos x="connsiteX8" y="connsiteY8"/>
+              </a:cxn>
+              <a:cxn ang="0">
+                <a:pos x="connsiteX9" y="connsiteY9"/>
+              </a:cxn>
+              <a:cxn ang="0">
+                <a:pos x="connsiteX10" y="connsiteY10"/>
+              </a:cxn>
+              <a:cxn ang="0">
+                <a:pos x="connsiteX11" y="connsiteY11"/>
+              </a:cxn>
+              <a:cxn ang="0">
+                <a:pos x="connsiteX12" y="connsiteY12"/>
+              </a:cxn>
+              <a:cxn ang="0">
+                <a:pos x="connsiteX13" y="connsiteY13"/>
+              </a:cxn>
+              <a:cxn ang="0">
+                <a:pos x="connsiteX14" y="connsiteY14"/>
+              </a:cxn>
+              <a:cxn ang="0">
+                <a:pos x="connsiteX15" y="connsiteY15"/>
+              </a:cxn>
+              <a:cxn ang="0">
+                <a:pos x="connsiteX16" y="connsiteY16"/>
+              </a:cxn>
+              <a:cxn ang="0">
+                <a:pos x="connsiteX17" y="connsiteY17"/>
+              </a:cxn>
+              <a:cxn ang="0">
+                <a:pos x="connsiteX18" y="connsiteY18"/>
+              </a:cxn>
+              <a:cxn ang="0">
+                <a:pos x="connsiteX19" y="connsiteY19"/>
+              </a:cxn>
+              <a:cxn ang="0">
+                <a:pos x="connsiteX20" y="connsiteY20"/>
+              </a:cxn>
+              <a:cxn ang="0">
+                <a:pos x="connsiteX21" y="connsiteY21"/>
+              </a:cxn>
+              <a:cxn ang="0">
+                <a:pos x="connsiteX22" y="connsiteY22"/>
+              </a:cxn>
+              <a:cxn ang="0">
+                <a:pos x="connsiteX23" y="connsiteY23"/>
+              </a:cxn>
+              <a:cxn ang="0">
+                <a:pos x="connsiteX24" y="connsiteY24"/>
+              </a:cxn>
+              <a:cxn ang="0">
+                <a:pos x="connsiteX25" y="connsiteY25"/>
+              </a:cxn>
+              <a:cxn ang="0">
+                <a:pos x="connsiteX26" y="connsiteY26"/>
+              </a:cxn>
+              <a:cxn ang="0">
+                <a:pos x="connsiteX27" y="connsiteY27"/>
+              </a:cxn>
+              <a:cxn ang="0">
+                <a:pos x="connsiteX28" y="connsiteY28"/>
+              </a:cxn>
+              <a:cxn ang="0">
+                <a:pos x="connsiteX29" y="connsiteY29"/>
+              </a:cxn>
+              <a:cxn ang="0">
+                <a:pos x="connsiteX30" y="connsiteY30"/>
+              </a:cxn>
+              <a:cxn ang="0">
+                <a:pos x="connsiteX31" y="connsiteY31"/>
+              </a:cxn>
+              <a:cxn ang="0">
+                <a:pos x="connsiteX32" y="connsiteY32"/>
+              </a:cxn>
+              <a:cxn ang="0">
+                <a:pos x="connsiteX33" y="connsiteY33"/>
+              </a:cxn>
+              <a:cxn ang="0">
+                <a:pos x="connsiteX34" y="connsiteY34"/>
+              </a:cxn>
+              <a:cxn ang="0">
+                <a:pos x="connsiteX35" y="connsiteY35"/>
+              </a:cxn>
+              <a:cxn ang="0">
+                <a:pos x="connsiteX36" y="connsiteY36"/>
+              </a:cxn>
+              <a:cxn ang="0">
+                <a:pos x="connsiteX37" y="connsiteY37"/>
+              </a:cxn>
+              <a:cxn ang="0">
+                <a:pos x="connsiteX38" y="connsiteY38"/>
+              </a:cxn>
+              <a:cxn ang="0">
+                <a:pos x="connsiteX39" y="connsiteY39"/>
+              </a:cxn>
+              <a:cxn ang="0">
+                <a:pos x="connsiteX40" y="connsiteY40"/>
+              </a:cxn>
+              <a:cxn ang="0">
+                <a:pos x="connsiteX41" y="connsiteY41"/>
+              </a:cxn>
+              <a:cxn ang="0">
+                <a:pos x="connsiteX42" y="connsiteY42"/>
+              </a:cxn>
+              <a:cxn ang="0">
+                <a:pos x="connsiteX43" y="connsiteY43"/>
+              </a:cxn>
+              <a:cxn ang="0">
+                <a:pos x="connsiteX44" y="connsiteY44"/>
+              </a:cxn>
+              <a:cxn ang="0">
+                <a:pos x="connsiteX45" y="connsiteY45"/>
+              </a:cxn>
+              <a:cxn ang="0">
+                <a:pos x="connsiteX46" y="connsiteY46"/>
+              </a:cxn>
+              <a:cxn ang="0">
+                <a:pos x="connsiteX47" y="connsiteY47"/>
+              </a:cxn>
+              <a:cxn ang="0">
+                <a:pos x="connsiteX48" y="connsiteY48"/>
+              </a:cxn>
+              <a:cxn ang="0">
+                <a:pos x="connsiteX49" y="connsiteY49"/>
+              </a:cxn>
+              <a:cxn ang="0">
+                <a:pos x="connsiteX50" y="connsiteY50"/>
+              </a:cxn>
+              <a:cxn ang="0">
+                <a:pos x="connsiteX51" y="connsiteY51"/>
+              </a:cxn>
+              <a:cxn ang="0">
+                <a:pos x="connsiteX52" y="connsiteY52"/>
+              </a:cxn>
+              <a:cxn ang="0">
+                <a:pos x="connsiteX53" y="connsiteY53"/>
+              </a:cxn>
+              <a:cxn ang="0">
+                <a:pos x="connsiteX54" y="connsiteY54"/>
+              </a:cxn>
+              <a:cxn ang="0">
+                <a:pos x="connsiteX55" y="connsiteY55"/>
+              </a:cxn>
+              <a:cxn ang="0">
+                <a:pos x="connsiteX56" y="connsiteY56"/>
+              </a:cxn>
+              <a:cxn ang="0">
+                <a:pos x="connsiteX57" y="connsiteY57"/>
+              </a:cxn>
+              <a:cxn ang="0">
+                <a:pos x="connsiteX58" y="connsiteY58"/>
+              </a:cxn>
+              <a:cxn ang="0">
+                <a:pos x="connsiteX59" y="connsiteY59"/>
+              </a:cxn>
+              <a:cxn ang="0">
+                <a:pos x="connsiteX60" y="connsiteY60"/>
+              </a:cxn>
+              <a:cxn ang="0">
+                <a:pos x="connsiteX61" y="connsiteY61"/>
+              </a:cxn>
+              <a:cxn ang="0">
+                <a:pos x="connsiteX62" y="connsiteY62"/>
+              </a:cxn>
+              <a:cxn ang="0">
+                <a:pos x="connsiteX63" y="connsiteY63"/>
+              </a:cxn>
+              <a:cxn ang="0">
+                <a:pos x="connsiteX64" y="connsiteY64"/>
+              </a:cxn>
+              <a:cxn ang="0">
+                <a:pos x="connsiteX65" y="connsiteY65"/>
+              </a:cxn>
+              <a:cxn ang="0">
+                <a:pos x="connsiteX66" y="connsiteY66"/>
+              </a:cxn>
+              <a:cxn ang="0">
+                <a:pos x="connsiteX67" y="connsiteY67"/>
+              </a:cxn>
+              <a:cxn ang="0">
+                <a:pos x="connsiteX68" y="connsiteY68"/>
+              </a:cxn>
+              <a:cxn ang="0">
+                <a:pos x="connsiteX69" y="connsiteY69"/>
+              </a:cxn>
+              <a:cxn ang="0">
+                <a:pos x="connsiteX70" y="connsiteY70"/>
+              </a:cxn>
+              <a:cxn ang="0">
+                <a:pos x="connsiteX71" y="connsiteY71"/>
+              </a:cxn>
+              <a:cxn ang="0">
+                <a:pos x="connsiteX72" y="connsiteY72"/>
+              </a:cxn>
+              <a:cxn ang="0">
+                <a:pos x="connsiteX73" y="connsiteY73"/>
+              </a:cxn>
+              <a:cxn ang="0">
+                <a:pos x="connsiteX74" y="connsiteY74"/>
+              </a:cxn>
+              <a:cxn ang="0">
+                <a:pos x="connsiteX75" y="connsiteY75"/>
+              </a:cxn>
+              <a:cxn ang="0">
+                <a:pos x="connsiteX76" y="connsiteY76"/>
+              </a:cxn>
+              <a:cxn ang="0">
+                <a:pos x="connsiteX77" y="connsiteY77"/>
+              </a:cxn>
+              <a:cxn ang="0">
+                <a:pos x="connsiteX78" y="connsiteY78"/>
+              </a:cxn>
+              <a:cxn ang="0">
+                <a:pos x="connsiteX79" y="connsiteY79"/>
+              </a:cxn>
+              <a:cxn ang="0">
+                <a:pos x="connsiteX80" y="connsiteY80"/>
+              </a:cxn>
+              <a:cxn ang="0">
+                <a:pos x="connsiteX81" y="connsiteY81"/>
+              </a:cxn>
+              <a:cxn ang="0">
+                <a:pos x="connsiteX82" y="connsiteY82"/>
+              </a:cxn>
+              <a:cxn ang="0">
+                <a:pos x="connsiteX83" y="connsiteY83"/>
+              </a:cxn>
+              <a:cxn ang="0">
+                <a:pos x="connsiteX84" y="connsiteY84"/>
+              </a:cxn>
+              <a:cxn ang="0">
+                <a:pos x="connsiteX85" y="connsiteY85"/>
+              </a:cxn>
+              <a:cxn ang="0">
+                <a:pos x="connsiteX86" y="connsiteY86"/>
+              </a:cxn>
+              <a:cxn ang="0">
+                <a:pos x="connsiteX87" y="connsiteY87"/>
+              </a:cxn>
+              <a:cxn ang="0">
+                <a:pos x="connsiteX88" y="connsiteY88"/>
+              </a:cxn>
+              <a:cxn ang="0">
+                <a:pos x="connsiteX89" y="connsiteY89"/>
+              </a:cxn>
+              <a:cxn ang="0">
+                <a:pos x="connsiteX90" y="connsiteY90"/>
+              </a:cxn>
+              <a:cxn ang="0">
+                <a:pos x="connsiteX91" y="connsiteY91"/>
+              </a:cxn>
+              <a:cxn ang="0">
+                <a:pos x="connsiteX92" y="connsiteY92"/>
+              </a:cxn>
+            </a:cxnLst>
+            <a:rect l="l" t="t" r="r" b="b"/>
+            <a:pathLst>
+              <a:path w="5962785" h="6858000">
+                <a:moveTo>
+                  <a:pt x="1044839" y="0"/>
+                </a:moveTo>
+                <a:lnTo>
+                  <a:pt x="5962785" y="0"/>
+                </a:lnTo>
+                <a:lnTo>
+                  <a:pt x="5962785" y="6858000"/>
+                </a:lnTo>
+                <a:lnTo>
+                  <a:pt x="1469886" y="6858000"/>
+                </a:lnTo>
+                <a:lnTo>
+                  <a:pt x="1416006" y="6823984"/>
+                </a:lnTo>
+                <a:cubicBezTo>
+                  <a:pt x="1356767" y="6787940"/>
+                  <a:pt x="1296437" y="6755500"/>
+                  <a:pt x="1232473" y="6733873"/>
+                </a:cubicBezTo>
+                <a:cubicBezTo>
+                  <a:pt x="1145250" y="6705037"/>
+                  <a:pt x="1060933" y="6654575"/>
+                  <a:pt x="1075471" y="6503186"/>
+                </a:cubicBezTo>
+                <a:cubicBezTo>
+                  <a:pt x="1078378" y="6459932"/>
+                  <a:pt x="1055118" y="6427493"/>
+                  <a:pt x="1020229" y="6438306"/>
+                </a:cubicBezTo>
+                <a:cubicBezTo>
+                  <a:pt x="953358" y="6459932"/>
+                  <a:pt x="921375" y="6398656"/>
+                  <a:pt x="883579" y="6351798"/>
+                </a:cubicBezTo>
+                <a:cubicBezTo>
+                  <a:pt x="816707" y="6268895"/>
+                  <a:pt x="752743" y="6182387"/>
+                  <a:pt x="645167" y="6167969"/>
+                </a:cubicBezTo>
+                <a:cubicBezTo>
+                  <a:pt x="665519" y="6103088"/>
+                  <a:pt x="700408" y="6110298"/>
+                  <a:pt x="732391" y="6124716"/>
+                </a:cubicBezTo>
+                <a:cubicBezTo>
+                  <a:pt x="816707" y="6160761"/>
+                  <a:pt x="901023" y="6200410"/>
+                  <a:pt x="985339" y="6236455"/>
+                </a:cubicBezTo>
+                <a:cubicBezTo>
+                  <a:pt x="1040581" y="6258081"/>
+                  <a:pt x="1095822" y="6290522"/>
+                  <a:pt x="1168509" y="6265291"/>
+                </a:cubicBezTo>
+                <a:cubicBezTo>
+                  <a:pt x="1104545" y="6135530"/>
+                  <a:pt x="996969" y="6110298"/>
+                  <a:pt x="909746" y="6070649"/>
+                </a:cubicBezTo>
+                <a:cubicBezTo>
+                  <a:pt x="802169" y="6020185"/>
+                  <a:pt x="738206" y="5926470"/>
+                  <a:pt x="659704" y="5818335"/>
+                </a:cubicBezTo>
+                <a:cubicBezTo>
+                  <a:pt x="738206" y="5789500"/>
+                  <a:pt x="787632" y="5868798"/>
+                  <a:pt x="851597" y="5865193"/>
+                </a:cubicBezTo>
+                <a:cubicBezTo>
+                  <a:pt x="854504" y="5854380"/>
+                  <a:pt x="860319" y="5832753"/>
+                  <a:pt x="860319" y="5832753"/>
+                </a:cubicBezTo>
+                <a:cubicBezTo>
+                  <a:pt x="755650" y="5775081"/>
+                  <a:pt x="709132" y="5666947"/>
+                  <a:pt x="691686" y="5533581"/>
+                </a:cubicBezTo>
+                <a:cubicBezTo>
+                  <a:pt x="685872" y="5465095"/>
+                  <a:pt x="648075" y="5443468"/>
+                  <a:pt x="610278" y="5411029"/>
+                </a:cubicBezTo>
+                <a:cubicBezTo>
+                  <a:pt x="482350" y="5299289"/>
+                  <a:pt x="345700" y="5198364"/>
+                  <a:pt x="238123" y="5046976"/>
+                </a:cubicBezTo>
+                <a:cubicBezTo>
+                  <a:pt x="363144" y="5064998"/>
+                  <a:pt x="461997" y="5165924"/>
+                  <a:pt x="592833" y="5209177"/>
+                </a:cubicBezTo>
+                <a:cubicBezTo>
+                  <a:pt x="488165" y="5043371"/>
+                  <a:pt x="351514" y="4956864"/>
+                  <a:pt x="226494" y="4855939"/>
+                </a:cubicBezTo>
+                <a:cubicBezTo>
+                  <a:pt x="168344" y="4809081"/>
+                  <a:pt x="116011" y="4751408"/>
+                  <a:pt x="49139" y="4726177"/>
+                </a:cubicBezTo>
+                <a:cubicBezTo>
+                  <a:pt x="25879" y="4718968"/>
+                  <a:pt x="-14825" y="4700947"/>
+                  <a:pt x="5527" y="4650483"/>
+                </a:cubicBezTo>
+                <a:cubicBezTo>
+                  <a:pt x="22972" y="4607230"/>
+                  <a:pt x="54954" y="4621648"/>
+                  <a:pt x="84029" y="4632460"/>
+                </a:cubicBezTo>
+                <a:cubicBezTo>
+                  <a:pt x="153807" y="4661296"/>
+                  <a:pt x="229401" y="4661296"/>
+                  <a:pt x="325347" y="4661296"/>
+                </a:cubicBezTo>
+                <a:cubicBezTo>
+                  <a:pt x="243939" y="4524326"/>
+                  <a:pt x="95658" y="4567580"/>
+                  <a:pt x="25879" y="4423401"/>
+                </a:cubicBezTo>
+                <a:cubicBezTo>
+                  <a:pt x="113103" y="4398170"/>
+                  <a:pt x="179975" y="4448632"/>
+                  <a:pt x="249753" y="4459446"/>
+                </a:cubicBezTo>
+                <a:cubicBezTo>
+                  <a:pt x="313718" y="4470259"/>
+                  <a:pt x="328254" y="4445028"/>
+                  <a:pt x="313718" y="4365729"/>
+                </a:cubicBezTo>
+                <a:cubicBezTo>
+                  <a:pt x="290458" y="4243177"/>
+                  <a:pt x="325347" y="4181900"/>
+                  <a:pt x="418386" y="4214341"/>
+                </a:cubicBezTo>
+                <a:cubicBezTo>
+                  <a:pt x="505609" y="4246781"/>
+                  <a:pt x="514332" y="4199922"/>
+                  <a:pt x="491072" y="4131438"/>
+                </a:cubicBezTo>
+                <a:cubicBezTo>
+                  <a:pt x="456183" y="4030512"/>
+                  <a:pt x="493979" y="3951214"/>
+                  <a:pt x="520147" y="3864706"/>
+                </a:cubicBezTo>
+                <a:cubicBezTo>
+                  <a:pt x="560851" y="3734945"/>
+                  <a:pt x="543407" y="3670064"/>
+                  <a:pt x="459090" y="3572743"/>
+                </a:cubicBezTo>
+                <a:cubicBezTo>
+                  <a:pt x="409664" y="3518676"/>
+                  <a:pt x="360236" y="3471818"/>
+                  <a:pt x="290458" y="3424959"/>
+                </a:cubicBezTo>
+                <a:cubicBezTo>
+                  <a:pt x="450368" y="3399728"/>
+                  <a:pt x="284643" y="3313221"/>
+                  <a:pt x="339884" y="3259153"/>
+                </a:cubicBezTo>
+                <a:cubicBezTo>
+                  <a:pt x="453275" y="3237527"/>
+                  <a:pt x="543407" y="3410542"/>
+                  <a:pt x="697501" y="3360078"/>
+                </a:cubicBezTo>
+                <a:cubicBezTo>
+                  <a:pt x="511425" y="3212294"/>
+                  <a:pt x="302087" y="3165436"/>
+                  <a:pt x="165437" y="2967190"/>
+                </a:cubicBezTo>
+                <a:cubicBezTo>
+                  <a:pt x="197419" y="2923937"/>
+                  <a:pt x="229401" y="2967190"/>
+                  <a:pt x="255568" y="2949167"/>
+                </a:cubicBezTo>
+                <a:cubicBezTo>
+                  <a:pt x="255568" y="2938354"/>
+                  <a:pt x="560851" y="3006840"/>
+                  <a:pt x="578296" y="2725691"/>
+                </a:cubicBezTo>
+                <a:cubicBezTo>
+                  <a:pt x="584111" y="2725691"/>
+                  <a:pt x="589926" y="2725691"/>
+                  <a:pt x="595740" y="2714876"/>
+                </a:cubicBezTo>
+                <a:cubicBezTo>
+                  <a:pt x="627722" y="2675228"/>
+                  <a:pt x="598648" y="2581510"/>
+                  <a:pt x="650982" y="2574301"/>
+                </a:cubicBezTo>
+                <a:cubicBezTo>
+                  <a:pt x="709132" y="2567092"/>
+                  <a:pt x="764373" y="2534653"/>
+                  <a:pt x="825429" y="2552674"/>
+                </a:cubicBezTo>
+                <a:cubicBezTo>
+                  <a:pt x="871949" y="2567092"/>
+                  <a:pt x="921375" y="2585115"/>
+                  <a:pt x="970802" y="2585115"/>
+                </a:cubicBezTo>
+                <a:cubicBezTo>
+                  <a:pt x="1023136" y="2585115"/>
+                  <a:pt x="1095822" y="2707668"/>
+                  <a:pt x="1127805" y="2545465"/>
+                </a:cubicBezTo>
+                <a:cubicBezTo>
+                  <a:pt x="1127805" y="2538257"/>
+                  <a:pt x="1217936" y="2556280"/>
+                  <a:pt x="1267362" y="2563488"/>
+                </a:cubicBezTo>
+                <a:cubicBezTo>
+                  <a:pt x="1308067" y="2570698"/>
+                  <a:pt x="1357494" y="2603137"/>
+                  <a:pt x="1386568" y="2538257"/>
+                </a:cubicBezTo>
+                <a:cubicBezTo>
+                  <a:pt x="1401105" y="2498607"/>
+                  <a:pt x="1331326" y="2426518"/>
+                  <a:pt x="1270270" y="2419309"/>
+                </a:cubicBezTo>
+                <a:cubicBezTo>
+                  <a:pt x="1215029" y="2412101"/>
+                  <a:pt x="1159787" y="2404892"/>
+                  <a:pt x="1107453" y="2419309"/>
+                </a:cubicBezTo>
+                <a:cubicBezTo>
+                  <a:pt x="1043489" y="2437331"/>
+                  <a:pt x="1008599" y="2408495"/>
+                  <a:pt x="991154" y="2343615"/>
+                </a:cubicBezTo>
+                <a:cubicBezTo>
+                  <a:pt x="970802" y="2275131"/>
+                  <a:pt x="933005" y="2239085"/>
+                  <a:pt x="880671" y="2206645"/>
+                </a:cubicBezTo>
+                <a:cubicBezTo>
+                  <a:pt x="752743" y="2127346"/>
+                  <a:pt x="630630" y="2033629"/>
+                  <a:pt x="491072" y="1986771"/>
+                </a:cubicBezTo>
+                <a:cubicBezTo>
+                  <a:pt x="464905" y="1979562"/>
+                  <a:pt x="432923" y="1965145"/>
+                  <a:pt x="421293" y="1903868"/>
+                </a:cubicBezTo>
+                <a:cubicBezTo>
+                  <a:pt x="799262" y="1997584"/>
+                  <a:pt x="1142342" y="2239085"/>
+                  <a:pt x="1531941" y="2224667"/>
+                </a:cubicBezTo>
+                <a:cubicBezTo>
+                  <a:pt x="1427272" y="2148974"/>
+                  <a:pt x="1302252" y="2145369"/>
+                  <a:pt x="1188861" y="2091301"/>
+                </a:cubicBezTo>
+                <a:cubicBezTo>
+                  <a:pt x="1270270" y="2051652"/>
+                  <a:pt x="1345864" y="2094906"/>
+                  <a:pt x="1421458" y="2116532"/>
+                </a:cubicBezTo>
+                <a:cubicBezTo>
+                  <a:pt x="1485422" y="2134554"/>
+                  <a:pt x="1543571" y="2138160"/>
+                  <a:pt x="1549386" y="2026420"/>
+                </a:cubicBezTo>
+                <a:cubicBezTo>
+                  <a:pt x="1549386" y="2015607"/>
+                  <a:pt x="1549386" y="2008398"/>
+                  <a:pt x="1549386" y="1997584"/>
+                </a:cubicBezTo>
+                <a:cubicBezTo>
+                  <a:pt x="1526126" y="1950727"/>
+                  <a:pt x="1494144" y="1929099"/>
+                  <a:pt x="1453440" y="1914682"/>
+                </a:cubicBezTo>
+                <a:cubicBezTo>
+                  <a:pt x="1430180" y="1907473"/>
+                  <a:pt x="1398198" y="1893056"/>
+                  <a:pt x="1398198" y="1860614"/>
+                </a:cubicBezTo>
+                <a:cubicBezTo>
+                  <a:pt x="1401105" y="1738063"/>
+                  <a:pt x="1322604" y="1702018"/>
+                  <a:pt x="1247011" y="1665972"/>
+                </a:cubicBezTo>
+                <a:cubicBezTo>
+                  <a:pt x="1287715" y="1604696"/>
+                  <a:pt x="1322604" y="1647950"/>
+                  <a:pt x="1354586" y="1644345"/>
+                </a:cubicBezTo>
+                <a:cubicBezTo>
+                  <a:pt x="1374939" y="1640741"/>
+                  <a:pt x="1395290" y="1637138"/>
+                  <a:pt x="1395290" y="1604696"/>
+                </a:cubicBezTo>
+                <a:cubicBezTo>
+                  <a:pt x="1395290" y="1579465"/>
+                  <a:pt x="1386568" y="1547025"/>
+                  <a:pt x="1366216" y="1547025"/>
+                </a:cubicBezTo>
+                <a:cubicBezTo>
+                  <a:pt x="1238288" y="1543420"/>
+                  <a:pt x="1165601" y="1370405"/>
+                  <a:pt x="1031858" y="1370405"/>
+                </a:cubicBezTo>
+                <a:cubicBezTo>
+                  <a:pt x="950450" y="1370405"/>
+                  <a:pt x="1072563" y="1273083"/>
+                  <a:pt x="1005692" y="1233435"/>
+                </a:cubicBezTo>
+                <a:cubicBezTo>
+                  <a:pt x="991154" y="1222621"/>
+                  <a:pt x="1046396" y="1208203"/>
+                  <a:pt x="1069655" y="1211808"/>
+                </a:cubicBezTo>
+                <a:cubicBezTo>
+                  <a:pt x="1092915" y="1215412"/>
+                  <a:pt x="1113268" y="1240644"/>
+                  <a:pt x="1142342" y="1222621"/>
+                </a:cubicBezTo>
+                <a:cubicBezTo>
+                  <a:pt x="1156879" y="1157741"/>
+                  <a:pt x="1119082" y="1132510"/>
+                  <a:pt x="1084193" y="1114487"/>
+                </a:cubicBezTo>
+                <a:cubicBezTo>
+                  <a:pt x="1008599" y="1071234"/>
+                  <a:pt x="933005" y="1020771"/>
+                  <a:pt x="848689" y="1006353"/>
+                </a:cubicBezTo>
+                <a:cubicBezTo>
+                  <a:pt x="819615" y="1002748"/>
+                  <a:pt x="802169" y="984726"/>
+                  <a:pt x="805077" y="948681"/>
+                </a:cubicBezTo>
+                <a:cubicBezTo>
+                  <a:pt x="810892" y="901822"/>
+                  <a:pt x="839967" y="916240"/>
+                  <a:pt x="863226" y="919844"/>
+                </a:cubicBezTo>
+                <a:cubicBezTo>
+                  <a:pt x="877764" y="923450"/>
+                  <a:pt x="892301" y="934263"/>
+                  <a:pt x="906838" y="909031"/>
+                </a:cubicBezTo>
+                <a:cubicBezTo>
+                  <a:pt x="566666" y="653113"/>
+                  <a:pt x="386404" y="667532"/>
+                  <a:pt x="5527" y="458471"/>
+                </a:cubicBezTo>
+                <a:cubicBezTo>
+                  <a:pt x="89843" y="418822"/>
+                  <a:pt x="150900" y="447658"/>
+                  <a:pt x="209049" y="454867"/>
+                </a:cubicBezTo>
+                <a:cubicBezTo>
+                  <a:pt x="354422" y="472890"/>
+                  <a:pt x="264290" y="505329"/>
+                  <a:pt x="409664" y="526956"/>
+                </a:cubicBezTo>
+                <a:cubicBezTo>
+                  <a:pt x="479443" y="537770"/>
+                  <a:pt x="543407" y="573815"/>
+                  <a:pt x="621908" y="516143"/>
+                </a:cubicBezTo>
+                <a:cubicBezTo>
+                  <a:pt x="674242" y="476494"/>
+                  <a:pt x="758558" y="519747"/>
+                  <a:pt x="822522" y="552188"/>
+                </a:cubicBezTo>
+                <a:cubicBezTo>
+                  <a:pt x="874856" y="581024"/>
+                  <a:pt x="927190" y="588232"/>
+                  <a:pt x="996969" y="552188"/>
+                </a:cubicBezTo>
+                <a:cubicBezTo>
+                  <a:pt x="933005" y="530562"/>
+                  <a:pt x="883579" y="512539"/>
+                  <a:pt x="834151" y="498120"/>
+                </a:cubicBezTo>
+                <a:cubicBezTo>
+                  <a:pt x="793447" y="487307"/>
+                  <a:pt x="770187" y="462076"/>
+                  <a:pt x="773095" y="408008"/>
+                </a:cubicBezTo>
+                <a:cubicBezTo>
+                  <a:pt x="773095" y="379172"/>
+                  <a:pt x="764373" y="339523"/>
+                  <a:pt x="793447" y="325106"/>
+                </a:cubicBezTo>
+                <a:cubicBezTo>
+                  <a:pt x="816707" y="310688"/>
+                  <a:pt x="848689" y="325106"/>
+                  <a:pt x="860319" y="350336"/>
+                </a:cubicBezTo>
+                <a:cubicBezTo>
+                  <a:pt x="874856" y="397195"/>
+                  <a:pt x="889393" y="440449"/>
+                  <a:pt x="938820" y="444054"/>
+                </a:cubicBezTo>
+                <a:cubicBezTo>
+                  <a:pt x="1005692" y="451262"/>
+                  <a:pt x="967894" y="422426"/>
+                  <a:pt x="956265" y="386381"/>
+                </a:cubicBezTo>
+                <a:cubicBezTo>
+                  <a:pt x="944635" y="346733"/>
+                  <a:pt x="979525" y="335919"/>
+                  <a:pt x="1002784" y="343127"/>
+                </a:cubicBezTo>
+                <a:cubicBezTo>
+                  <a:pt x="1090008" y="375569"/>
+                  <a:pt x="1180139" y="317897"/>
+                  <a:pt x="1270270" y="364755"/>
+                </a:cubicBezTo>
+                <a:cubicBezTo>
+                  <a:pt x="1247011" y="249411"/>
+                  <a:pt x="1197583" y="198949"/>
+                  <a:pt x="1092915" y="180926"/>
+                </a:cubicBezTo>
+                <a:cubicBezTo>
+                  <a:pt x="1055118" y="177322"/>
+                  <a:pt x="1014414" y="184530"/>
+                  <a:pt x="979525" y="152090"/>
+                </a:cubicBezTo>
+                <a:cubicBezTo>
+                  <a:pt x="959172" y="134068"/>
+                  <a:pt x="938820" y="112441"/>
+                  <a:pt x="953358" y="76396"/>
+                </a:cubicBezTo>
+                <a:cubicBezTo>
+                  <a:pt x="962080" y="51165"/>
+                  <a:pt x="985339" y="51165"/>
+                  <a:pt x="1005692" y="58373"/>
+                </a:cubicBezTo>
+                <a:cubicBezTo>
+                  <a:pt x="1090008" y="98023"/>
+                  <a:pt x="1180139" y="108837"/>
+                  <a:pt x="1267362" y="123254"/>
+                </a:cubicBezTo>
+                <a:cubicBezTo>
+                  <a:pt x="1281900" y="126859"/>
+                  <a:pt x="1296437" y="134068"/>
+                  <a:pt x="1310975" y="98023"/>
+                </a:cubicBezTo>
+                <a:cubicBezTo>
+                  <a:pt x="1260095" y="81803"/>
+                  <a:pt x="1209941" y="62879"/>
+                  <a:pt x="1159787" y="43505"/>
+                </a:cubicBezTo>
+                <a:close/>
+              </a:path>
+            </a:pathLst>
+          </a:custGeom>
+          <a:solidFill>
+            <a:schemeClr val="bg2">
+              <a:alpha val="50000"/>
+            </a:schemeClr>
+          </a:solidFill>
+          <a:ln w="32707" cap="flat">
+            <a:noFill/>
+            <a:prstDash val="solid"/>
+            <a:miter/>
+          </a:ln>
+        </p:spPr>
+        <p:txBody>
+          <a:bodyPr wrap="square" anchor="ctr">
+            <a:noAutofit/>
+          </a:bodyPr>
+          <a:lstStyle/>
+          <a:p>
+            <a:pPr algn="ctr">
+              <a:defRPr/>
+            </a:pPr>
+            <a:endParaRPr lang="en-US"/>
+          </a:p>
+        </p:txBody>
+      </p:sp>
+      <p:sp>
+        <p:nvSpPr>
+          <p:cNvPr id="2" name="제목 1"/>
+          <p:cNvSpPr>
+            <a:spLocks noGrp="1"/>
+          </p:cNvSpPr>
           <p:nvPr>
-            <p:extLst>
-              <p:ext uri="{386F3935-93C4-4BCD-93E2-E3B085C9AB24}">
-                <p16:designElem xmlns:p16="http://schemas.microsoft.com/office/powerpoint/2015/main" val="1"/>
-              </p:ext>
-            </p:extLst>
+            <p:ph type="title" idx="0"/>
           </p:nvPr>
+        </p:nvSpPr>
+        <p:spPr>
+          <a:xfrm>
+            <a:off x="838201" y="643467"/>
+            <a:ext cx="3888526" cy="1800526"/>
+          </a:xfrm>
+        </p:spPr>
+        <p:txBody>
+          <a:bodyPr>
+            <a:normAutofit/>
+          </a:bodyPr>
+          <a:lstStyle/>
+          <a:p>
+            <a:pPr lvl="0">
+              <a:defRPr/>
+            </a:pPr>
+            <a:r>
+              <a:rPr kumimoji="1" lang="ko-KR" altLang="en-US"/>
+              <a:t>사용 오픈소스</a:t>
+            </a:r>
+            <a:endParaRPr kumimoji="1" lang="ko-KR" altLang="en-US"/>
+          </a:p>
+        </p:txBody>
+      </p:sp>
+      <p:sp>
+        <p:nvSpPr>
+          <p:cNvPr id="3" name="내용 개체 틀 2"/>
+          <p:cNvSpPr>
+            <a:spLocks noGrp="1"/>
+          </p:cNvSpPr>
+          <p:nvPr>
+            <p:ph idx="1"/>
+          </p:nvPr>
+        </p:nvSpPr>
+        <p:spPr>
+          <a:xfrm>
+            <a:off x="838201" y="2623381"/>
+            <a:ext cx="3888528" cy="3553581"/>
+          </a:xfrm>
+        </p:spPr>
+        <p:txBody>
+          <a:bodyPr>
+            <a:normAutofit/>
+          </a:bodyPr>
+          <a:lstStyle/>
+          <a:p>
+            <a:pPr lvl="0">
+              <a:defRPr/>
+            </a:pPr>
+            <a:r>
+              <a:rPr kumimoji="1" lang="en-US" altLang="ko-KR" sz="2000"/>
+              <a:t>OpenCV</a:t>
+            </a:r>
+            <a:endParaRPr kumimoji="1" lang="en-US" altLang="ko-KR" sz="2000"/>
+          </a:p>
+          <a:p>
+            <a:pPr lvl="0">
+              <a:defRPr/>
+            </a:pPr>
+            <a:r>
+              <a:rPr kumimoji="1" lang="en-US" altLang="ko-KR" sz="2000"/>
+              <a:t>Mediapipe</a:t>
+            </a:r>
+            <a:endParaRPr kumimoji="1" lang="en-US" altLang="ko-KR" sz="2000"/>
+          </a:p>
+          <a:p>
+            <a:pPr lvl="0">
+              <a:defRPr/>
+            </a:pPr>
+            <a:r>
+              <a:rPr kumimoji="1" lang="ko-KR" altLang="en-US" sz="2000"/>
+              <a:t>ㅛㅒ</a:t>
+            </a:r>
+            <a:endParaRPr kumimoji="1" lang="ko-KR" altLang="en-US" sz="2000"/>
+          </a:p>
+          <a:p>
+            <a:pPr marL="0" indent="0">
+              <a:buNone/>
+              <a:defRPr/>
+            </a:pPr>
+            <a:endParaRPr kumimoji="1" lang="en-US" altLang="ko-KR" sz="2000"/>
+          </a:p>
+          <a:p>
+            <a:pPr marL="0" indent="0">
+              <a:buNone/>
+              <a:defRPr/>
+            </a:pPr>
+            <a:endParaRPr kumimoji="1" lang="en-US" altLang="ko-KR" sz="2000"/>
+          </a:p>
+          <a:p>
+            <a:pPr marL="0" indent="0">
+              <a:buNone/>
+              <a:defRPr/>
+            </a:pPr>
+            <a:endParaRPr kumimoji="1" lang="en-US" altLang="ko-KR" sz="2000"/>
+          </a:p>
+          <a:p>
+            <a:pPr marL="0" indent="0">
+              <a:buNone/>
+              <a:defRPr/>
+            </a:pPr>
+            <a:r>
+              <a:rPr kumimoji="1" lang="ko-KR" altLang="en-US" sz="2000"/>
+              <a:t>사용 언어 </a:t>
+            </a:r>
+            <a:r>
+              <a:rPr kumimoji="1" lang="en-US" altLang="ko-KR" sz="2000"/>
+              <a:t>=</a:t>
+            </a:r>
+            <a:r>
+              <a:rPr kumimoji="1" lang="ko-KR" altLang="en-US" sz="2000"/>
+              <a:t> </a:t>
+            </a:r>
+            <a:r>
+              <a:rPr kumimoji="1" lang="en-US" altLang="ko-KR" sz="2000"/>
+              <a:t>Python</a:t>
+            </a:r>
+            <a:endParaRPr kumimoji="1" lang="en-US" altLang="ko-KR" sz="2000"/>
+          </a:p>
+          <a:p>
+            <a:pPr marL="0" indent="0">
+              <a:buNone/>
+              <a:defRPr/>
+            </a:pPr>
+            <a:endParaRPr kumimoji="1" lang="ko-KR" altLang="en-US" sz="2000"/>
+          </a:p>
+        </p:txBody>
+      </p:sp>
+      <p:pic>
+        <p:nvPicPr>
+          <p:cNvPr id="1026" name="Picture 2" descr="OpenCV - 나무위키"/>
+          <p:cNvPicPr>
+            <a:picLocks noChangeAspect="1" noChangeArrowheads="1"/>
+          </p:cNvPicPr>
+          <p:nvPr/>
+        </p:nvPicPr>
+        <p:blipFill rotWithShape="1">
+          <a:blip r:embed="rId2"/>
+          <a:stretch>
+            <a:fillRect/>
+          </a:stretch>
+        </p:blipFill>
+        <p:spPr>
+          <a:xfrm>
+            <a:off x="7949176" y="291155"/>
+            <a:ext cx="2546369" cy="3369281"/>
+          </a:xfrm>
+          <a:prstGeom prst="rect">
+            <a:avLst/>
+          </a:prstGeom>
+          <a:noFill/>
+        </p:spPr>
+      </p:pic>
+      <p:pic>
+        <p:nvPicPr>
+          <p:cNvPr id="1028" name="Picture 4" descr="MediaPipe: Google's Open Source Framework (2024 Guide) - viso.ai"/>
+          <p:cNvPicPr>
+            <a:picLocks noChangeAspect="1" noChangeArrowheads="1"/>
+          </p:cNvPicPr>
+          <p:nvPr/>
+        </p:nvPicPr>
+        <p:blipFill rotWithShape="1">
+          <a:blip r:embed="rId3"/>
+          <a:srcRect/>
+          <a:stretch>
+            <a:fillRect/>
+          </a:stretch>
+        </p:blipFill>
+        <p:spPr>
+          <a:xfrm>
+            <a:off x="7476111" y="3951590"/>
+            <a:ext cx="3492500" cy="2324100"/>
+          </a:xfrm>
+          <a:prstGeom prst="rect">
+            <a:avLst/>
+          </a:prstGeom>
+          <a:noFill/>
+        </p:spPr>
+      </p:pic>
+    </p:spTree>
+  </p:cSld>
+  <p:clrMapOvr>
+    <a:masterClrMapping/>
+  </p:clrMapOvr>
+  <mc:AlternateContent xmlns:mc="http://schemas.openxmlformats.org/markup-compatibility/2006">
+    <mc:Choice xmlns:p14="http://schemas.microsoft.com/office/powerpoint/2010/main" Requires="p14">
+      <p:transition xmlns:mc="http://schemas.openxmlformats.org/markup-compatibility/2006" xmlns:p14="http://schemas.microsoft.com/office/powerpoint/2010/main" mc:Ignorable="p14" p14:dur="500"/>
+    </mc:Choice>
+    <mc:Fallback>
+      <p:transition/>
+    </mc:Fallback>
+  </mc:AlternateContent>
+</p:sld>
+</file>
+
+<file path=ppt/slides/slide5.xml><?xml version="1.0" encoding="utf-8"?>
+<p:sld xmlns:r="http://schemas.openxmlformats.org/officeDocument/2006/relationships" xmlns:c="http://schemas.openxmlformats.org/drawingml/2006/chart" xmlns:a="http://schemas.openxmlformats.org/drawingml/2006/main" xmlns:dgm="http://schemas.openxmlformats.org/drawingml/2006/diagram" xmlns:dsp="http://schemas.microsoft.com/office/drawing/2008/diagram" xmlns:p="http://schemas.openxmlformats.org/presentationml/2006/main">
+  <p:cSld>
+    <p:bg>
+      <p:bgPr shadeToTitle="0">
+        <a:solidFill>
+          <a:schemeClr val="bg1"/>
+        </a:solidFill>
+      </p:bgPr>
+    </p:bg>
+    <p:spTree>
+      <p:nvGrpSpPr>
+        <p:cNvPr id="1" name=""/>
+        <p:cNvGrpSpPr/>
+        <p:nvPr/>
+      </p:nvGrpSpPr>
+      <p:grpSpPr>
+        <a:xfrm>
+          <a:off x="0" y="0"/>
+          <a:ext cx="0" cy="0"/>
+          <a:chOff x="0" y="0"/>
+          <a:chExt cx="0" cy="0"/>
+        </a:xfrm>
+      </p:grpSpPr>
+      <p:sp useBgFill="1">
+        <p:nvSpPr>
+          <p:cNvPr id="8" name="Rectangle 7"/>
+          <p:cNvSpPr>
+            <a:spLocks noGrp="1" noRot="1" noChangeAspect="1" noMove="1" noResize="1" noEditPoints="1" noAdjustHandles="1" noChangeArrowheads="1" noChangeShapeType="1" noTextEdit="1"/>
+          </p:cNvSpPr>
+          <p:nvPr/>
+        </p:nvSpPr>
+        <p:spPr>
+          <a:xfrm>
+            <a:off x="0" y="0"/>
+            <a:ext cx="12188952" cy="6858000"/>
+          </a:xfrm>
+          <a:prstGeom prst="rect">
+            <a:avLst/>
+          </a:prstGeom>
+          <a:ln>
+            <a:noFill/>
+          </a:ln>
+        </p:spPr>
+        <p:style>
+          <a:lnRef idx="2">
+            <a:schemeClr val="accent1">
+              <a:shade val="50000"/>
+            </a:schemeClr>
+          </a:lnRef>
+          <a:fillRef idx="1">
+            <a:schemeClr val="accent1"/>
+          </a:fillRef>
+          <a:effectRef idx="0">
+            <a:schemeClr val="accent1"/>
+          </a:effectRef>
+          <a:fontRef idx="minor">
+            <a:schemeClr val="lt1"/>
+          </a:fontRef>
+        </p:style>
+        <p:txBody>
+          <a:bodyPr anchor="ctr"/>
+          <a:lstStyle/>
+          <a:p>
+            <a:pPr algn="ctr">
+              <a:defRPr/>
+            </a:pPr>
+            <a:endParaRPr lang="en-US"/>
+          </a:p>
+        </p:txBody>
+      </p:sp>
+      <p:sp>
+        <p:nvSpPr>
+          <p:cNvPr id="10" name="Freeform: Shape 9"/>
+          <p:cNvSpPr>
+            <a:spLocks noGrp="1" noRot="1" noChangeAspect="1" noMove="1" noResize="1" noEditPoints="1" noAdjustHandles="1" noChangeArrowheads="1" noChangeShapeType="1" noTextEdit="1"/>
+          </p:cNvSpPr>
+          <p:nvPr/>
         </p:nvSpPr>
         <p:spPr>
           <a:xfrm flipH="1">
@@ -8623,7 +9531,6 @@
               <a:gd name="connsiteX95" fmla="*/ 1008599 w 7299977"/>
               <a:gd name="connsiteY95" fmla="*/ 0 h 6858000"/>
             </a:gdLst>
-            <a:ahLst/>
             <a:cxnLst>
               <a:cxn ang="0">
                 <a:pos x="connsiteX0" y="connsiteY0"/>
@@ -9397,9 +10304,12 @@
           </a:ln>
         </p:spPr>
         <p:txBody>
-          <a:bodyPr rtlCol="0" anchor="ctr"/>
+          <a:bodyPr anchor="ctr"/>
           <a:lstStyle/>
           <a:p>
+            <a:pPr lvl="0">
+              <a:defRPr/>
+            </a:pPr>
             <a:endParaRPr lang="en-US">
               <a:solidFill>
                 <a:schemeClr val="tx1"/>
@@ -9410,24 +10320,18 @@
       </p:sp>
       <p:sp>
         <p:nvSpPr>
-          <p:cNvPr id="2" name="제목 1">
-            <a:extLst>
-              <a:ext uri="{FF2B5EF4-FFF2-40B4-BE49-F238E27FC236}">
-                <a16:creationId xmlns:a16="http://schemas.microsoft.com/office/drawing/2014/main" id="{F848A3CD-C488-15A0-BE6D-3042B22C8C19}"/>
-              </a:ext>
-            </a:extLst>
-          </p:cNvPr>
+          <p:cNvPr id="2" name="제목 1"/>
           <p:cNvSpPr>
             <a:spLocks noGrp="1"/>
           </p:cNvSpPr>
           <p:nvPr>
-            <p:ph type="title"/>
+            <p:ph type="title" idx="0"/>
           </p:nvPr>
         </p:nvSpPr>
         <p:spPr>
           <a:xfrm>
-            <a:off x="254725" y="3765469"/>
-            <a:ext cx="11679501" cy="3166617"/>
+            <a:off x="838199" y="1065749"/>
+            <a:ext cx="4953001" cy="4726502"/>
           </a:xfrm>
         </p:spPr>
         <p:txBody>
@@ -9436,376 +10340,83 @@
           </a:bodyPr>
           <a:lstStyle/>
           <a:p>
-            <a:pPr algn="ctr"/>
+            <a:pPr lvl="0">
+              <a:defRPr/>
+            </a:pPr>
             <a:r>
-              <a:rPr kumimoji="1" lang="ko-KR" altLang="en-US" sz="3500" dirty="0"/>
-              <a:t>캠을 통해 실시간으로 움직이는 제스처 인식</a:t>
+              <a:rPr kumimoji="1" lang="ko-KR" altLang="en-US"/>
+              <a:t>고려할 점</a:t>
             </a:r>
+            <a:endParaRPr kumimoji="1" lang="ko-KR" altLang="en-US"/>
           </a:p>
         </p:txBody>
       </p:sp>
-      <p:pic>
-        <p:nvPicPr>
-          <p:cNvPr id="4" name="Picture 2" descr="로봇신문사 모바일 모바일 사이트, 한컴MDS, 제스처 인식SW 시장 진출">
-            <a:extLst>
-              <a:ext uri="{FF2B5EF4-FFF2-40B4-BE49-F238E27FC236}">
-                <a16:creationId xmlns:a16="http://schemas.microsoft.com/office/drawing/2014/main" id="{8A61744E-FF0E-8B59-A064-F337D55F28AC}"/>
-              </a:ext>
-            </a:extLst>
-          </p:cNvPr>
-          <p:cNvPicPr>
-            <a:picLocks noChangeAspect="1" noChangeArrowheads="1"/>
-          </p:cNvPicPr>
-          <p:nvPr/>
-        </p:nvPicPr>
-        <p:blipFill>
-          <a:blip r:embed="rId2">
-            <a:extLst>
-              <a:ext uri="{28A0092B-C50C-407E-A947-70E740481C1C}">
-                <a14:useLocalDpi xmlns:a14="http://schemas.microsoft.com/office/drawing/2010/main" val="0"/>
-              </a:ext>
-            </a:extLst>
-          </a:blip>
-          <a:srcRect t="21527" b="9295"/>
-          <a:stretch/>
-        </p:blipFill>
-        <p:spPr bwMode="auto">
+      <p:sp>
+        <p:nvSpPr>
+          <p:cNvPr id="3" name="내용 개체 틀 2"/>
+          <p:cNvSpPr>
+            <a:spLocks noGrp="1"/>
+          </p:cNvSpPr>
+          <p:nvPr>
+            <p:ph idx="1"/>
+          </p:nvPr>
+        </p:nvSpPr>
+        <p:spPr>
           <a:xfrm>
-            <a:off x="1223616" y="403123"/>
-            <a:ext cx="9392179" cy="3672406"/>
+            <a:off x="7538022" y="713313"/>
+            <a:ext cx="3815778" cy="5431376"/>
           </a:xfrm>
-          <a:custGeom>
-            <a:avLst/>
-            <a:gdLst/>
-            <a:ahLst/>
-            <a:cxnLst/>
-            <a:rect l="l" t="t" r="r" b="b"/>
-            <a:pathLst>
-              <a:path w="9392179" h="3672406">
-                <a:moveTo>
-                  <a:pt x="8328426" y="0"/>
-                </a:moveTo>
-                <a:cubicBezTo>
-                  <a:pt x="8306669" y="212063"/>
-                  <a:pt x="8209966" y="234386"/>
-                  <a:pt x="8156780" y="365530"/>
-                </a:cubicBezTo>
-                <a:cubicBezTo>
-                  <a:pt x="8193044" y="376692"/>
-                  <a:pt x="8224472" y="390643"/>
-                  <a:pt x="8255900" y="396224"/>
-                </a:cubicBezTo>
-                <a:cubicBezTo>
-                  <a:pt x="8379195" y="424127"/>
-                  <a:pt x="8497654" y="496675"/>
-                  <a:pt x="8608861" y="619448"/>
-                </a:cubicBezTo>
-                <a:cubicBezTo>
-                  <a:pt x="8693475" y="711528"/>
-                  <a:pt x="8785341" y="750593"/>
-                  <a:pt x="8877208" y="756173"/>
-                </a:cubicBezTo>
-                <a:cubicBezTo>
-                  <a:pt x="8923141" y="758964"/>
-                  <a:pt x="8971492" y="761754"/>
-                  <a:pt x="9012590" y="795238"/>
-                </a:cubicBezTo>
-                <a:cubicBezTo>
-                  <a:pt x="9053688" y="828721"/>
-                  <a:pt x="9133466" y="814770"/>
-                  <a:pt x="9106875" y="996140"/>
-                </a:cubicBezTo>
-                <a:cubicBezTo>
-                  <a:pt x="9210828" y="1068688"/>
-                  <a:pt x="9167313" y="1283542"/>
-                  <a:pt x="9215663" y="1417476"/>
-                </a:cubicBezTo>
-                <a:cubicBezTo>
-                  <a:pt x="9268849" y="1565363"/>
-                  <a:pt x="9300277" y="1746734"/>
-                  <a:pt x="9370386" y="1872297"/>
-                </a:cubicBezTo>
-                <a:cubicBezTo>
-                  <a:pt x="9396979" y="1916942"/>
-                  <a:pt x="9396979" y="1967168"/>
-                  <a:pt x="9382473" y="2014603"/>
-                </a:cubicBezTo>
-                <a:cubicBezTo>
-                  <a:pt x="9355881" y="2115054"/>
-                  <a:pt x="9322035" y="2201554"/>
-                  <a:pt x="9276102" y="2268521"/>
-                </a:cubicBezTo>
-                <a:cubicBezTo>
-                  <a:pt x="9106875" y="2514068"/>
-                  <a:pt x="8932811" y="2756825"/>
-                  <a:pt x="8746660" y="2949356"/>
-                </a:cubicBezTo>
-                <a:cubicBezTo>
-                  <a:pt x="8536335" y="3169790"/>
-                  <a:pt x="8304251" y="3289774"/>
-                  <a:pt x="8069749" y="3384644"/>
-                </a:cubicBezTo>
-                <a:cubicBezTo>
-                  <a:pt x="7624922" y="3566014"/>
-                  <a:pt x="7172842" y="3632982"/>
-                  <a:pt x="6713509" y="3649724"/>
-                </a:cubicBezTo>
-                <a:cubicBezTo>
-                  <a:pt x="6406482" y="3660885"/>
-                  <a:pt x="6101872" y="3674836"/>
-                  <a:pt x="5794844" y="3672046"/>
-                </a:cubicBezTo>
-                <a:cubicBezTo>
-                  <a:pt x="5526498" y="3669256"/>
-                  <a:pt x="5258151" y="3638562"/>
-                  <a:pt x="4987387" y="3599498"/>
-                </a:cubicBezTo>
-                <a:cubicBezTo>
-                  <a:pt x="4636843" y="3546482"/>
-                  <a:pt x="3362799" y="3312096"/>
-                  <a:pt x="2920390" y="3220016"/>
-                </a:cubicBezTo>
-                <a:cubicBezTo>
-                  <a:pt x="2702811" y="3175371"/>
-                  <a:pt x="1498875" y="2762406"/>
-                  <a:pt x="1472282" y="2695438"/>
-                </a:cubicBezTo>
-                <a:cubicBezTo>
-                  <a:pt x="1554478" y="2650793"/>
-                  <a:pt x="1634257" y="2728922"/>
-                  <a:pt x="1721289" y="2681487"/>
-                </a:cubicBezTo>
-                <a:cubicBezTo>
-                  <a:pt x="1571401" y="2578245"/>
-                  <a:pt x="1399756" y="2625681"/>
-                  <a:pt x="1257121" y="2555923"/>
-                </a:cubicBezTo>
-                <a:cubicBezTo>
-                  <a:pt x="1259538" y="2488955"/>
-                  <a:pt x="1322394" y="2508488"/>
-                  <a:pt x="1332064" y="2463843"/>
-                </a:cubicBezTo>
-                <a:cubicBezTo>
-                  <a:pt x="1061300" y="2335488"/>
-                  <a:pt x="759108" y="2341069"/>
-                  <a:pt x="483508" y="2229457"/>
-                </a:cubicBezTo>
-                <a:cubicBezTo>
-                  <a:pt x="734932" y="2184812"/>
-                  <a:pt x="981521" y="2232247"/>
-                  <a:pt x="1235363" y="2240618"/>
-                </a:cubicBezTo>
-                <a:cubicBezTo>
-                  <a:pt x="1211188" y="2182021"/>
-                  <a:pt x="1167672" y="2187602"/>
-                  <a:pt x="1138662" y="2168069"/>
-                </a:cubicBezTo>
-                <a:cubicBezTo>
-                  <a:pt x="1099981" y="2142957"/>
-                  <a:pt x="1068553" y="2120635"/>
-                  <a:pt x="1092728" y="2056458"/>
-                </a:cubicBezTo>
-                <a:cubicBezTo>
-                  <a:pt x="1116903" y="1995071"/>
-                  <a:pt x="1085475" y="1978329"/>
-                  <a:pt x="1039542" y="1956007"/>
-                </a:cubicBezTo>
-                <a:cubicBezTo>
-                  <a:pt x="923501" y="1894620"/>
-                  <a:pt x="795371" y="1914152"/>
-                  <a:pt x="674494" y="1894620"/>
-                </a:cubicBezTo>
-                <a:cubicBezTo>
-                  <a:pt x="618891" y="1886249"/>
-                  <a:pt x="529441" y="1900200"/>
-                  <a:pt x="514936" y="1852765"/>
-                </a:cubicBezTo>
-                <a:cubicBezTo>
-                  <a:pt x="464168" y="1699298"/>
-                  <a:pt x="362631" y="1743943"/>
-                  <a:pt x="268347" y="1735572"/>
-                </a:cubicBezTo>
-                <a:cubicBezTo>
-                  <a:pt x="171646" y="1727201"/>
-                  <a:pt x="152305" y="1657444"/>
-                  <a:pt x="200656" y="1529089"/>
-                </a:cubicBezTo>
-                <a:cubicBezTo>
-                  <a:pt x="149887" y="1467702"/>
-                  <a:pt x="65273" y="1537459"/>
-                  <a:pt x="0" y="1453750"/>
-                </a:cubicBezTo>
-                <a:cubicBezTo>
-                  <a:pt x="502848" y="1411896"/>
-                  <a:pt x="993609" y="1450960"/>
-                  <a:pt x="1479534" y="1330977"/>
-                </a:cubicBezTo>
-                <a:cubicBezTo>
-                  <a:pt x="1324812" y="1336557"/>
-                  <a:pt x="1172507" y="1286332"/>
-                  <a:pt x="1017784" y="1317025"/>
-                </a:cubicBezTo>
-                <a:cubicBezTo>
-                  <a:pt x="993609" y="1322606"/>
-                  <a:pt x="964599" y="1317025"/>
-                  <a:pt x="940423" y="1311445"/>
-                </a:cubicBezTo>
-                <a:cubicBezTo>
-                  <a:pt x="913830" y="1305864"/>
-                  <a:pt x="889655" y="1294703"/>
-                  <a:pt x="889655" y="1255638"/>
-                </a:cubicBezTo>
-                <a:cubicBezTo>
-                  <a:pt x="889655" y="1227735"/>
-                  <a:pt x="908995" y="1213784"/>
-                  <a:pt x="928335" y="1202623"/>
-                </a:cubicBezTo>
-                <a:cubicBezTo>
-                  <a:pt x="981521" y="1171929"/>
-                  <a:pt x="1039542" y="1163558"/>
-                  <a:pt x="1092728" y="1194252"/>
-                </a:cubicBezTo>
-                <a:cubicBezTo>
-                  <a:pt x="1153167" y="1227735"/>
-                  <a:pt x="1201518" y="1219364"/>
-                  <a:pt x="1247451" y="1160768"/>
-                </a:cubicBezTo>
-                <a:cubicBezTo>
-                  <a:pt x="1307889" y="1085430"/>
-                  <a:pt x="1394920" y="1113333"/>
-                  <a:pt x="1467447" y="1088220"/>
-                </a:cubicBezTo>
-                <a:cubicBezTo>
-                  <a:pt x="1547226" y="1063107"/>
-                  <a:pt x="1631840" y="1077059"/>
-                  <a:pt x="1735794" y="1032414"/>
-                </a:cubicBezTo>
-                <a:cubicBezTo>
-                  <a:pt x="1559313" y="982188"/>
-                  <a:pt x="1397338" y="1057527"/>
-                  <a:pt x="1218440" y="1007301"/>
-                </a:cubicBezTo>
-                <a:cubicBezTo>
-                  <a:pt x="1290966" y="937543"/>
-                  <a:pt x="1356240" y="957076"/>
-                  <a:pt x="1416678" y="945914"/>
-                </a:cubicBezTo>
-                <a:cubicBezTo>
-                  <a:pt x="1489204" y="931963"/>
-                  <a:pt x="1561731" y="929172"/>
-                  <a:pt x="1634257" y="915221"/>
-                </a:cubicBezTo>
-                <a:cubicBezTo>
-                  <a:pt x="1701949" y="904060"/>
-                  <a:pt x="1767223" y="884528"/>
-                  <a:pt x="1834914" y="873366"/>
-                </a:cubicBezTo>
-                <a:cubicBezTo>
-                  <a:pt x="1900187" y="862205"/>
-                  <a:pt x="1967878" y="876157"/>
-                  <a:pt x="2028317" y="814770"/>
-                </a:cubicBezTo>
-                <a:cubicBezTo>
-                  <a:pt x="1863924" y="691996"/>
-                  <a:pt x="1677773" y="750593"/>
-                  <a:pt x="1484370" y="719899"/>
-                </a:cubicBezTo>
-                <a:cubicBezTo>
-                  <a:pt x="1535138" y="661303"/>
-                  <a:pt x="1588324" y="672464"/>
-                  <a:pt x="1631840" y="655722"/>
-                </a:cubicBezTo>
-                <a:cubicBezTo>
-                  <a:pt x="1651180" y="650142"/>
-                  <a:pt x="1675355" y="650142"/>
-                  <a:pt x="1682608" y="622239"/>
-                </a:cubicBezTo>
-                <a:cubicBezTo>
-                  <a:pt x="1692278" y="585965"/>
-                  <a:pt x="1670520" y="563642"/>
-                  <a:pt x="1646344" y="552481"/>
-                </a:cubicBezTo>
-                <a:cubicBezTo>
-                  <a:pt x="1537556" y="499465"/>
-                  <a:pt x="1421514" y="471562"/>
-                  <a:pt x="1305472" y="443659"/>
-                </a:cubicBezTo>
-                <a:cubicBezTo>
-                  <a:pt x="1240198" y="429707"/>
-                  <a:pt x="1170090" y="438078"/>
-                  <a:pt x="1112068" y="393433"/>
-                </a:cubicBezTo>
-                <a:cubicBezTo>
-                  <a:pt x="1324812" y="200902"/>
-                  <a:pt x="1561731" y="237176"/>
-                  <a:pt x="1801068" y="248337"/>
-                </a:cubicBezTo>
-                <a:cubicBezTo>
-                  <a:pt x="2190293" y="265079"/>
-                  <a:pt x="2579516" y="281821"/>
-                  <a:pt x="2971158" y="253918"/>
-                </a:cubicBezTo>
-                <a:cubicBezTo>
-                  <a:pt x="3287854" y="200902"/>
-                  <a:pt x="3609388" y="195322"/>
-                  <a:pt x="3930923" y="175789"/>
-                </a:cubicBezTo>
-                <a:cubicBezTo>
-                  <a:pt x="4283882" y="150677"/>
-                  <a:pt x="4641678" y="170209"/>
-                  <a:pt x="4997057" y="172999"/>
-                </a:cubicBezTo>
-                <a:cubicBezTo>
-                  <a:pt x="5253316" y="175789"/>
-                  <a:pt x="5511992" y="200902"/>
-                  <a:pt x="5768252" y="178580"/>
-                </a:cubicBezTo>
-                <a:cubicBezTo>
-                  <a:pt x="6068027" y="153467"/>
-                  <a:pt x="6372637" y="172999"/>
-                  <a:pt x="6674829" y="164628"/>
-                </a:cubicBezTo>
-                <a:cubicBezTo>
-                  <a:pt x="6810212" y="161838"/>
-                  <a:pt x="6945593" y="139515"/>
-                  <a:pt x="7080976" y="122774"/>
-                </a:cubicBezTo>
-                <a:cubicBezTo>
-                  <a:pt x="7334817" y="89290"/>
-                  <a:pt x="7591076" y="44645"/>
-                  <a:pt x="7847336" y="58596"/>
-                </a:cubicBezTo>
-                <a:cubicBezTo>
-                  <a:pt x="8006894" y="66967"/>
-                  <a:pt x="8164034" y="66967"/>
-                  <a:pt x="8328426" y="0"/>
-                </a:cubicBezTo>
-                <a:close/>
-              </a:path>
-            </a:pathLst>
-          </a:custGeom>
-          <a:noFill/>
-          <a:extLst>
-            <a:ext uri="{909E8E84-426E-40DD-AFC4-6F175D3DCCD1}">
-              <a14:hiddenFill xmlns:a14="http://schemas.microsoft.com/office/drawing/2010/main">
-                <a:solidFill>
-                  <a:srgbClr val="FFFFFF"/>
-                </a:solidFill>
-              </a14:hiddenFill>
-            </a:ext>
-          </a:extLst>
         </p:spPr>
-      </p:pic>
+        <p:txBody>
+          <a:bodyPr anchor="ctr">
+            <a:normAutofit/>
+          </a:bodyPr>
+          <a:lstStyle/>
+          <a:p>
+            <a:pPr lvl="0">
+              <a:defRPr/>
+            </a:pPr>
+            <a:r>
+              <a:rPr kumimoji="1" lang="ko-KR" altLang="en-US" sz="2000"/>
+              <a:t>제스처 인식의 정확성</a:t>
+            </a:r>
+            <a:endParaRPr kumimoji="1" lang="ko-KR" altLang="en-US" sz="2000"/>
+          </a:p>
+          <a:p>
+            <a:pPr lvl="0">
+              <a:defRPr/>
+            </a:pPr>
+            <a:r>
+              <a:rPr kumimoji="1" lang="ko-KR" altLang="en-US" sz="2000"/>
+              <a:t>제스처에 따른 슬라이드 실행</a:t>
+            </a:r>
+            <a:endParaRPr kumimoji="1" lang="ko-KR" altLang="en-US" sz="2000"/>
+          </a:p>
+          <a:p>
+            <a:pPr lvl="0">
+              <a:defRPr/>
+            </a:pPr>
+            <a:r>
+              <a:rPr kumimoji="1" lang="ko-KR" altLang="en-US" sz="2000"/>
+              <a:t>제스쳐 다양성</a:t>
+            </a:r>
+            <a:endParaRPr kumimoji="1" lang="ko-KR" altLang="en-US" sz="2000"/>
+          </a:p>
+        </p:txBody>
+      </p:sp>
     </p:spTree>
-    <p:extLst>
-      <p:ext uri="{BB962C8B-B14F-4D97-AF65-F5344CB8AC3E}">
-        <p14:creationId xmlns:p14="http://schemas.microsoft.com/office/powerpoint/2010/main" val="4285639133"/>
-      </p:ext>
-    </p:extLst>
   </p:cSld>
   <p:clrMapOvr>
     <a:masterClrMapping/>
   </p:clrMapOvr>
+  <mc:AlternateContent xmlns:mc="http://schemas.openxmlformats.org/markup-compatibility/2006">
+    <mc:Choice xmlns:p14="http://schemas.microsoft.com/office/powerpoint/2010/main" Requires="p14">
+      <p:transition xmlns:mc="http://schemas.openxmlformats.org/markup-compatibility/2006" xmlns:p14="http://schemas.microsoft.com/office/powerpoint/2010/main" mc:Ignorable="p14" p14:dur="500"/>
+    </mc:Choice>
+    <mc:Fallback>
+      <p:transition/>
+    </mc:Fallback>
+  </mc:AlternateContent>
 </p:sld>
 </file>
 
@@ -10933,19 +11544,8 @@
           <a:p>
             <a:pPr algn="ctr"/>
             <a:r>
-              <a:rPr kumimoji="1" lang="ko-KR" altLang="en-US" sz="3000" dirty="0"/>
-              <a:t>일반적인 제스처에는 작동</a:t>
-            </a:r>
-            <a:r>
-              <a:rPr kumimoji="1" lang="en-US" altLang="ko-KR" sz="3000" dirty="0"/>
-              <a:t>X</a:t>
-            </a:r>
-            <a:br>
-              <a:rPr kumimoji="1" lang="en-US" altLang="ko-KR" sz="3000" dirty="0"/>
-            </a:br>
-            <a:r>
-              <a:rPr kumimoji="1" lang="ko-KR" altLang="en-US" sz="3000" dirty="0"/>
-              <a:t> 특수한 제스처에 반응하도록 만들기</a:t>
+              <a:rPr kumimoji="1" lang="ko-KR" altLang="en-US" sz="3500" dirty="0"/>
+              <a:t>캠을 통해 실시간으로 움직이는 제스처 인식</a:t>
             </a:r>
           </a:p>
         </p:txBody>
@@ -11305,7 +11905,7 @@
     </p:spTree>
     <p:extLst>
       <p:ext uri="{BB962C8B-B14F-4D97-AF65-F5344CB8AC3E}">
-        <p14:creationId xmlns:p14="http://schemas.microsoft.com/office/powerpoint/2010/main" val="1317520939"/>
+        <p14:creationId xmlns:p14="http://schemas.microsoft.com/office/powerpoint/2010/main" val="4285639133"/>
       </p:ext>
     </p:extLst>
   </p:cSld>
@@ -12439,24 +13039,19 @@
           <a:p>
             <a:pPr algn="ctr"/>
             <a:r>
-              <a:rPr kumimoji="1" lang="ko-KR" altLang="en-US" sz="2500" dirty="0"/>
-              <a:t>설정된 제스처가 </a:t>
+              <a:rPr kumimoji="1" lang="ko-KR" altLang="en-US" sz="3000" dirty="0"/>
+              <a:t>일반적인 제스처에는 작동</a:t>
             </a:r>
             <a:r>
-              <a:rPr kumimoji="1" lang="ko-KR" altLang="en-US" sz="2500" dirty="0" err="1"/>
-              <a:t>인식시</a:t>
+              <a:rPr kumimoji="1" lang="en-US" altLang="ko-KR" sz="3000" dirty="0"/>
+              <a:t>X</a:t>
             </a:r>
+            <a:br>
+              <a:rPr kumimoji="1" lang="en-US" altLang="ko-KR" sz="3000" dirty="0"/>
+            </a:br>
             <a:r>
-              <a:rPr kumimoji="1" lang="ko-KR" altLang="en-US" sz="2500" dirty="0"/>
-              <a:t> 프레젠테이션 </a:t>
-            </a:r>
-            <a:r>
-              <a:rPr kumimoji="1" lang="en" altLang="ko-KR" sz="2500" dirty="0"/>
-              <a:t>ppt </a:t>
-            </a:r>
-            <a:r>
-              <a:rPr kumimoji="1" lang="ko-KR" altLang="en-US" sz="2500" dirty="0"/>
-              <a:t>슬라이드 혹은 애니메이션 작동</a:t>
+              <a:rPr kumimoji="1" lang="ko-KR" altLang="en-US" sz="3000" dirty="0"/>
+              <a:t> 특수한 제스처에 반응하도록 만들기</a:t>
             </a:r>
           </a:p>
         </p:txBody>
@@ -12816,7 +13411,7 @@
     </p:spTree>
     <p:extLst>
       <p:ext uri="{BB962C8B-B14F-4D97-AF65-F5344CB8AC3E}">
-        <p14:creationId xmlns:p14="http://schemas.microsoft.com/office/powerpoint/2010/main" val="1523255460"/>
+        <p14:creationId xmlns:p14="http://schemas.microsoft.com/office/powerpoint/2010/main" val="1317520939"/>
       </p:ext>
     </p:extLst>
   </p:cSld>
@@ -13951,6 +14546,1517 @@
             <a:pPr algn="ctr"/>
             <a:r>
               <a:rPr kumimoji="1" lang="ko-KR" altLang="en-US" sz="2500" dirty="0"/>
+              <a:t>설정된 제스처가 </a:t>
+            </a:r>
+            <a:r>
+              <a:rPr kumimoji="1" lang="ko-KR" altLang="en-US" sz="2500" dirty="0" err="1"/>
+              <a:t>인식시</a:t>
+            </a:r>
+            <a:r>
+              <a:rPr kumimoji="1" lang="ko-KR" altLang="en-US" sz="2500" dirty="0"/>
+              <a:t> 프레젠테이션 </a:t>
+            </a:r>
+            <a:r>
+              <a:rPr kumimoji="1" lang="en" altLang="ko-KR" sz="2500" dirty="0"/>
+              <a:t>ppt </a:t>
+            </a:r>
+            <a:r>
+              <a:rPr kumimoji="1" lang="ko-KR" altLang="en-US" sz="2500" dirty="0"/>
+              <a:t>슬라이드 혹은 애니메이션 작동</a:t>
+            </a:r>
+          </a:p>
+        </p:txBody>
+      </p:sp>
+      <p:pic>
+        <p:nvPicPr>
+          <p:cNvPr id="4" name="Picture 2" descr="로봇신문사 모바일 모바일 사이트, 한컴MDS, 제스처 인식SW 시장 진출">
+            <a:extLst>
+              <a:ext uri="{FF2B5EF4-FFF2-40B4-BE49-F238E27FC236}">
+                <a16:creationId xmlns:a16="http://schemas.microsoft.com/office/drawing/2014/main" id="{8A61744E-FF0E-8B59-A064-F337D55F28AC}"/>
+              </a:ext>
+            </a:extLst>
+          </p:cNvPr>
+          <p:cNvPicPr>
+            <a:picLocks noChangeAspect="1" noChangeArrowheads="1"/>
+          </p:cNvPicPr>
+          <p:nvPr/>
+        </p:nvPicPr>
+        <p:blipFill>
+          <a:blip r:embed="rId2">
+            <a:extLst>
+              <a:ext uri="{28A0092B-C50C-407E-A947-70E740481C1C}">
+                <a14:useLocalDpi xmlns:a14="http://schemas.microsoft.com/office/drawing/2010/main" val="0"/>
+              </a:ext>
+            </a:extLst>
+          </a:blip>
+          <a:srcRect t="21527" b="9295"/>
+          <a:stretch/>
+        </p:blipFill>
+        <p:spPr bwMode="auto">
+          <a:xfrm>
+            <a:off x="1223616" y="403123"/>
+            <a:ext cx="9392179" cy="3672406"/>
+          </a:xfrm>
+          <a:custGeom>
+            <a:avLst/>
+            <a:gdLst/>
+            <a:ahLst/>
+            <a:cxnLst/>
+            <a:rect l="l" t="t" r="r" b="b"/>
+            <a:pathLst>
+              <a:path w="9392179" h="3672406">
+                <a:moveTo>
+                  <a:pt x="8328426" y="0"/>
+                </a:moveTo>
+                <a:cubicBezTo>
+                  <a:pt x="8306669" y="212063"/>
+                  <a:pt x="8209966" y="234386"/>
+                  <a:pt x="8156780" y="365530"/>
+                </a:cubicBezTo>
+                <a:cubicBezTo>
+                  <a:pt x="8193044" y="376692"/>
+                  <a:pt x="8224472" y="390643"/>
+                  <a:pt x="8255900" y="396224"/>
+                </a:cubicBezTo>
+                <a:cubicBezTo>
+                  <a:pt x="8379195" y="424127"/>
+                  <a:pt x="8497654" y="496675"/>
+                  <a:pt x="8608861" y="619448"/>
+                </a:cubicBezTo>
+                <a:cubicBezTo>
+                  <a:pt x="8693475" y="711528"/>
+                  <a:pt x="8785341" y="750593"/>
+                  <a:pt x="8877208" y="756173"/>
+                </a:cubicBezTo>
+                <a:cubicBezTo>
+                  <a:pt x="8923141" y="758964"/>
+                  <a:pt x="8971492" y="761754"/>
+                  <a:pt x="9012590" y="795238"/>
+                </a:cubicBezTo>
+                <a:cubicBezTo>
+                  <a:pt x="9053688" y="828721"/>
+                  <a:pt x="9133466" y="814770"/>
+                  <a:pt x="9106875" y="996140"/>
+                </a:cubicBezTo>
+                <a:cubicBezTo>
+                  <a:pt x="9210828" y="1068688"/>
+                  <a:pt x="9167313" y="1283542"/>
+                  <a:pt x="9215663" y="1417476"/>
+                </a:cubicBezTo>
+                <a:cubicBezTo>
+                  <a:pt x="9268849" y="1565363"/>
+                  <a:pt x="9300277" y="1746734"/>
+                  <a:pt x="9370386" y="1872297"/>
+                </a:cubicBezTo>
+                <a:cubicBezTo>
+                  <a:pt x="9396979" y="1916942"/>
+                  <a:pt x="9396979" y="1967168"/>
+                  <a:pt x="9382473" y="2014603"/>
+                </a:cubicBezTo>
+                <a:cubicBezTo>
+                  <a:pt x="9355881" y="2115054"/>
+                  <a:pt x="9322035" y="2201554"/>
+                  <a:pt x="9276102" y="2268521"/>
+                </a:cubicBezTo>
+                <a:cubicBezTo>
+                  <a:pt x="9106875" y="2514068"/>
+                  <a:pt x="8932811" y="2756825"/>
+                  <a:pt x="8746660" y="2949356"/>
+                </a:cubicBezTo>
+                <a:cubicBezTo>
+                  <a:pt x="8536335" y="3169790"/>
+                  <a:pt x="8304251" y="3289774"/>
+                  <a:pt x="8069749" y="3384644"/>
+                </a:cubicBezTo>
+                <a:cubicBezTo>
+                  <a:pt x="7624922" y="3566014"/>
+                  <a:pt x="7172842" y="3632982"/>
+                  <a:pt x="6713509" y="3649724"/>
+                </a:cubicBezTo>
+                <a:cubicBezTo>
+                  <a:pt x="6406482" y="3660885"/>
+                  <a:pt x="6101872" y="3674836"/>
+                  <a:pt x="5794844" y="3672046"/>
+                </a:cubicBezTo>
+                <a:cubicBezTo>
+                  <a:pt x="5526498" y="3669256"/>
+                  <a:pt x="5258151" y="3638562"/>
+                  <a:pt x="4987387" y="3599498"/>
+                </a:cubicBezTo>
+                <a:cubicBezTo>
+                  <a:pt x="4636843" y="3546482"/>
+                  <a:pt x="3362799" y="3312096"/>
+                  <a:pt x="2920390" y="3220016"/>
+                </a:cubicBezTo>
+                <a:cubicBezTo>
+                  <a:pt x="2702811" y="3175371"/>
+                  <a:pt x="1498875" y="2762406"/>
+                  <a:pt x="1472282" y="2695438"/>
+                </a:cubicBezTo>
+                <a:cubicBezTo>
+                  <a:pt x="1554478" y="2650793"/>
+                  <a:pt x="1634257" y="2728922"/>
+                  <a:pt x="1721289" y="2681487"/>
+                </a:cubicBezTo>
+                <a:cubicBezTo>
+                  <a:pt x="1571401" y="2578245"/>
+                  <a:pt x="1399756" y="2625681"/>
+                  <a:pt x="1257121" y="2555923"/>
+                </a:cubicBezTo>
+                <a:cubicBezTo>
+                  <a:pt x="1259538" y="2488955"/>
+                  <a:pt x="1322394" y="2508488"/>
+                  <a:pt x="1332064" y="2463843"/>
+                </a:cubicBezTo>
+                <a:cubicBezTo>
+                  <a:pt x="1061300" y="2335488"/>
+                  <a:pt x="759108" y="2341069"/>
+                  <a:pt x="483508" y="2229457"/>
+                </a:cubicBezTo>
+                <a:cubicBezTo>
+                  <a:pt x="734932" y="2184812"/>
+                  <a:pt x="981521" y="2232247"/>
+                  <a:pt x="1235363" y="2240618"/>
+                </a:cubicBezTo>
+                <a:cubicBezTo>
+                  <a:pt x="1211188" y="2182021"/>
+                  <a:pt x="1167672" y="2187602"/>
+                  <a:pt x="1138662" y="2168069"/>
+                </a:cubicBezTo>
+                <a:cubicBezTo>
+                  <a:pt x="1099981" y="2142957"/>
+                  <a:pt x="1068553" y="2120635"/>
+                  <a:pt x="1092728" y="2056458"/>
+                </a:cubicBezTo>
+                <a:cubicBezTo>
+                  <a:pt x="1116903" y="1995071"/>
+                  <a:pt x="1085475" y="1978329"/>
+                  <a:pt x="1039542" y="1956007"/>
+                </a:cubicBezTo>
+                <a:cubicBezTo>
+                  <a:pt x="923501" y="1894620"/>
+                  <a:pt x="795371" y="1914152"/>
+                  <a:pt x="674494" y="1894620"/>
+                </a:cubicBezTo>
+                <a:cubicBezTo>
+                  <a:pt x="618891" y="1886249"/>
+                  <a:pt x="529441" y="1900200"/>
+                  <a:pt x="514936" y="1852765"/>
+                </a:cubicBezTo>
+                <a:cubicBezTo>
+                  <a:pt x="464168" y="1699298"/>
+                  <a:pt x="362631" y="1743943"/>
+                  <a:pt x="268347" y="1735572"/>
+                </a:cubicBezTo>
+                <a:cubicBezTo>
+                  <a:pt x="171646" y="1727201"/>
+                  <a:pt x="152305" y="1657444"/>
+                  <a:pt x="200656" y="1529089"/>
+                </a:cubicBezTo>
+                <a:cubicBezTo>
+                  <a:pt x="149887" y="1467702"/>
+                  <a:pt x="65273" y="1537459"/>
+                  <a:pt x="0" y="1453750"/>
+                </a:cubicBezTo>
+                <a:cubicBezTo>
+                  <a:pt x="502848" y="1411896"/>
+                  <a:pt x="993609" y="1450960"/>
+                  <a:pt x="1479534" y="1330977"/>
+                </a:cubicBezTo>
+                <a:cubicBezTo>
+                  <a:pt x="1324812" y="1336557"/>
+                  <a:pt x="1172507" y="1286332"/>
+                  <a:pt x="1017784" y="1317025"/>
+                </a:cubicBezTo>
+                <a:cubicBezTo>
+                  <a:pt x="993609" y="1322606"/>
+                  <a:pt x="964599" y="1317025"/>
+                  <a:pt x="940423" y="1311445"/>
+                </a:cubicBezTo>
+                <a:cubicBezTo>
+                  <a:pt x="913830" y="1305864"/>
+                  <a:pt x="889655" y="1294703"/>
+                  <a:pt x="889655" y="1255638"/>
+                </a:cubicBezTo>
+                <a:cubicBezTo>
+                  <a:pt x="889655" y="1227735"/>
+                  <a:pt x="908995" y="1213784"/>
+                  <a:pt x="928335" y="1202623"/>
+                </a:cubicBezTo>
+                <a:cubicBezTo>
+                  <a:pt x="981521" y="1171929"/>
+                  <a:pt x="1039542" y="1163558"/>
+                  <a:pt x="1092728" y="1194252"/>
+                </a:cubicBezTo>
+                <a:cubicBezTo>
+                  <a:pt x="1153167" y="1227735"/>
+                  <a:pt x="1201518" y="1219364"/>
+                  <a:pt x="1247451" y="1160768"/>
+                </a:cubicBezTo>
+                <a:cubicBezTo>
+                  <a:pt x="1307889" y="1085430"/>
+                  <a:pt x="1394920" y="1113333"/>
+                  <a:pt x="1467447" y="1088220"/>
+                </a:cubicBezTo>
+                <a:cubicBezTo>
+                  <a:pt x="1547226" y="1063107"/>
+                  <a:pt x="1631840" y="1077059"/>
+                  <a:pt x="1735794" y="1032414"/>
+                </a:cubicBezTo>
+                <a:cubicBezTo>
+                  <a:pt x="1559313" y="982188"/>
+                  <a:pt x="1397338" y="1057527"/>
+                  <a:pt x="1218440" y="1007301"/>
+                </a:cubicBezTo>
+                <a:cubicBezTo>
+                  <a:pt x="1290966" y="937543"/>
+                  <a:pt x="1356240" y="957076"/>
+                  <a:pt x="1416678" y="945914"/>
+                </a:cubicBezTo>
+                <a:cubicBezTo>
+                  <a:pt x="1489204" y="931963"/>
+                  <a:pt x="1561731" y="929172"/>
+                  <a:pt x="1634257" y="915221"/>
+                </a:cubicBezTo>
+                <a:cubicBezTo>
+                  <a:pt x="1701949" y="904060"/>
+                  <a:pt x="1767223" y="884528"/>
+                  <a:pt x="1834914" y="873366"/>
+                </a:cubicBezTo>
+                <a:cubicBezTo>
+                  <a:pt x="1900187" y="862205"/>
+                  <a:pt x="1967878" y="876157"/>
+                  <a:pt x="2028317" y="814770"/>
+                </a:cubicBezTo>
+                <a:cubicBezTo>
+                  <a:pt x="1863924" y="691996"/>
+                  <a:pt x="1677773" y="750593"/>
+                  <a:pt x="1484370" y="719899"/>
+                </a:cubicBezTo>
+                <a:cubicBezTo>
+                  <a:pt x="1535138" y="661303"/>
+                  <a:pt x="1588324" y="672464"/>
+                  <a:pt x="1631840" y="655722"/>
+                </a:cubicBezTo>
+                <a:cubicBezTo>
+                  <a:pt x="1651180" y="650142"/>
+                  <a:pt x="1675355" y="650142"/>
+                  <a:pt x="1682608" y="622239"/>
+                </a:cubicBezTo>
+                <a:cubicBezTo>
+                  <a:pt x="1692278" y="585965"/>
+                  <a:pt x="1670520" y="563642"/>
+                  <a:pt x="1646344" y="552481"/>
+                </a:cubicBezTo>
+                <a:cubicBezTo>
+                  <a:pt x="1537556" y="499465"/>
+                  <a:pt x="1421514" y="471562"/>
+                  <a:pt x="1305472" y="443659"/>
+                </a:cubicBezTo>
+                <a:cubicBezTo>
+                  <a:pt x="1240198" y="429707"/>
+                  <a:pt x="1170090" y="438078"/>
+                  <a:pt x="1112068" y="393433"/>
+                </a:cubicBezTo>
+                <a:cubicBezTo>
+                  <a:pt x="1324812" y="200902"/>
+                  <a:pt x="1561731" y="237176"/>
+                  <a:pt x="1801068" y="248337"/>
+                </a:cubicBezTo>
+                <a:cubicBezTo>
+                  <a:pt x="2190293" y="265079"/>
+                  <a:pt x="2579516" y="281821"/>
+                  <a:pt x="2971158" y="253918"/>
+                </a:cubicBezTo>
+                <a:cubicBezTo>
+                  <a:pt x="3287854" y="200902"/>
+                  <a:pt x="3609388" y="195322"/>
+                  <a:pt x="3930923" y="175789"/>
+                </a:cubicBezTo>
+                <a:cubicBezTo>
+                  <a:pt x="4283882" y="150677"/>
+                  <a:pt x="4641678" y="170209"/>
+                  <a:pt x="4997057" y="172999"/>
+                </a:cubicBezTo>
+                <a:cubicBezTo>
+                  <a:pt x="5253316" y="175789"/>
+                  <a:pt x="5511992" y="200902"/>
+                  <a:pt x="5768252" y="178580"/>
+                </a:cubicBezTo>
+                <a:cubicBezTo>
+                  <a:pt x="6068027" y="153467"/>
+                  <a:pt x="6372637" y="172999"/>
+                  <a:pt x="6674829" y="164628"/>
+                </a:cubicBezTo>
+                <a:cubicBezTo>
+                  <a:pt x="6810212" y="161838"/>
+                  <a:pt x="6945593" y="139515"/>
+                  <a:pt x="7080976" y="122774"/>
+                </a:cubicBezTo>
+                <a:cubicBezTo>
+                  <a:pt x="7334817" y="89290"/>
+                  <a:pt x="7591076" y="44645"/>
+                  <a:pt x="7847336" y="58596"/>
+                </a:cubicBezTo>
+                <a:cubicBezTo>
+                  <a:pt x="8006894" y="66967"/>
+                  <a:pt x="8164034" y="66967"/>
+                  <a:pt x="8328426" y="0"/>
+                </a:cubicBezTo>
+                <a:close/>
+              </a:path>
+            </a:pathLst>
+          </a:custGeom>
+          <a:noFill/>
+          <a:extLst>
+            <a:ext uri="{909E8E84-426E-40DD-AFC4-6F175D3DCCD1}">
+              <a14:hiddenFill xmlns:a14="http://schemas.microsoft.com/office/drawing/2010/main">
+                <a:solidFill>
+                  <a:srgbClr val="FFFFFF"/>
+                </a:solidFill>
+              </a14:hiddenFill>
+            </a:ext>
+          </a:extLst>
+        </p:spPr>
+      </p:pic>
+    </p:spTree>
+    <p:extLst>
+      <p:ext uri="{BB962C8B-B14F-4D97-AF65-F5344CB8AC3E}">
+        <p14:creationId xmlns:p14="http://schemas.microsoft.com/office/powerpoint/2010/main" val="1523255460"/>
+      </p:ext>
+    </p:extLst>
+  </p:cSld>
+  <p:clrMapOvr>
+    <a:masterClrMapping/>
+  </p:clrMapOvr>
+</p:sld>
+</file>
+
+<file path=ppt/slides/slide9.xml><?xml version="1.0" encoding="utf-8"?>
+<p:sld xmlns:a="http://schemas.openxmlformats.org/drawingml/2006/main" xmlns:r="http://schemas.openxmlformats.org/officeDocument/2006/relationships" xmlns:p="http://schemas.openxmlformats.org/presentationml/2006/main">
+  <p:cSld>
+    <p:bg>
+      <p:bgPr>
+        <a:solidFill>
+          <a:schemeClr val="bg1"/>
+        </a:solidFill>
+        <a:effectLst/>
+      </p:bgPr>
+    </p:bg>
+    <p:spTree>
+      <p:nvGrpSpPr>
+        <p:cNvPr id="1" name=""/>
+        <p:cNvGrpSpPr/>
+        <p:nvPr/>
+      </p:nvGrpSpPr>
+      <p:grpSpPr>
+        <a:xfrm>
+          <a:off x="0" y="0"/>
+          <a:ext cx="0" cy="0"/>
+          <a:chOff x="0" y="0"/>
+          <a:chExt cx="0" cy="0"/>
+        </a:xfrm>
+      </p:grpSpPr>
+      <p:sp useBgFill="1">
+        <p:nvSpPr>
+          <p:cNvPr id="8" name="Rectangle 7">
+            <a:extLst>
+              <a:ext uri="{FF2B5EF4-FFF2-40B4-BE49-F238E27FC236}">
+                <a16:creationId xmlns:a16="http://schemas.microsoft.com/office/drawing/2014/main" id="{95408913-B323-422F-B521-2957A5B7FEE8}"/>
+              </a:ext>
+              <a:ext uri="{C183D7F6-B498-43B3-948B-1728B52AA6E4}">
+                <adec:decorative xmlns:adec="http://schemas.microsoft.com/office/drawing/2017/decorative" val="1"/>
+              </a:ext>
+            </a:extLst>
+          </p:cNvPr>
+          <p:cNvSpPr>
+            <a:spLocks noGrp="1" noRot="1" noChangeAspect="1" noMove="1" noResize="1" noEditPoints="1" noAdjustHandles="1" noChangeArrowheads="1" noChangeShapeType="1" noTextEdit="1"/>
+          </p:cNvSpPr>
+          <p:nvPr>
+            <p:extLst>
+              <p:ext uri="{386F3935-93C4-4BCD-93E2-E3B085C9AB24}">
+                <p16:designElem xmlns:p16="http://schemas.microsoft.com/office/powerpoint/2015/main" val="1"/>
+              </p:ext>
+            </p:extLst>
+          </p:nvPr>
+        </p:nvSpPr>
+        <p:spPr>
+          <a:xfrm>
+            <a:off x="0" y="0"/>
+            <a:ext cx="12188952" cy="6858000"/>
+          </a:xfrm>
+          <a:prstGeom prst="rect">
+            <a:avLst/>
+          </a:prstGeom>
+          <a:ln>
+            <a:noFill/>
+          </a:ln>
+        </p:spPr>
+        <p:style>
+          <a:lnRef idx="2">
+            <a:schemeClr val="accent1">
+              <a:shade val="50000"/>
+            </a:schemeClr>
+          </a:lnRef>
+          <a:fillRef idx="1">
+            <a:schemeClr val="accent1"/>
+          </a:fillRef>
+          <a:effectRef idx="0">
+            <a:schemeClr val="accent1"/>
+          </a:effectRef>
+          <a:fontRef idx="minor">
+            <a:schemeClr val="lt1"/>
+          </a:fontRef>
+        </p:style>
+        <p:txBody>
+          <a:bodyPr rtlCol="0" anchor="ctr"/>
+          <a:lstStyle/>
+          <a:p>
+            <a:pPr algn="ctr"/>
+            <a:endParaRPr lang="en-US"/>
+          </a:p>
+        </p:txBody>
+      </p:sp>
+      <p:sp>
+        <p:nvSpPr>
+          <p:cNvPr id="10" name="Freeform: Shape 9">
+            <a:extLst>
+              <a:ext uri="{FF2B5EF4-FFF2-40B4-BE49-F238E27FC236}">
+                <a16:creationId xmlns:a16="http://schemas.microsoft.com/office/drawing/2014/main" id="{AA770EBD-5B77-46EC-BF58-EF27ACD6B47C}"/>
+              </a:ext>
+              <a:ext uri="{C183D7F6-B498-43B3-948B-1728B52AA6E4}">
+                <adec:decorative xmlns:adec="http://schemas.microsoft.com/office/drawing/2017/decorative" val="1"/>
+              </a:ext>
+            </a:extLst>
+          </p:cNvPr>
+          <p:cNvSpPr>
+            <a:spLocks noGrp="1" noRot="1" noChangeAspect="1" noMove="1" noResize="1" noEditPoints="1" noAdjustHandles="1" noChangeArrowheads="1" noChangeShapeType="1" noTextEdit="1"/>
+          </p:cNvSpPr>
+          <p:nvPr>
+            <p:extLst>
+              <p:ext uri="{386F3935-93C4-4BCD-93E2-E3B085C9AB24}">
+                <p16:designElem xmlns:p16="http://schemas.microsoft.com/office/powerpoint/2015/main" val="1"/>
+              </p:ext>
+            </p:extLst>
+          </p:nvPr>
+        </p:nvSpPr>
+        <p:spPr>
+          <a:xfrm flipH="1">
+            <a:off x="-1592" y="0"/>
+            <a:ext cx="7299977" cy="6858000"/>
+          </a:xfrm>
+          <a:custGeom>
+            <a:avLst/>
+            <a:gdLst>
+              <a:gd name="connsiteX0" fmla="*/ 1008599 w 7299977"/>
+              <a:gd name="connsiteY0" fmla="*/ 0 h 6858000"/>
+              <a:gd name="connsiteX1" fmla="*/ 4420653 w 7299977"/>
+              <a:gd name="connsiteY1" fmla="*/ 0 h 6858000"/>
+              <a:gd name="connsiteX2" fmla="*/ 5511704 w 7299977"/>
+              <a:gd name="connsiteY2" fmla="*/ 0 h 6858000"/>
+              <a:gd name="connsiteX3" fmla="*/ 7299977 w 7299977"/>
+              <a:gd name="connsiteY3" fmla="*/ 0 h 6858000"/>
+              <a:gd name="connsiteX4" fmla="*/ 7299977 w 7299977"/>
+              <a:gd name="connsiteY4" fmla="*/ 6858000 h 6858000"/>
+              <a:gd name="connsiteX5" fmla="*/ 5511704 w 7299977"/>
+              <a:gd name="connsiteY5" fmla="*/ 6858000 h 6858000"/>
+              <a:gd name="connsiteX6" fmla="*/ 4420653 w 7299977"/>
+              <a:gd name="connsiteY6" fmla="*/ 6858000 h 6858000"/>
+              <a:gd name="connsiteX7" fmla="*/ 1592997 w 7299977"/>
+              <a:gd name="connsiteY7" fmla="*/ 6858000 h 6858000"/>
+              <a:gd name="connsiteX8" fmla="*/ 1232473 w 7299977"/>
+              <a:gd name="connsiteY8" fmla="*/ 6658805 h 6858000"/>
+              <a:gd name="connsiteX9" fmla="*/ 1075471 w 7299977"/>
+              <a:gd name="connsiteY9" fmla="*/ 6431153 h 6858000"/>
+              <a:gd name="connsiteX10" fmla="*/ 1020229 w 7299977"/>
+              <a:gd name="connsiteY10" fmla="*/ 6367127 h 6858000"/>
+              <a:gd name="connsiteX11" fmla="*/ 883579 w 7299977"/>
+              <a:gd name="connsiteY11" fmla="*/ 6281757 h 6858000"/>
+              <a:gd name="connsiteX12" fmla="*/ 645167 w 7299977"/>
+              <a:gd name="connsiteY12" fmla="*/ 6100347 h 6858000"/>
+              <a:gd name="connsiteX13" fmla="*/ 732391 w 7299977"/>
+              <a:gd name="connsiteY13" fmla="*/ 6057663 h 6858000"/>
+              <a:gd name="connsiteX14" fmla="*/ 985339 w 7299977"/>
+              <a:gd name="connsiteY14" fmla="*/ 6167932 h 6858000"/>
+              <a:gd name="connsiteX15" fmla="*/ 1168509 w 7299977"/>
+              <a:gd name="connsiteY15" fmla="*/ 6196388 h 6858000"/>
+              <a:gd name="connsiteX16" fmla="*/ 909746 w 7299977"/>
+              <a:gd name="connsiteY16" fmla="*/ 6004307 h 6858000"/>
+              <a:gd name="connsiteX17" fmla="*/ 659704 w 7299977"/>
+              <a:gd name="connsiteY17" fmla="*/ 5755314 h 6858000"/>
+              <a:gd name="connsiteX18" fmla="*/ 851597 w 7299977"/>
+              <a:gd name="connsiteY18" fmla="*/ 5801555 h 6858000"/>
+              <a:gd name="connsiteX19" fmla="*/ 860319 w 7299977"/>
+              <a:gd name="connsiteY19" fmla="*/ 5769542 h 6858000"/>
+              <a:gd name="connsiteX20" fmla="*/ 691686 w 7299977"/>
+              <a:gd name="connsiteY20" fmla="*/ 5474306 h 6858000"/>
+              <a:gd name="connsiteX21" fmla="*/ 610278 w 7299977"/>
+              <a:gd name="connsiteY21" fmla="*/ 5353367 h 6858000"/>
+              <a:gd name="connsiteX22" fmla="*/ 238123 w 7299977"/>
+              <a:gd name="connsiteY22" fmla="*/ 4994104 h 6858000"/>
+              <a:gd name="connsiteX23" fmla="*/ 592833 w 7299977"/>
+              <a:gd name="connsiteY23" fmla="*/ 5154171 h 6858000"/>
+              <a:gd name="connsiteX24" fmla="*/ 226494 w 7299977"/>
+              <a:gd name="connsiteY24" fmla="*/ 4805580 h 6858000"/>
+              <a:gd name="connsiteX25" fmla="*/ 49139 w 7299977"/>
+              <a:gd name="connsiteY25" fmla="*/ 4677526 h 6858000"/>
+              <a:gd name="connsiteX26" fmla="*/ 5527 w 7299977"/>
+              <a:gd name="connsiteY26" fmla="*/ 4602828 h 6858000"/>
+              <a:gd name="connsiteX27" fmla="*/ 84029 w 7299977"/>
+              <a:gd name="connsiteY27" fmla="*/ 4585042 h 6858000"/>
+              <a:gd name="connsiteX28" fmla="*/ 325347 w 7299977"/>
+              <a:gd name="connsiteY28" fmla="*/ 4613499 h 6858000"/>
+              <a:gd name="connsiteX29" fmla="*/ 25879 w 7299977"/>
+              <a:gd name="connsiteY29" fmla="*/ 4378734 h 6858000"/>
+              <a:gd name="connsiteX30" fmla="*/ 249753 w 7299977"/>
+              <a:gd name="connsiteY30" fmla="*/ 4414305 h 6858000"/>
+              <a:gd name="connsiteX31" fmla="*/ 313718 w 7299977"/>
+              <a:gd name="connsiteY31" fmla="*/ 4321821 h 6858000"/>
+              <a:gd name="connsiteX32" fmla="*/ 418386 w 7299977"/>
+              <a:gd name="connsiteY32" fmla="*/ 4172424 h 6858000"/>
+              <a:gd name="connsiteX33" fmla="*/ 491072 w 7299977"/>
+              <a:gd name="connsiteY33" fmla="*/ 4090612 h 6858000"/>
+              <a:gd name="connsiteX34" fmla="*/ 520147 w 7299977"/>
+              <a:gd name="connsiteY34" fmla="*/ 3827390 h 6858000"/>
+              <a:gd name="connsiteX35" fmla="*/ 459090 w 7299977"/>
+              <a:gd name="connsiteY35" fmla="*/ 3539269 h 6858000"/>
+              <a:gd name="connsiteX36" fmla="*/ 290458 w 7299977"/>
+              <a:gd name="connsiteY36" fmla="*/ 3393429 h 6858000"/>
+              <a:gd name="connsiteX37" fmla="*/ 339884 w 7299977"/>
+              <a:gd name="connsiteY37" fmla="*/ 3229805 h 6858000"/>
+              <a:gd name="connsiteX38" fmla="*/ 697501 w 7299977"/>
+              <a:gd name="connsiteY38" fmla="*/ 3329402 h 6858000"/>
+              <a:gd name="connsiteX39" fmla="*/ 165437 w 7299977"/>
+              <a:gd name="connsiteY39" fmla="*/ 2941684 h 6858000"/>
+              <a:gd name="connsiteX40" fmla="*/ 255568 w 7299977"/>
+              <a:gd name="connsiteY40" fmla="*/ 2923898 h 6858000"/>
+              <a:gd name="connsiteX41" fmla="*/ 578296 w 7299977"/>
+              <a:gd name="connsiteY41" fmla="*/ 2703362 h 6858000"/>
+              <a:gd name="connsiteX42" fmla="*/ 595740 w 7299977"/>
+              <a:gd name="connsiteY42" fmla="*/ 2692689 h 6858000"/>
+              <a:gd name="connsiteX43" fmla="*/ 650982 w 7299977"/>
+              <a:gd name="connsiteY43" fmla="*/ 2553965 h 6858000"/>
+              <a:gd name="connsiteX44" fmla="*/ 825429 w 7299977"/>
+              <a:gd name="connsiteY44" fmla="*/ 2532623 h 6858000"/>
+              <a:gd name="connsiteX45" fmla="*/ 970802 w 7299977"/>
+              <a:gd name="connsiteY45" fmla="*/ 2564636 h 6858000"/>
+              <a:gd name="connsiteX46" fmla="*/ 1127805 w 7299977"/>
+              <a:gd name="connsiteY46" fmla="*/ 2525509 h 6858000"/>
+              <a:gd name="connsiteX47" fmla="*/ 1267362 w 7299977"/>
+              <a:gd name="connsiteY47" fmla="*/ 2543294 h 6858000"/>
+              <a:gd name="connsiteX48" fmla="*/ 1386568 w 7299977"/>
+              <a:gd name="connsiteY48" fmla="*/ 2518395 h 6858000"/>
+              <a:gd name="connsiteX49" fmla="*/ 1270270 w 7299977"/>
+              <a:gd name="connsiteY49" fmla="*/ 2401012 h 6858000"/>
+              <a:gd name="connsiteX50" fmla="*/ 1107453 w 7299977"/>
+              <a:gd name="connsiteY50" fmla="*/ 2401012 h 6858000"/>
+              <a:gd name="connsiteX51" fmla="*/ 991154 w 7299977"/>
+              <a:gd name="connsiteY51" fmla="*/ 2326314 h 6858000"/>
+              <a:gd name="connsiteX52" fmla="*/ 880671 w 7299977"/>
+              <a:gd name="connsiteY52" fmla="*/ 2191146 h 6858000"/>
+              <a:gd name="connsiteX53" fmla="*/ 491072 w 7299977"/>
+              <a:gd name="connsiteY53" fmla="*/ 1974165 h 6858000"/>
+              <a:gd name="connsiteX54" fmla="*/ 421293 w 7299977"/>
+              <a:gd name="connsiteY54" fmla="*/ 1892353 h 6858000"/>
+              <a:gd name="connsiteX55" fmla="*/ 1531941 w 7299977"/>
+              <a:gd name="connsiteY55" fmla="*/ 2208931 h 6858000"/>
+              <a:gd name="connsiteX56" fmla="*/ 1188861 w 7299977"/>
+              <a:gd name="connsiteY56" fmla="*/ 2077320 h 6858000"/>
+              <a:gd name="connsiteX57" fmla="*/ 1421458 w 7299977"/>
+              <a:gd name="connsiteY57" fmla="*/ 2102219 h 6858000"/>
+              <a:gd name="connsiteX58" fmla="*/ 1549386 w 7299977"/>
+              <a:gd name="connsiteY58" fmla="*/ 2013292 h 6858000"/>
+              <a:gd name="connsiteX59" fmla="*/ 1549386 w 7299977"/>
+              <a:gd name="connsiteY59" fmla="*/ 1984836 h 6858000"/>
+              <a:gd name="connsiteX60" fmla="*/ 1453440 w 7299977"/>
+              <a:gd name="connsiteY60" fmla="*/ 1903025 h 6858000"/>
+              <a:gd name="connsiteX61" fmla="*/ 1398198 w 7299977"/>
+              <a:gd name="connsiteY61" fmla="*/ 1849668 h 6858000"/>
+              <a:gd name="connsiteX62" fmla="*/ 1247011 w 7299977"/>
+              <a:gd name="connsiteY62" fmla="*/ 1657587 h 6858000"/>
+              <a:gd name="connsiteX63" fmla="*/ 1354586 w 7299977"/>
+              <a:gd name="connsiteY63" fmla="*/ 1636245 h 6858000"/>
+              <a:gd name="connsiteX64" fmla="*/ 1395290 w 7299977"/>
+              <a:gd name="connsiteY64" fmla="*/ 1597117 h 6858000"/>
+              <a:gd name="connsiteX65" fmla="*/ 1366216 w 7299977"/>
+              <a:gd name="connsiteY65" fmla="*/ 1540204 h 6858000"/>
+              <a:gd name="connsiteX66" fmla="*/ 1031858 w 7299977"/>
+              <a:gd name="connsiteY66" fmla="*/ 1365909 h 6858000"/>
+              <a:gd name="connsiteX67" fmla="*/ 1005692 w 7299977"/>
+              <a:gd name="connsiteY67" fmla="*/ 1230741 h 6858000"/>
+              <a:gd name="connsiteX68" fmla="*/ 1069655 w 7299977"/>
+              <a:gd name="connsiteY68" fmla="*/ 1209399 h 6858000"/>
+              <a:gd name="connsiteX69" fmla="*/ 1142342 w 7299977"/>
+              <a:gd name="connsiteY69" fmla="*/ 1220069 h 6858000"/>
+              <a:gd name="connsiteX70" fmla="*/ 1084193 w 7299977"/>
+              <a:gd name="connsiteY70" fmla="*/ 1113358 h 6858000"/>
+              <a:gd name="connsiteX71" fmla="*/ 848689 w 7299977"/>
+              <a:gd name="connsiteY71" fmla="*/ 1006647 h 6858000"/>
+              <a:gd name="connsiteX72" fmla="*/ 805077 w 7299977"/>
+              <a:gd name="connsiteY72" fmla="*/ 949734 h 6858000"/>
+              <a:gd name="connsiteX73" fmla="*/ 863226 w 7299977"/>
+              <a:gd name="connsiteY73" fmla="*/ 921277 h 6858000"/>
+              <a:gd name="connsiteX74" fmla="*/ 906838 w 7299977"/>
+              <a:gd name="connsiteY74" fmla="*/ 910606 h 6858000"/>
+              <a:gd name="connsiteX75" fmla="*/ 5527 w 7299977"/>
+              <a:gd name="connsiteY75" fmla="*/ 465975 h 6858000"/>
+              <a:gd name="connsiteX76" fmla="*/ 209049 w 7299977"/>
+              <a:gd name="connsiteY76" fmla="*/ 462417 h 6858000"/>
+              <a:gd name="connsiteX77" fmla="*/ 409664 w 7299977"/>
+              <a:gd name="connsiteY77" fmla="*/ 533558 h 6858000"/>
+              <a:gd name="connsiteX78" fmla="*/ 621908 w 7299977"/>
+              <a:gd name="connsiteY78" fmla="*/ 522887 h 6858000"/>
+              <a:gd name="connsiteX79" fmla="*/ 822522 w 7299977"/>
+              <a:gd name="connsiteY79" fmla="*/ 558458 h 6858000"/>
+              <a:gd name="connsiteX80" fmla="*/ 996969 w 7299977"/>
+              <a:gd name="connsiteY80" fmla="*/ 558458 h 6858000"/>
+              <a:gd name="connsiteX81" fmla="*/ 834151 w 7299977"/>
+              <a:gd name="connsiteY81" fmla="*/ 505101 h 6858000"/>
+              <a:gd name="connsiteX82" fmla="*/ 773095 w 7299977"/>
+              <a:gd name="connsiteY82" fmla="*/ 416176 h 6858000"/>
+              <a:gd name="connsiteX83" fmla="*/ 793447 w 7299977"/>
+              <a:gd name="connsiteY83" fmla="*/ 334364 h 6858000"/>
+              <a:gd name="connsiteX84" fmla="*/ 860319 w 7299977"/>
+              <a:gd name="connsiteY84" fmla="*/ 359262 h 6858000"/>
+              <a:gd name="connsiteX85" fmla="*/ 938820 w 7299977"/>
+              <a:gd name="connsiteY85" fmla="*/ 451747 h 6858000"/>
+              <a:gd name="connsiteX86" fmla="*/ 956265 w 7299977"/>
+              <a:gd name="connsiteY86" fmla="*/ 394834 h 6858000"/>
+              <a:gd name="connsiteX87" fmla="*/ 1002784 w 7299977"/>
+              <a:gd name="connsiteY87" fmla="*/ 352148 h 6858000"/>
+              <a:gd name="connsiteX88" fmla="*/ 1270270 w 7299977"/>
+              <a:gd name="connsiteY88" fmla="*/ 373491 h 6858000"/>
+              <a:gd name="connsiteX89" fmla="*/ 1092915 w 7299977"/>
+              <a:gd name="connsiteY89" fmla="*/ 192082 h 6858000"/>
+              <a:gd name="connsiteX90" fmla="*/ 979525 w 7299977"/>
+              <a:gd name="connsiteY90" fmla="*/ 163625 h 6858000"/>
+              <a:gd name="connsiteX91" fmla="*/ 953358 w 7299977"/>
+              <a:gd name="connsiteY91" fmla="*/ 88927 h 6858000"/>
+              <a:gd name="connsiteX92" fmla="*/ 1005692 w 7299977"/>
+              <a:gd name="connsiteY92" fmla="*/ 71141 h 6858000"/>
+              <a:gd name="connsiteX93" fmla="*/ 1267362 w 7299977"/>
+              <a:gd name="connsiteY93" fmla="*/ 135168 h 6858000"/>
+              <a:gd name="connsiteX94" fmla="*/ 1310975 w 7299977"/>
+              <a:gd name="connsiteY94" fmla="*/ 110269 h 6858000"/>
+              <a:gd name="connsiteX95" fmla="*/ 1008599 w 7299977"/>
+              <a:gd name="connsiteY95" fmla="*/ 0 h 6858000"/>
+            </a:gdLst>
+            <a:ahLst/>
+            <a:cxnLst>
+              <a:cxn ang="0">
+                <a:pos x="connsiteX0" y="connsiteY0"/>
+              </a:cxn>
+              <a:cxn ang="0">
+                <a:pos x="connsiteX1" y="connsiteY1"/>
+              </a:cxn>
+              <a:cxn ang="0">
+                <a:pos x="connsiteX2" y="connsiteY2"/>
+              </a:cxn>
+              <a:cxn ang="0">
+                <a:pos x="connsiteX3" y="connsiteY3"/>
+              </a:cxn>
+              <a:cxn ang="0">
+                <a:pos x="connsiteX4" y="connsiteY4"/>
+              </a:cxn>
+              <a:cxn ang="0">
+                <a:pos x="connsiteX5" y="connsiteY5"/>
+              </a:cxn>
+              <a:cxn ang="0">
+                <a:pos x="connsiteX6" y="connsiteY6"/>
+              </a:cxn>
+              <a:cxn ang="0">
+                <a:pos x="connsiteX7" y="connsiteY7"/>
+              </a:cxn>
+              <a:cxn ang="0">
+                <a:pos x="connsiteX8" y="connsiteY8"/>
+              </a:cxn>
+              <a:cxn ang="0">
+                <a:pos x="connsiteX9" y="connsiteY9"/>
+              </a:cxn>
+              <a:cxn ang="0">
+                <a:pos x="connsiteX10" y="connsiteY10"/>
+              </a:cxn>
+              <a:cxn ang="0">
+                <a:pos x="connsiteX11" y="connsiteY11"/>
+              </a:cxn>
+              <a:cxn ang="0">
+                <a:pos x="connsiteX12" y="connsiteY12"/>
+              </a:cxn>
+              <a:cxn ang="0">
+                <a:pos x="connsiteX13" y="connsiteY13"/>
+              </a:cxn>
+              <a:cxn ang="0">
+                <a:pos x="connsiteX14" y="connsiteY14"/>
+              </a:cxn>
+              <a:cxn ang="0">
+                <a:pos x="connsiteX15" y="connsiteY15"/>
+              </a:cxn>
+              <a:cxn ang="0">
+                <a:pos x="connsiteX16" y="connsiteY16"/>
+              </a:cxn>
+              <a:cxn ang="0">
+                <a:pos x="connsiteX17" y="connsiteY17"/>
+              </a:cxn>
+              <a:cxn ang="0">
+                <a:pos x="connsiteX18" y="connsiteY18"/>
+              </a:cxn>
+              <a:cxn ang="0">
+                <a:pos x="connsiteX19" y="connsiteY19"/>
+              </a:cxn>
+              <a:cxn ang="0">
+                <a:pos x="connsiteX20" y="connsiteY20"/>
+              </a:cxn>
+              <a:cxn ang="0">
+                <a:pos x="connsiteX21" y="connsiteY21"/>
+              </a:cxn>
+              <a:cxn ang="0">
+                <a:pos x="connsiteX22" y="connsiteY22"/>
+              </a:cxn>
+              <a:cxn ang="0">
+                <a:pos x="connsiteX23" y="connsiteY23"/>
+              </a:cxn>
+              <a:cxn ang="0">
+                <a:pos x="connsiteX24" y="connsiteY24"/>
+              </a:cxn>
+              <a:cxn ang="0">
+                <a:pos x="connsiteX25" y="connsiteY25"/>
+              </a:cxn>
+              <a:cxn ang="0">
+                <a:pos x="connsiteX26" y="connsiteY26"/>
+              </a:cxn>
+              <a:cxn ang="0">
+                <a:pos x="connsiteX27" y="connsiteY27"/>
+              </a:cxn>
+              <a:cxn ang="0">
+                <a:pos x="connsiteX28" y="connsiteY28"/>
+              </a:cxn>
+              <a:cxn ang="0">
+                <a:pos x="connsiteX29" y="connsiteY29"/>
+              </a:cxn>
+              <a:cxn ang="0">
+                <a:pos x="connsiteX30" y="connsiteY30"/>
+              </a:cxn>
+              <a:cxn ang="0">
+                <a:pos x="connsiteX31" y="connsiteY31"/>
+              </a:cxn>
+              <a:cxn ang="0">
+                <a:pos x="connsiteX32" y="connsiteY32"/>
+              </a:cxn>
+              <a:cxn ang="0">
+                <a:pos x="connsiteX33" y="connsiteY33"/>
+              </a:cxn>
+              <a:cxn ang="0">
+                <a:pos x="connsiteX34" y="connsiteY34"/>
+              </a:cxn>
+              <a:cxn ang="0">
+                <a:pos x="connsiteX35" y="connsiteY35"/>
+              </a:cxn>
+              <a:cxn ang="0">
+                <a:pos x="connsiteX36" y="connsiteY36"/>
+              </a:cxn>
+              <a:cxn ang="0">
+                <a:pos x="connsiteX37" y="connsiteY37"/>
+              </a:cxn>
+              <a:cxn ang="0">
+                <a:pos x="connsiteX38" y="connsiteY38"/>
+              </a:cxn>
+              <a:cxn ang="0">
+                <a:pos x="connsiteX39" y="connsiteY39"/>
+              </a:cxn>
+              <a:cxn ang="0">
+                <a:pos x="connsiteX40" y="connsiteY40"/>
+              </a:cxn>
+              <a:cxn ang="0">
+                <a:pos x="connsiteX41" y="connsiteY41"/>
+              </a:cxn>
+              <a:cxn ang="0">
+                <a:pos x="connsiteX42" y="connsiteY42"/>
+              </a:cxn>
+              <a:cxn ang="0">
+                <a:pos x="connsiteX43" y="connsiteY43"/>
+              </a:cxn>
+              <a:cxn ang="0">
+                <a:pos x="connsiteX44" y="connsiteY44"/>
+              </a:cxn>
+              <a:cxn ang="0">
+                <a:pos x="connsiteX45" y="connsiteY45"/>
+              </a:cxn>
+              <a:cxn ang="0">
+                <a:pos x="connsiteX46" y="connsiteY46"/>
+              </a:cxn>
+              <a:cxn ang="0">
+                <a:pos x="connsiteX47" y="connsiteY47"/>
+              </a:cxn>
+              <a:cxn ang="0">
+                <a:pos x="connsiteX48" y="connsiteY48"/>
+              </a:cxn>
+              <a:cxn ang="0">
+                <a:pos x="connsiteX49" y="connsiteY49"/>
+              </a:cxn>
+              <a:cxn ang="0">
+                <a:pos x="connsiteX50" y="connsiteY50"/>
+              </a:cxn>
+              <a:cxn ang="0">
+                <a:pos x="connsiteX51" y="connsiteY51"/>
+              </a:cxn>
+              <a:cxn ang="0">
+                <a:pos x="connsiteX52" y="connsiteY52"/>
+              </a:cxn>
+              <a:cxn ang="0">
+                <a:pos x="connsiteX53" y="connsiteY53"/>
+              </a:cxn>
+              <a:cxn ang="0">
+                <a:pos x="connsiteX54" y="connsiteY54"/>
+              </a:cxn>
+              <a:cxn ang="0">
+                <a:pos x="connsiteX55" y="connsiteY55"/>
+              </a:cxn>
+              <a:cxn ang="0">
+                <a:pos x="connsiteX56" y="connsiteY56"/>
+              </a:cxn>
+              <a:cxn ang="0">
+                <a:pos x="connsiteX57" y="connsiteY57"/>
+              </a:cxn>
+              <a:cxn ang="0">
+                <a:pos x="connsiteX58" y="connsiteY58"/>
+              </a:cxn>
+              <a:cxn ang="0">
+                <a:pos x="connsiteX59" y="connsiteY59"/>
+              </a:cxn>
+              <a:cxn ang="0">
+                <a:pos x="connsiteX60" y="connsiteY60"/>
+              </a:cxn>
+              <a:cxn ang="0">
+                <a:pos x="connsiteX61" y="connsiteY61"/>
+              </a:cxn>
+              <a:cxn ang="0">
+                <a:pos x="connsiteX62" y="connsiteY62"/>
+              </a:cxn>
+              <a:cxn ang="0">
+                <a:pos x="connsiteX63" y="connsiteY63"/>
+              </a:cxn>
+              <a:cxn ang="0">
+                <a:pos x="connsiteX64" y="connsiteY64"/>
+              </a:cxn>
+              <a:cxn ang="0">
+                <a:pos x="connsiteX65" y="connsiteY65"/>
+              </a:cxn>
+              <a:cxn ang="0">
+                <a:pos x="connsiteX66" y="connsiteY66"/>
+              </a:cxn>
+              <a:cxn ang="0">
+                <a:pos x="connsiteX67" y="connsiteY67"/>
+              </a:cxn>
+              <a:cxn ang="0">
+                <a:pos x="connsiteX68" y="connsiteY68"/>
+              </a:cxn>
+              <a:cxn ang="0">
+                <a:pos x="connsiteX69" y="connsiteY69"/>
+              </a:cxn>
+              <a:cxn ang="0">
+                <a:pos x="connsiteX70" y="connsiteY70"/>
+              </a:cxn>
+              <a:cxn ang="0">
+                <a:pos x="connsiteX71" y="connsiteY71"/>
+              </a:cxn>
+              <a:cxn ang="0">
+                <a:pos x="connsiteX72" y="connsiteY72"/>
+              </a:cxn>
+              <a:cxn ang="0">
+                <a:pos x="connsiteX73" y="connsiteY73"/>
+              </a:cxn>
+              <a:cxn ang="0">
+                <a:pos x="connsiteX74" y="connsiteY74"/>
+              </a:cxn>
+              <a:cxn ang="0">
+                <a:pos x="connsiteX75" y="connsiteY75"/>
+              </a:cxn>
+              <a:cxn ang="0">
+                <a:pos x="connsiteX76" y="connsiteY76"/>
+              </a:cxn>
+              <a:cxn ang="0">
+                <a:pos x="connsiteX77" y="connsiteY77"/>
+              </a:cxn>
+              <a:cxn ang="0">
+                <a:pos x="connsiteX78" y="connsiteY78"/>
+              </a:cxn>
+              <a:cxn ang="0">
+                <a:pos x="connsiteX79" y="connsiteY79"/>
+              </a:cxn>
+              <a:cxn ang="0">
+                <a:pos x="connsiteX80" y="connsiteY80"/>
+              </a:cxn>
+              <a:cxn ang="0">
+                <a:pos x="connsiteX81" y="connsiteY81"/>
+              </a:cxn>
+              <a:cxn ang="0">
+                <a:pos x="connsiteX82" y="connsiteY82"/>
+              </a:cxn>
+              <a:cxn ang="0">
+                <a:pos x="connsiteX83" y="connsiteY83"/>
+              </a:cxn>
+              <a:cxn ang="0">
+                <a:pos x="connsiteX84" y="connsiteY84"/>
+              </a:cxn>
+              <a:cxn ang="0">
+                <a:pos x="connsiteX85" y="connsiteY85"/>
+              </a:cxn>
+              <a:cxn ang="0">
+                <a:pos x="connsiteX86" y="connsiteY86"/>
+              </a:cxn>
+              <a:cxn ang="0">
+                <a:pos x="connsiteX87" y="connsiteY87"/>
+              </a:cxn>
+              <a:cxn ang="0">
+                <a:pos x="connsiteX88" y="connsiteY88"/>
+              </a:cxn>
+              <a:cxn ang="0">
+                <a:pos x="connsiteX89" y="connsiteY89"/>
+              </a:cxn>
+              <a:cxn ang="0">
+                <a:pos x="connsiteX90" y="connsiteY90"/>
+              </a:cxn>
+              <a:cxn ang="0">
+                <a:pos x="connsiteX91" y="connsiteY91"/>
+              </a:cxn>
+              <a:cxn ang="0">
+                <a:pos x="connsiteX92" y="connsiteY92"/>
+              </a:cxn>
+              <a:cxn ang="0">
+                <a:pos x="connsiteX93" y="connsiteY93"/>
+              </a:cxn>
+              <a:cxn ang="0">
+                <a:pos x="connsiteX94" y="connsiteY94"/>
+              </a:cxn>
+              <a:cxn ang="0">
+                <a:pos x="connsiteX95" y="connsiteY95"/>
+              </a:cxn>
+            </a:cxnLst>
+            <a:rect l="l" t="t" r="r" b="b"/>
+            <a:pathLst>
+              <a:path w="7299977" h="6858000">
+                <a:moveTo>
+                  <a:pt x="1008599" y="0"/>
+                </a:moveTo>
+                <a:lnTo>
+                  <a:pt x="4420653" y="0"/>
+                </a:lnTo>
+                <a:lnTo>
+                  <a:pt x="5511704" y="0"/>
+                </a:lnTo>
+                <a:lnTo>
+                  <a:pt x="7299977" y="0"/>
+                </a:lnTo>
+                <a:lnTo>
+                  <a:pt x="7299977" y="6858000"/>
+                </a:lnTo>
+                <a:lnTo>
+                  <a:pt x="5511704" y="6858000"/>
+                </a:lnTo>
+                <a:lnTo>
+                  <a:pt x="4420653" y="6858000"/>
+                </a:lnTo>
+                <a:lnTo>
+                  <a:pt x="1592997" y="6858000"/>
+                </a:lnTo>
+                <a:cubicBezTo>
+                  <a:pt x="1473792" y="6786859"/>
+                  <a:pt x="1360401" y="6701489"/>
+                  <a:pt x="1232473" y="6658805"/>
+                </a:cubicBezTo>
+                <a:cubicBezTo>
+                  <a:pt x="1145250" y="6630349"/>
+                  <a:pt x="1060933" y="6580550"/>
+                  <a:pt x="1075471" y="6431153"/>
+                </a:cubicBezTo>
+                <a:cubicBezTo>
+                  <a:pt x="1078378" y="6388469"/>
+                  <a:pt x="1055118" y="6356456"/>
+                  <a:pt x="1020229" y="6367127"/>
+                </a:cubicBezTo>
+                <a:cubicBezTo>
+                  <a:pt x="953358" y="6388469"/>
+                  <a:pt x="921375" y="6327999"/>
+                  <a:pt x="883579" y="6281757"/>
+                </a:cubicBezTo>
+                <a:cubicBezTo>
+                  <a:pt x="816707" y="6199945"/>
+                  <a:pt x="752743" y="6114575"/>
+                  <a:pt x="645167" y="6100347"/>
+                </a:cubicBezTo>
+                <a:cubicBezTo>
+                  <a:pt x="665519" y="6036320"/>
+                  <a:pt x="700408" y="6043434"/>
+                  <a:pt x="732391" y="6057663"/>
+                </a:cubicBezTo>
+                <a:cubicBezTo>
+                  <a:pt x="816707" y="6093234"/>
+                  <a:pt x="901023" y="6132361"/>
+                  <a:pt x="985339" y="6167932"/>
+                </a:cubicBezTo>
+                <a:cubicBezTo>
+                  <a:pt x="1040581" y="6189274"/>
+                  <a:pt x="1095822" y="6221287"/>
+                  <a:pt x="1168509" y="6196388"/>
+                </a:cubicBezTo>
+                <a:cubicBezTo>
+                  <a:pt x="1104545" y="6068335"/>
+                  <a:pt x="996969" y="6043434"/>
+                  <a:pt x="909746" y="6004307"/>
+                </a:cubicBezTo>
+                <a:cubicBezTo>
+                  <a:pt x="802169" y="5954508"/>
+                  <a:pt x="738206" y="5862025"/>
+                  <a:pt x="659704" y="5755314"/>
+                </a:cubicBezTo>
+                <a:cubicBezTo>
+                  <a:pt x="738206" y="5726858"/>
+                  <a:pt x="787632" y="5805112"/>
+                  <a:pt x="851597" y="5801555"/>
+                </a:cubicBezTo>
+                <a:cubicBezTo>
+                  <a:pt x="854504" y="5790884"/>
+                  <a:pt x="860319" y="5769542"/>
+                  <a:pt x="860319" y="5769542"/>
+                </a:cubicBezTo>
+                <a:cubicBezTo>
+                  <a:pt x="755650" y="5712629"/>
+                  <a:pt x="709132" y="5605917"/>
+                  <a:pt x="691686" y="5474306"/>
+                </a:cubicBezTo>
+                <a:cubicBezTo>
+                  <a:pt x="685872" y="5406721"/>
+                  <a:pt x="648075" y="5385379"/>
+                  <a:pt x="610278" y="5353367"/>
+                </a:cubicBezTo>
+                <a:cubicBezTo>
+                  <a:pt x="482350" y="5243097"/>
+                  <a:pt x="345700" y="5143500"/>
+                  <a:pt x="238123" y="4994104"/>
+                </a:cubicBezTo>
+                <a:cubicBezTo>
+                  <a:pt x="363144" y="5011889"/>
+                  <a:pt x="461997" y="5111487"/>
+                  <a:pt x="592833" y="5154171"/>
+                </a:cubicBezTo>
+                <a:cubicBezTo>
+                  <a:pt x="488165" y="4990547"/>
+                  <a:pt x="351514" y="4905177"/>
+                  <a:pt x="226494" y="4805580"/>
+                </a:cubicBezTo>
+                <a:cubicBezTo>
+                  <a:pt x="168344" y="4759339"/>
+                  <a:pt x="116011" y="4702425"/>
+                  <a:pt x="49139" y="4677526"/>
+                </a:cubicBezTo>
+                <a:cubicBezTo>
+                  <a:pt x="25879" y="4670412"/>
+                  <a:pt x="-14826" y="4652628"/>
+                  <a:pt x="5527" y="4602828"/>
+                </a:cubicBezTo>
+                <a:cubicBezTo>
+                  <a:pt x="22972" y="4560144"/>
+                  <a:pt x="54954" y="4574373"/>
+                  <a:pt x="84029" y="4585042"/>
+                </a:cubicBezTo>
+                <a:cubicBezTo>
+                  <a:pt x="153807" y="4613499"/>
+                  <a:pt x="229401" y="4613499"/>
+                  <a:pt x="325347" y="4613499"/>
+                </a:cubicBezTo>
+                <a:cubicBezTo>
+                  <a:pt x="243939" y="4478331"/>
+                  <a:pt x="95658" y="4521016"/>
+                  <a:pt x="25879" y="4378734"/>
+                </a:cubicBezTo>
+                <a:cubicBezTo>
+                  <a:pt x="113103" y="4353835"/>
+                  <a:pt x="179975" y="4403633"/>
+                  <a:pt x="249753" y="4414305"/>
+                </a:cubicBezTo>
+                <a:cubicBezTo>
+                  <a:pt x="313718" y="4424975"/>
+                  <a:pt x="328254" y="4400076"/>
+                  <a:pt x="313718" y="4321821"/>
+                </a:cubicBezTo>
+                <a:cubicBezTo>
+                  <a:pt x="290458" y="4200882"/>
+                  <a:pt x="325347" y="4140411"/>
+                  <a:pt x="418386" y="4172424"/>
+                </a:cubicBezTo>
+                <a:cubicBezTo>
+                  <a:pt x="505609" y="4204438"/>
+                  <a:pt x="514332" y="4158196"/>
+                  <a:pt x="491072" y="4090612"/>
+                </a:cubicBezTo>
+                <a:cubicBezTo>
+                  <a:pt x="456183" y="3991015"/>
+                  <a:pt x="493979" y="3912759"/>
+                  <a:pt x="520147" y="3827390"/>
+                </a:cubicBezTo>
+                <a:cubicBezTo>
+                  <a:pt x="560851" y="3699337"/>
+                  <a:pt x="543407" y="3635309"/>
+                  <a:pt x="459090" y="3539269"/>
+                </a:cubicBezTo>
+                <a:cubicBezTo>
+                  <a:pt x="409664" y="3485914"/>
+                  <a:pt x="360236" y="3439672"/>
+                  <a:pt x="290458" y="3393429"/>
+                </a:cubicBezTo>
+                <a:cubicBezTo>
+                  <a:pt x="450368" y="3368530"/>
+                  <a:pt x="284643" y="3283162"/>
+                  <a:pt x="339884" y="3229805"/>
+                </a:cubicBezTo>
+                <a:cubicBezTo>
+                  <a:pt x="453275" y="3208463"/>
+                  <a:pt x="543407" y="3379202"/>
+                  <a:pt x="697501" y="3329402"/>
+                </a:cubicBezTo>
+                <a:cubicBezTo>
+                  <a:pt x="511425" y="3183563"/>
+                  <a:pt x="302087" y="3137322"/>
+                  <a:pt x="165437" y="2941684"/>
+                </a:cubicBezTo>
+                <a:cubicBezTo>
+                  <a:pt x="197419" y="2899000"/>
+                  <a:pt x="229401" y="2941684"/>
+                  <a:pt x="255568" y="2923898"/>
+                </a:cubicBezTo>
+                <a:cubicBezTo>
+                  <a:pt x="255568" y="2913227"/>
+                  <a:pt x="560851" y="2980812"/>
+                  <a:pt x="578296" y="2703362"/>
+                </a:cubicBezTo>
+                <a:cubicBezTo>
+                  <a:pt x="584111" y="2703362"/>
+                  <a:pt x="589926" y="2703362"/>
+                  <a:pt x="595740" y="2692689"/>
+                </a:cubicBezTo>
+                <a:cubicBezTo>
+                  <a:pt x="627722" y="2653563"/>
+                  <a:pt x="598648" y="2561080"/>
+                  <a:pt x="650982" y="2553965"/>
+                </a:cubicBezTo>
+                <a:cubicBezTo>
+                  <a:pt x="709132" y="2546851"/>
+                  <a:pt x="764373" y="2514837"/>
+                  <a:pt x="825429" y="2532623"/>
+                </a:cubicBezTo>
+                <a:cubicBezTo>
+                  <a:pt x="871949" y="2546851"/>
+                  <a:pt x="921375" y="2564636"/>
+                  <a:pt x="970802" y="2564636"/>
+                </a:cubicBezTo>
+                <a:cubicBezTo>
+                  <a:pt x="1023136" y="2564636"/>
+                  <a:pt x="1095822" y="2685576"/>
+                  <a:pt x="1127805" y="2525509"/>
+                </a:cubicBezTo>
+                <a:cubicBezTo>
+                  <a:pt x="1127805" y="2518395"/>
+                  <a:pt x="1217936" y="2536181"/>
+                  <a:pt x="1267362" y="2543294"/>
+                </a:cubicBezTo>
+                <a:cubicBezTo>
+                  <a:pt x="1308067" y="2550408"/>
+                  <a:pt x="1357494" y="2582422"/>
+                  <a:pt x="1386568" y="2518395"/>
+                </a:cubicBezTo>
+                <a:cubicBezTo>
+                  <a:pt x="1401105" y="2479267"/>
+                  <a:pt x="1331326" y="2408126"/>
+                  <a:pt x="1270270" y="2401012"/>
+                </a:cubicBezTo>
+                <a:cubicBezTo>
+                  <a:pt x="1215029" y="2393898"/>
+                  <a:pt x="1159787" y="2386784"/>
+                  <a:pt x="1107453" y="2401012"/>
+                </a:cubicBezTo>
+                <a:cubicBezTo>
+                  <a:pt x="1043489" y="2418796"/>
+                  <a:pt x="1008599" y="2390340"/>
+                  <a:pt x="991154" y="2326314"/>
+                </a:cubicBezTo>
+                <a:cubicBezTo>
+                  <a:pt x="970802" y="2258731"/>
+                  <a:pt x="933005" y="2223159"/>
+                  <a:pt x="880671" y="2191146"/>
+                </a:cubicBezTo>
+                <a:cubicBezTo>
+                  <a:pt x="752743" y="2112891"/>
+                  <a:pt x="630630" y="2020407"/>
+                  <a:pt x="491072" y="1974165"/>
+                </a:cubicBezTo>
+                <a:cubicBezTo>
+                  <a:pt x="464905" y="1967051"/>
+                  <a:pt x="432923" y="1952823"/>
+                  <a:pt x="421293" y="1892353"/>
+                </a:cubicBezTo>
+                <a:cubicBezTo>
+                  <a:pt x="799262" y="1984836"/>
+                  <a:pt x="1142342" y="2223159"/>
+                  <a:pt x="1531941" y="2208931"/>
+                </a:cubicBezTo>
+                <a:cubicBezTo>
+                  <a:pt x="1427272" y="2134233"/>
+                  <a:pt x="1302252" y="2130676"/>
+                  <a:pt x="1188861" y="2077320"/>
+                </a:cubicBezTo>
+                <a:cubicBezTo>
+                  <a:pt x="1270270" y="2038192"/>
+                  <a:pt x="1345864" y="2080877"/>
+                  <a:pt x="1421458" y="2102219"/>
+                </a:cubicBezTo>
+                <a:cubicBezTo>
+                  <a:pt x="1485422" y="2120004"/>
+                  <a:pt x="1543571" y="2123562"/>
+                  <a:pt x="1549386" y="2013292"/>
+                </a:cubicBezTo>
+                <a:cubicBezTo>
+                  <a:pt x="1549386" y="2002622"/>
+                  <a:pt x="1549386" y="1995507"/>
+                  <a:pt x="1549386" y="1984836"/>
+                </a:cubicBezTo>
+                <a:cubicBezTo>
+                  <a:pt x="1526126" y="1938595"/>
+                  <a:pt x="1494144" y="1917252"/>
+                  <a:pt x="1453440" y="1903025"/>
+                </a:cubicBezTo>
+                <a:cubicBezTo>
+                  <a:pt x="1430180" y="1895910"/>
+                  <a:pt x="1398198" y="1881683"/>
+                  <a:pt x="1398198" y="1849668"/>
+                </a:cubicBezTo>
+                <a:cubicBezTo>
+                  <a:pt x="1401105" y="1728729"/>
+                  <a:pt x="1322604" y="1693158"/>
+                  <a:pt x="1247011" y="1657587"/>
+                </a:cubicBezTo>
+                <a:cubicBezTo>
+                  <a:pt x="1287715" y="1597117"/>
+                  <a:pt x="1322604" y="1639802"/>
+                  <a:pt x="1354586" y="1636245"/>
+                </a:cubicBezTo>
+                <a:cubicBezTo>
+                  <a:pt x="1374939" y="1632688"/>
+                  <a:pt x="1395290" y="1629132"/>
+                  <a:pt x="1395290" y="1597117"/>
+                </a:cubicBezTo>
+                <a:cubicBezTo>
+                  <a:pt x="1395290" y="1572219"/>
+                  <a:pt x="1386568" y="1540204"/>
+                  <a:pt x="1366216" y="1540204"/>
+                </a:cubicBezTo>
+                <a:cubicBezTo>
+                  <a:pt x="1238288" y="1536647"/>
+                  <a:pt x="1165601" y="1365909"/>
+                  <a:pt x="1031858" y="1365909"/>
+                </a:cubicBezTo>
+                <a:cubicBezTo>
+                  <a:pt x="950450" y="1365909"/>
+                  <a:pt x="1072563" y="1269868"/>
+                  <a:pt x="1005692" y="1230741"/>
+                </a:cubicBezTo>
+                <a:cubicBezTo>
+                  <a:pt x="991154" y="1220069"/>
+                  <a:pt x="1046396" y="1205842"/>
+                  <a:pt x="1069655" y="1209399"/>
+                </a:cubicBezTo>
+                <a:cubicBezTo>
+                  <a:pt x="1092915" y="1212955"/>
+                  <a:pt x="1113268" y="1237855"/>
+                  <a:pt x="1142342" y="1220069"/>
+                </a:cubicBezTo>
+                <a:cubicBezTo>
+                  <a:pt x="1156879" y="1156043"/>
+                  <a:pt x="1119082" y="1131144"/>
+                  <a:pt x="1084193" y="1113358"/>
+                </a:cubicBezTo>
+                <a:cubicBezTo>
+                  <a:pt x="1008599" y="1070674"/>
+                  <a:pt x="933005" y="1020875"/>
+                  <a:pt x="848689" y="1006647"/>
+                </a:cubicBezTo>
+                <a:cubicBezTo>
+                  <a:pt x="819615" y="1003089"/>
+                  <a:pt x="802169" y="985305"/>
+                  <a:pt x="805077" y="949734"/>
+                </a:cubicBezTo>
+                <a:cubicBezTo>
+                  <a:pt x="810892" y="903491"/>
+                  <a:pt x="839967" y="917720"/>
+                  <a:pt x="863226" y="921277"/>
+                </a:cubicBezTo>
+                <a:cubicBezTo>
+                  <a:pt x="877764" y="924835"/>
+                  <a:pt x="892301" y="935506"/>
+                  <a:pt x="906838" y="910606"/>
+                </a:cubicBezTo>
+                <a:cubicBezTo>
+                  <a:pt x="566666" y="658055"/>
+                  <a:pt x="386404" y="672284"/>
+                  <a:pt x="5527" y="465975"/>
+                </a:cubicBezTo>
+                <a:cubicBezTo>
+                  <a:pt x="89843" y="426847"/>
+                  <a:pt x="150900" y="455303"/>
+                  <a:pt x="209049" y="462417"/>
+                </a:cubicBezTo>
+                <a:cubicBezTo>
+                  <a:pt x="354422" y="480203"/>
+                  <a:pt x="264290" y="512216"/>
+                  <a:pt x="409664" y="533558"/>
+                </a:cubicBezTo>
+                <a:cubicBezTo>
+                  <a:pt x="479443" y="544229"/>
+                  <a:pt x="543407" y="579800"/>
+                  <a:pt x="621908" y="522887"/>
+                </a:cubicBezTo>
+                <a:cubicBezTo>
+                  <a:pt x="674242" y="483759"/>
+                  <a:pt x="758558" y="526444"/>
+                  <a:pt x="822522" y="558458"/>
+                </a:cubicBezTo>
+                <a:cubicBezTo>
+                  <a:pt x="874856" y="586915"/>
+                  <a:pt x="927190" y="594028"/>
+                  <a:pt x="996969" y="558458"/>
+                </a:cubicBezTo>
+                <a:cubicBezTo>
+                  <a:pt x="933005" y="537116"/>
+                  <a:pt x="883579" y="519330"/>
+                  <a:pt x="834151" y="505101"/>
+                </a:cubicBezTo>
+                <a:cubicBezTo>
+                  <a:pt x="793447" y="494431"/>
+                  <a:pt x="770187" y="469532"/>
+                  <a:pt x="773095" y="416176"/>
+                </a:cubicBezTo>
+                <a:cubicBezTo>
+                  <a:pt x="773095" y="387720"/>
+                  <a:pt x="764373" y="348592"/>
+                  <a:pt x="793447" y="334364"/>
+                </a:cubicBezTo>
+                <a:cubicBezTo>
+                  <a:pt x="816707" y="320135"/>
+                  <a:pt x="848689" y="334364"/>
+                  <a:pt x="860319" y="359262"/>
+                </a:cubicBezTo>
+                <a:cubicBezTo>
+                  <a:pt x="874856" y="405504"/>
+                  <a:pt x="889393" y="448189"/>
+                  <a:pt x="938820" y="451747"/>
+                </a:cubicBezTo>
+                <a:cubicBezTo>
+                  <a:pt x="1005692" y="458860"/>
+                  <a:pt x="967894" y="430405"/>
+                  <a:pt x="956265" y="394834"/>
+                </a:cubicBezTo>
+                <a:cubicBezTo>
+                  <a:pt x="944635" y="355706"/>
+                  <a:pt x="979525" y="345034"/>
+                  <a:pt x="1002784" y="352148"/>
+                </a:cubicBezTo>
+                <a:cubicBezTo>
+                  <a:pt x="1090008" y="384162"/>
+                  <a:pt x="1180139" y="327250"/>
+                  <a:pt x="1270270" y="373491"/>
+                </a:cubicBezTo>
+                <a:cubicBezTo>
+                  <a:pt x="1247011" y="259665"/>
+                  <a:pt x="1197583" y="209867"/>
+                  <a:pt x="1092915" y="192082"/>
+                </a:cubicBezTo>
+                <a:cubicBezTo>
+                  <a:pt x="1055118" y="188525"/>
+                  <a:pt x="1014414" y="195638"/>
+                  <a:pt x="979525" y="163625"/>
+                </a:cubicBezTo>
+                <a:cubicBezTo>
+                  <a:pt x="959172" y="145839"/>
+                  <a:pt x="938820" y="124497"/>
+                  <a:pt x="953358" y="88927"/>
+                </a:cubicBezTo>
+                <a:cubicBezTo>
+                  <a:pt x="962080" y="64027"/>
+                  <a:pt x="985339" y="64027"/>
+                  <a:pt x="1005692" y="71141"/>
+                </a:cubicBezTo>
+                <a:cubicBezTo>
+                  <a:pt x="1090008" y="110269"/>
+                  <a:pt x="1180139" y="120941"/>
+                  <a:pt x="1267362" y="135168"/>
+                </a:cubicBezTo>
+                <a:cubicBezTo>
+                  <a:pt x="1281900" y="138725"/>
+                  <a:pt x="1296437" y="145839"/>
+                  <a:pt x="1310975" y="110269"/>
+                </a:cubicBezTo>
+                <a:cubicBezTo>
+                  <a:pt x="1209214" y="78255"/>
+                  <a:pt x="1110360" y="35571"/>
+                  <a:pt x="1008599" y="0"/>
+                </a:cubicBezTo>
+                <a:close/>
+              </a:path>
+            </a:pathLst>
+          </a:custGeom>
+          <a:solidFill>
+            <a:schemeClr val="bg2">
+              <a:alpha val="50000"/>
+            </a:schemeClr>
+          </a:solidFill>
+          <a:ln w="32707" cap="flat">
+            <a:noFill/>
+            <a:prstDash val="solid"/>
+            <a:miter/>
+          </a:ln>
+        </p:spPr>
+        <p:txBody>
+          <a:bodyPr rtlCol="0" anchor="ctr"/>
+          <a:lstStyle/>
+          <a:p>
+            <a:endParaRPr lang="en-US">
+              <a:solidFill>
+                <a:schemeClr val="tx1"/>
+              </a:solidFill>
+            </a:endParaRPr>
+          </a:p>
+        </p:txBody>
+      </p:sp>
+      <p:sp>
+        <p:nvSpPr>
+          <p:cNvPr id="2" name="제목 1">
+            <a:extLst>
+              <a:ext uri="{FF2B5EF4-FFF2-40B4-BE49-F238E27FC236}">
+                <a16:creationId xmlns:a16="http://schemas.microsoft.com/office/drawing/2014/main" id="{F848A3CD-C488-15A0-BE6D-3042B22C8C19}"/>
+              </a:ext>
+            </a:extLst>
+          </p:cNvPr>
+          <p:cNvSpPr>
+            <a:spLocks noGrp="1"/>
+          </p:cNvSpPr>
+          <p:nvPr>
+            <p:ph type="title"/>
+          </p:nvPr>
+        </p:nvSpPr>
+        <p:spPr>
+          <a:xfrm>
+            <a:off x="254725" y="3765469"/>
+            <a:ext cx="11679501" cy="3166617"/>
+          </a:xfrm>
+        </p:spPr>
+        <p:txBody>
+          <a:bodyPr>
+            <a:normAutofit/>
+          </a:bodyPr>
+          <a:lstStyle/>
+          <a:p>
+            <a:pPr algn="ctr"/>
+            <a:r>
+              <a:rPr kumimoji="1" lang="ko-KR" altLang="en-US" sz="2500" dirty="0"/>
               <a:t>애니메이션과 슬라이드를 구분하여 특수 제스처를 생성함</a:t>
             </a:r>
             <a:endParaRPr kumimoji="1" lang="en-US" altLang="ko-KR" sz="2500" dirty="0"/>
@@ -14322,965 +16428,45 @@
 </p:sld>
 </file>
 
-<file path=ppt/slides/slide9.xml><?xml version="1.0" encoding="utf-8"?>
-<p:sld xmlns:a="http://schemas.openxmlformats.org/drawingml/2006/main" xmlns:r="http://schemas.openxmlformats.org/officeDocument/2006/relationships" xmlns:p="http://schemas.openxmlformats.org/presentationml/2006/main">
-  <p:cSld>
-    <p:bg>
-      <p:bgPr>
-        <a:solidFill>
-          <a:schemeClr val="bg1"/>
-        </a:solidFill>
-        <a:effectLst/>
-      </p:bgPr>
-    </p:bg>
-    <p:spTree>
-      <p:nvGrpSpPr>
-        <p:cNvPr id="1" name=""/>
-        <p:cNvGrpSpPr/>
-        <p:nvPr/>
-      </p:nvGrpSpPr>
-      <p:grpSpPr>
-        <a:xfrm>
-          <a:off x="0" y="0"/>
-          <a:ext cx="0" cy="0"/>
-          <a:chOff x="0" y="0"/>
-          <a:chExt cx="0" cy="0"/>
-        </a:xfrm>
-      </p:grpSpPr>
-      <p:sp useBgFill="1">
-        <p:nvSpPr>
-          <p:cNvPr id="2068" name="Rectangle 2067">
-            <a:extLst>
-              <a:ext uri="{FF2B5EF4-FFF2-40B4-BE49-F238E27FC236}">
-                <a16:creationId xmlns:a16="http://schemas.microsoft.com/office/drawing/2014/main" id="{637B2035-1FCB-439A-B421-095E136C7E07}"/>
-              </a:ext>
-              <a:ext uri="{C183D7F6-B498-43B3-948B-1728B52AA6E4}">
-                <adec:decorative xmlns:adec="http://schemas.microsoft.com/office/drawing/2017/decorative" val="1"/>
-              </a:ext>
-            </a:extLst>
-          </p:cNvPr>
-          <p:cNvSpPr>
-            <a:spLocks noGrp="1" noRot="1" noChangeAspect="1" noMove="1" noResize="1" noEditPoints="1" noAdjustHandles="1" noChangeArrowheads="1" noChangeShapeType="1" noTextEdit="1"/>
-          </p:cNvSpPr>
-          <p:nvPr>
-            <p:extLst>
-              <p:ext uri="{386F3935-93C4-4BCD-93E2-E3B085C9AB24}">
-                <p16:designElem xmlns:p16="http://schemas.microsoft.com/office/powerpoint/2015/main" val="1"/>
-              </p:ext>
-            </p:extLst>
-          </p:nvPr>
-        </p:nvSpPr>
-        <p:spPr>
-          <a:xfrm>
-            <a:off x="0" y="0"/>
-            <a:ext cx="12192000" cy="6858000"/>
-          </a:xfrm>
-          <a:prstGeom prst="rect">
-            <a:avLst/>
-          </a:prstGeom>
-          <a:ln w="12700" cap="flat" cmpd="sng" algn="ctr">
-            <a:noFill/>
-            <a:prstDash val="solid"/>
-            <a:miter lim="800000"/>
-          </a:ln>
-          <a:effectLst/>
-          <a:extLst>
-            <a:ext uri="{91240B29-F687-4F45-9708-019B960494DF}">
-              <a14:hiddenLine xmlns:a14="http://schemas.microsoft.com/office/drawing/2010/main" w="12700" cap="flat" cmpd="sng" algn="ctr">
-                <a:solidFill>
-                  <a:schemeClr val="accent1">
-                    <a:shade val="50000"/>
-                  </a:schemeClr>
-                </a:solidFill>
-                <a:prstDash val="solid"/>
-                <a:miter lim="800000"/>
-              </a14:hiddenLine>
-            </a:ext>
-          </a:extLst>
-        </p:spPr>
-        <p:style>
-          <a:lnRef idx="2">
-            <a:schemeClr val="accent1">
-              <a:shade val="50000"/>
-            </a:schemeClr>
-          </a:lnRef>
-          <a:fillRef idx="1">
-            <a:schemeClr val="accent1"/>
-          </a:fillRef>
-          <a:effectRef idx="0">
-            <a:schemeClr val="accent1"/>
-          </a:effectRef>
-          <a:fontRef idx="minor">
-            <a:schemeClr val="lt1"/>
-          </a:fontRef>
-        </p:style>
-        <p:txBody>
-          <a:bodyPr rtlCol="0" anchor="ctr"/>
-          <a:lstStyle/>
-          <a:p>
-            <a:pPr algn="ctr"/>
-            <a:endParaRPr lang="en-US"/>
-          </a:p>
-        </p:txBody>
-      </p:sp>
-      <p:sp>
-        <p:nvSpPr>
-          <p:cNvPr id="2070" name="Rectangle 2069">
-            <a:extLst>
-              <a:ext uri="{FF2B5EF4-FFF2-40B4-BE49-F238E27FC236}">
-                <a16:creationId xmlns:a16="http://schemas.microsoft.com/office/drawing/2014/main" id="{676D6CDF-C512-4739-B158-55EE955EFA39}"/>
-              </a:ext>
-              <a:ext uri="{C183D7F6-B498-43B3-948B-1728B52AA6E4}">
-                <adec:decorative xmlns:adec="http://schemas.microsoft.com/office/drawing/2017/decorative" val="1"/>
-              </a:ext>
-            </a:extLst>
-          </p:cNvPr>
-          <p:cNvSpPr>
-            <a:spLocks noGrp="1" noRot="1" noChangeAspect="1" noMove="1" noResize="1" noEditPoints="1" noAdjustHandles="1" noChangeArrowheads="1" noChangeShapeType="1" noTextEdit="1"/>
-          </p:cNvSpPr>
-          <p:nvPr>
-            <p:extLst>
-              <p:ext uri="{386F3935-93C4-4BCD-93E2-E3B085C9AB24}">
-                <p16:designElem xmlns:p16="http://schemas.microsoft.com/office/powerpoint/2015/main" val="1"/>
-              </p:ext>
-            </p:extLst>
-          </p:nvPr>
-        </p:nvSpPr>
-        <p:spPr>
-          <a:xfrm>
-            <a:off x="-5503" y="-1"/>
-            <a:ext cx="12192000" cy="6857999"/>
-          </a:xfrm>
-          <a:prstGeom prst="rect">
-            <a:avLst/>
-          </a:prstGeom>
-          <a:solidFill>
-            <a:srgbClr val="82766A">
-              <a:alpha val="15000"/>
-            </a:srgbClr>
-          </a:solidFill>
-          <a:ln>
-            <a:noFill/>
-          </a:ln>
-        </p:spPr>
-        <p:style>
-          <a:lnRef idx="2">
-            <a:schemeClr val="accent1">
-              <a:shade val="50000"/>
-            </a:schemeClr>
-          </a:lnRef>
-          <a:fillRef idx="1">
-            <a:schemeClr val="accent1"/>
-          </a:fillRef>
-          <a:effectRef idx="0">
-            <a:schemeClr val="accent1"/>
-          </a:effectRef>
-          <a:fontRef idx="minor">
-            <a:schemeClr val="lt1"/>
-          </a:fontRef>
-        </p:style>
-        <p:txBody>
-          <a:bodyPr rtlCol="0" anchor="ctr"/>
-          <a:lstStyle/>
-          <a:p>
-            <a:pPr algn="ctr"/>
-            <a:endParaRPr lang="en-US"/>
-          </a:p>
-        </p:txBody>
-      </p:sp>
-      <p:sp>
-        <p:nvSpPr>
-          <p:cNvPr id="2" name="제목 1">
-            <a:extLst>
-              <a:ext uri="{FF2B5EF4-FFF2-40B4-BE49-F238E27FC236}">
-                <a16:creationId xmlns:a16="http://schemas.microsoft.com/office/drawing/2014/main" id="{A05BD4A6-9030-6478-039E-62FAF441AC93}"/>
-              </a:ext>
-            </a:extLst>
-          </p:cNvPr>
-          <p:cNvSpPr>
-            <a:spLocks noGrp="1"/>
-          </p:cNvSpPr>
-          <p:nvPr>
-            <p:ph type="title"/>
-          </p:nvPr>
-        </p:nvSpPr>
-        <p:spPr>
-          <a:xfrm>
-            <a:off x="1137033" y="670559"/>
-            <a:ext cx="4683321" cy="2148841"/>
-          </a:xfrm>
-        </p:spPr>
-        <p:txBody>
-          <a:bodyPr anchor="t">
-            <a:normAutofit/>
-          </a:bodyPr>
-          <a:lstStyle/>
-          <a:p>
-            <a:r>
-              <a:rPr kumimoji="1" lang="ko-KR" altLang="en-US"/>
-              <a:t>한계점</a:t>
-            </a:r>
-            <a:r>
-              <a:rPr kumimoji="1" lang="en-US" altLang="ko-KR"/>
-              <a:t>(</a:t>
-            </a:r>
-            <a:r>
-              <a:rPr kumimoji="1" lang="ko-KR" altLang="en-US"/>
-              <a:t>진행</a:t>
-            </a:r>
-            <a:r>
-              <a:rPr kumimoji="1" lang="en-US" altLang="ko-KR"/>
-              <a:t>)</a:t>
-            </a:r>
-            <a:endParaRPr kumimoji="1" lang="ko-KR" altLang="en-US"/>
-          </a:p>
-        </p:txBody>
-      </p:sp>
-      <p:pic>
-        <p:nvPicPr>
-          <p:cNvPr id="2050" name="Picture 2" descr="손 포즈. 여성의 손을 잡고 가리키는 제스처, 손가락, 주먹, 평화, 엄지손가락. 만화 인간의 손바닥과 손목 벡터 세트입니다. 메신저용  이모티콘으로 통신 또는 대화 | 프리미엄 벡터">
-            <a:extLst>
-              <a:ext uri="{FF2B5EF4-FFF2-40B4-BE49-F238E27FC236}">
-                <a16:creationId xmlns:a16="http://schemas.microsoft.com/office/drawing/2014/main" id="{C0A6EC7F-24E3-5C30-8BEB-2BD102C79231}"/>
-              </a:ext>
-            </a:extLst>
-          </p:cNvPr>
-          <p:cNvPicPr>
-            <a:picLocks noChangeAspect="1" noChangeArrowheads="1"/>
-          </p:cNvPicPr>
-          <p:nvPr/>
-        </p:nvPicPr>
-        <p:blipFill>
-          <a:blip r:embed="rId2">
-            <a:extLst>
-              <a:ext uri="{28A0092B-C50C-407E-A947-70E740481C1C}">
-                <a14:useLocalDpi xmlns:a14="http://schemas.microsoft.com/office/drawing/2010/main" val="0"/>
-              </a:ext>
-            </a:extLst>
-          </a:blip>
-          <a:srcRect l="4417" r="4944" b="2"/>
-          <a:stretch/>
-        </p:blipFill>
-        <p:spPr bwMode="auto">
-          <a:xfrm>
-            <a:off x="-11006" y="3105149"/>
-            <a:ext cx="6448424" cy="3752849"/>
-          </a:xfrm>
-          <a:custGeom>
-            <a:avLst/>
-            <a:gdLst/>
-            <a:ahLst/>
-            <a:cxnLst/>
-            <a:rect l="l" t="t" r="r" b="b"/>
-            <a:pathLst>
-              <a:path w="6448424" h="3752849">
-                <a:moveTo>
-                  <a:pt x="0" y="0"/>
-                </a:moveTo>
-                <a:lnTo>
-                  <a:pt x="137978" y="22215"/>
-                </a:lnTo>
-                <a:cubicBezTo>
-                  <a:pt x="196046" y="32277"/>
-                  <a:pt x="252469" y="42437"/>
-                  <a:pt x="295660" y="49771"/>
-                </a:cubicBezTo>
-                <a:cubicBezTo>
-                  <a:pt x="364885" y="66610"/>
-                  <a:pt x="403214" y="32071"/>
-                  <a:pt x="456941" y="65635"/>
-                </a:cubicBezTo>
-                <a:cubicBezTo>
-                  <a:pt x="529612" y="69090"/>
-                  <a:pt x="662508" y="71245"/>
-                  <a:pt x="731691" y="70501"/>
-                </a:cubicBezTo>
-                <a:cubicBezTo>
-                  <a:pt x="768741" y="62400"/>
-                  <a:pt x="808263" y="64633"/>
-                  <a:pt x="841820" y="61171"/>
-                </a:cubicBezTo>
-                <a:cubicBezTo>
-                  <a:pt x="958973" y="43639"/>
-                  <a:pt x="1009730" y="45863"/>
-                  <a:pt x="1068219" y="39136"/>
-                </a:cubicBezTo>
-                <a:cubicBezTo>
-                  <a:pt x="1104329" y="33447"/>
-                  <a:pt x="1156536" y="44203"/>
-                  <a:pt x="1174190" y="38808"/>
-                </a:cubicBezTo>
-                <a:cubicBezTo>
-                  <a:pt x="1188943" y="36385"/>
-                  <a:pt x="1213832" y="14880"/>
-                  <a:pt x="1225923" y="34507"/>
-                </a:cubicBezTo>
-                <a:cubicBezTo>
-                  <a:pt x="1305283" y="8501"/>
-                  <a:pt x="1319617" y="30839"/>
-                  <a:pt x="1385617" y="18003"/>
-                </a:cubicBezTo>
-                <a:cubicBezTo>
-                  <a:pt x="1461876" y="-26747"/>
-                  <a:pt x="1519510" y="56342"/>
-                  <a:pt x="1563967" y="4638"/>
-                </a:cubicBezTo>
-                <a:lnTo>
-                  <a:pt x="1676634" y="10582"/>
-                </a:lnTo>
-                <a:lnTo>
-                  <a:pt x="1769429" y="20265"/>
-                </a:lnTo>
-                <a:cubicBezTo>
-                  <a:pt x="1790625" y="23534"/>
-                  <a:pt x="1880369" y="18448"/>
-                  <a:pt x="1900584" y="27732"/>
-                </a:cubicBezTo>
-                <a:cubicBezTo>
-                  <a:pt x="2072430" y="22762"/>
-                  <a:pt x="2014935" y="5831"/>
-                  <a:pt x="2127041" y="22101"/>
-                </a:cubicBezTo>
-                <a:cubicBezTo>
-                  <a:pt x="2168847" y="65820"/>
-                  <a:pt x="2153052" y="28773"/>
-                  <a:pt x="2211644" y="44507"/>
-                </a:cubicBezTo>
-                <a:cubicBezTo>
-                  <a:pt x="2211201" y="9921"/>
-                  <a:pt x="2277596" y="73686"/>
-                  <a:pt x="2299605" y="38004"/>
-                </a:cubicBezTo>
-                <a:cubicBezTo>
-                  <a:pt x="2309570" y="41997"/>
-                  <a:pt x="2318531" y="46991"/>
-                  <a:pt x="2327359" y="52270"/>
-                </a:cubicBezTo>
-                <a:lnTo>
-                  <a:pt x="2331995" y="55017"/>
-                </a:lnTo>
-                <a:lnTo>
-                  <a:pt x="2353777" y="59755"/>
-                </a:lnTo>
-                <a:lnTo>
-                  <a:pt x="2355893" y="68914"/>
-                </a:lnTo>
-                <a:lnTo>
-                  <a:pt x="2385794" y="81650"/>
-                </a:lnTo>
-                <a:cubicBezTo>
-                  <a:pt x="2397613" y="85211"/>
-                  <a:pt x="2411061" y="87627"/>
-                  <a:pt x="2427010" y="88184"/>
-                </a:cubicBezTo>
-                <a:cubicBezTo>
-                  <a:pt x="2486314" y="76422"/>
-                  <a:pt x="2553170" y="126870"/>
-                  <a:pt x="2627153" y="110451"/>
-                </a:cubicBezTo>
-                <a:cubicBezTo>
-                  <a:pt x="2653722" y="107383"/>
-                  <a:pt x="2732043" y="116068"/>
-                  <a:pt x="2744462" y="128780"/>
-                </a:cubicBezTo>
-                <a:cubicBezTo>
-                  <a:pt x="2760299" y="132873"/>
-                  <a:pt x="2780248" y="130843"/>
-                  <a:pt x="2785202" y="143610"/>
-                </a:cubicBezTo>
-                <a:cubicBezTo>
-                  <a:pt x="2794558" y="159316"/>
-                  <a:pt x="2856498" y="142821"/>
-                  <a:pt x="2844667" y="159029"/>
-                </a:cubicBezTo>
-                <a:cubicBezTo>
-                  <a:pt x="2888530" y="147871"/>
-                  <a:pt x="2914187" y="181391"/>
-                  <a:pt x="2946649" y="192330"/>
-                </a:cubicBezTo>
-                <a:cubicBezTo>
-                  <a:pt x="2981872" y="180417"/>
-                  <a:pt x="3015239" y="215115"/>
-                  <a:pt x="3088812" y="226485"/>
-                </a:cubicBezTo>
-                <a:cubicBezTo>
-                  <a:pt x="3127734" y="212524"/>
-                  <a:pt x="3138301" y="234381"/>
-                  <a:pt x="3208669" y="217774"/>
-                </a:cubicBezTo>
-                <a:cubicBezTo>
-                  <a:pt x="3242208" y="219284"/>
-                  <a:pt x="3229623" y="233297"/>
-                  <a:pt x="3290045" y="235553"/>
-                </a:cubicBezTo>
-                <a:cubicBezTo>
-                  <a:pt x="3399655" y="215239"/>
-                  <a:pt x="3444518" y="245862"/>
-                  <a:pt x="3529335" y="249571"/>
-                </a:cubicBezTo>
-                <a:cubicBezTo>
-                  <a:pt x="3623697" y="257405"/>
-                  <a:pt x="3587652" y="268832"/>
-                  <a:pt x="3716766" y="252690"/>
-                </a:cubicBezTo>
-                <a:cubicBezTo>
-                  <a:pt x="3723469" y="267318"/>
-                  <a:pt x="3737863" y="269842"/>
-                  <a:pt x="3765333" y="266823"/>
-                </a:cubicBezTo>
-                <a:cubicBezTo>
-                  <a:pt x="3810754" y="271601"/>
-                  <a:pt x="3792745" y="303866"/>
-                  <a:pt x="3846897" y="290090"/>
-                </a:cubicBezTo>
-                <a:cubicBezTo>
-                  <a:pt x="3830941" y="306608"/>
-                  <a:pt x="3929114" y="308026"/>
-                  <a:pt x="3900217" y="323590"/>
-                </a:cubicBezTo>
-                <a:cubicBezTo>
-                  <a:pt x="3922367" y="343425"/>
-                  <a:pt x="3948574" y="318948"/>
-                  <a:pt x="3971444" y="336662"/>
-                </a:cubicBezTo>
-                <a:cubicBezTo>
-                  <a:pt x="4002781" y="344193"/>
-                  <a:pt x="3960997" y="315419"/>
-                  <a:pt x="3997868" y="318867"/>
-                </a:cubicBezTo>
-                <a:cubicBezTo>
-                  <a:pt x="4041159" y="326219"/>
-                  <a:pt x="4055435" y="293981"/>
-                  <a:pt x="4070852" y="339615"/>
-                </a:cubicBezTo>
-                <a:cubicBezTo>
-                  <a:pt x="4121286" y="335828"/>
-                  <a:pt x="4121920" y="355506"/>
-                  <a:pt x="4180483" y="373369"/>
-                </a:cubicBezTo>
-                <a:cubicBezTo>
-                  <a:pt x="4211379" y="366707"/>
-                  <a:pt x="4230171" y="374664"/>
-                  <a:pt x="4246264" y="387458"/>
-                </a:cubicBezTo>
-                <a:cubicBezTo>
-                  <a:pt x="4308508" y="393310"/>
-                  <a:pt x="4357326" y="416142"/>
-                  <a:pt x="4423169" y="431783"/>
-                </a:cubicBezTo>
-                <a:lnTo>
-                  <a:pt x="4446752" y="435383"/>
-                </a:lnTo>
-                <a:lnTo>
-                  <a:pt x="4446954" y="435566"/>
-                </a:lnTo>
-                <a:cubicBezTo>
-                  <a:pt x="4508528" y="480137"/>
-                  <a:pt x="4617740" y="529869"/>
-                  <a:pt x="4662523" y="553169"/>
-                </a:cubicBezTo>
-                <a:cubicBezTo>
-                  <a:pt x="4720320" y="547046"/>
-                  <a:pt x="4678644" y="560102"/>
-                  <a:pt x="4715641" y="575354"/>
-                </a:cubicBezTo>
-                <a:cubicBezTo>
-                  <a:pt x="4682056" y="593278"/>
-                  <a:pt x="4768370" y="586520"/>
-                  <a:pt x="4742071" y="614016"/>
-                </a:cubicBezTo>
-                <a:cubicBezTo>
-                  <a:pt x="4749637" y="615922"/>
-                  <a:pt x="4757797" y="616899"/>
-                  <a:pt x="4766183" y="617675"/>
-                </a:cubicBezTo>
-                <a:lnTo>
-                  <a:pt x="4770562" y="618094"/>
-                </a:lnTo>
-                <a:lnTo>
-                  <a:pt x="4783240" y="624350"/>
-                </a:lnTo>
-                <a:lnTo>
-                  <a:pt x="4792882" y="620401"/>
-                </a:lnTo>
-                <a:lnTo>
-                  <a:pt x="4816310" y="625721"/>
-                </a:lnTo>
-                <a:cubicBezTo>
-                  <a:pt x="4824144" y="628595"/>
-                  <a:pt x="4831482" y="632720"/>
-                  <a:pt x="4837953" y="638824"/>
-                </a:cubicBezTo>
-                <a:cubicBezTo>
-                  <a:pt x="4848645" y="668753"/>
-                  <a:pt x="4922266" y="669148"/>
-                  <a:pt x="4933914" y="707398"/>
-                </a:cubicBezTo>
-                <a:cubicBezTo>
-                  <a:pt x="4940833" y="719653"/>
-                  <a:pt x="4978358" y="746502"/>
-                  <a:pt x="4995259" y="744825"/>
-                </a:cubicBezTo>
-                <a:cubicBezTo>
-                  <a:pt x="5005107" y="749034"/>
-                  <a:pt x="5010567" y="758092"/>
-                  <a:pt x="5024744" y="753396"/>
-                </a:cubicBezTo>
-                <a:cubicBezTo>
-                  <a:pt x="5047511" y="761361"/>
-                  <a:pt x="5109162" y="783016"/>
-                  <a:pt x="5131877" y="792613"/>
-                </a:cubicBezTo>
-                <a:cubicBezTo>
-                  <a:pt x="5132671" y="802792"/>
-                  <a:pt x="5144554" y="806683"/>
-                  <a:pt x="5161031" y="810975"/>
-                </a:cubicBezTo>
-                <a:lnTo>
-                  <a:pt x="5176815" y="815342"/>
-                </a:lnTo>
-                <a:lnTo>
-                  <a:pt x="5180064" y="831233"/>
-                </a:lnTo>
-                <a:cubicBezTo>
-                  <a:pt x="5202966" y="819270"/>
-                  <a:pt x="5188976" y="863361"/>
-                  <a:pt x="5215059" y="865080"/>
-                </a:cubicBezTo>
-                <a:cubicBezTo>
-                  <a:pt x="5235765" y="864786"/>
-                  <a:pt x="5236347" y="878098"/>
-                  <a:pt x="5245643" y="887119"/>
-                </a:cubicBezTo>
-                <a:cubicBezTo>
-                  <a:pt x="5267660" y="891609"/>
-                  <a:pt x="5295742" y="939348"/>
-                  <a:pt x="5295952" y="957174"/>
-                </a:cubicBezTo>
-                <a:cubicBezTo>
-                  <a:pt x="5284322" y="1008946"/>
-                  <a:pt x="5374979" y="1038019"/>
-                  <a:pt x="5367826" y="1079140"/>
-                </a:cubicBezTo>
-                <a:cubicBezTo>
-                  <a:pt x="5371668" y="1089190"/>
-                  <a:pt x="5377921" y="1097135"/>
-                  <a:pt x="5385646" y="1103730"/>
-                </a:cubicBezTo>
-                <a:lnTo>
-                  <a:pt x="5410965" y="1119397"/>
-                </a:lnTo>
-                <a:lnTo>
-                  <a:pt x="5436960" y="1130910"/>
-                </a:lnTo>
-                <a:lnTo>
-                  <a:pt x="5442083" y="1133134"/>
-                </a:lnTo>
-                <a:cubicBezTo>
-                  <a:pt x="5451910" y="1137346"/>
-                  <a:pt x="5457170" y="1169188"/>
-                  <a:pt x="5465219" y="1174479"/>
-                </a:cubicBezTo>
-                <a:cubicBezTo>
-                  <a:pt x="5488744" y="1195184"/>
-                  <a:pt x="5467141" y="1223401"/>
-                  <a:pt x="5488171" y="1238604"/>
-                </a:cubicBezTo>
-                <a:cubicBezTo>
-                  <a:pt x="5523491" y="1271811"/>
-                  <a:pt x="5486623" y="1305961"/>
-                  <a:pt x="5562172" y="1320840"/>
-                </a:cubicBezTo>
-                <a:cubicBezTo>
-                  <a:pt x="5601634" y="1385316"/>
-                  <a:pt x="5636528" y="1453139"/>
-                  <a:pt x="5686905" y="1512529"/>
-                </a:cubicBezTo>
-                <a:cubicBezTo>
-                  <a:pt x="5729049" y="1575678"/>
-                  <a:pt x="5699691" y="1553768"/>
-                  <a:pt x="5748726" y="1623716"/>
-                </a:cubicBezTo>
-                <a:cubicBezTo>
-                  <a:pt x="5783098" y="1689734"/>
-                  <a:pt x="5789710" y="1639740"/>
-                  <a:pt x="5842593" y="1726595"/>
-                </a:cubicBezTo>
-                <a:cubicBezTo>
-                  <a:pt x="5837824" y="1733043"/>
-                  <a:pt x="5862023" y="1845188"/>
-                  <a:pt x="5861042" y="1851837"/>
-                </a:cubicBezTo>
-                <a:cubicBezTo>
-                  <a:pt x="5874156" y="1887981"/>
-                  <a:pt x="5901790" y="1919218"/>
-                  <a:pt x="5921290" y="1943460"/>
-                </a:cubicBezTo>
-                <a:lnTo>
-                  <a:pt x="5978046" y="1997284"/>
-                </a:lnTo>
-                <a:lnTo>
-                  <a:pt x="5992479" y="2056720"/>
-                </a:lnTo>
-                <a:cubicBezTo>
-                  <a:pt x="6011078" y="2079033"/>
-                  <a:pt x="6072687" y="2117397"/>
-                  <a:pt x="6089639" y="2131171"/>
-                </a:cubicBezTo>
-                <a:lnTo>
-                  <a:pt x="6094199" y="2139379"/>
-                </a:lnTo>
-                <a:lnTo>
-                  <a:pt x="6094822" y="2139386"/>
-                </a:lnTo>
-                <a:cubicBezTo>
-                  <a:pt x="6096947" y="2140841"/>
-                  <a:pt x="6098876" y="2143416"/>
-                  <a:pt x="6100692" y="2147736"/>
-                </a:cubicBezTo>
-                <a:lnTo>
-                  <a:pt x="6102516" y="2154343"/>
-                </a:lnTo>
-                <a:lnTo>
-                  <a:pt x="6111361" y="2170264"/>
-                </a:lnTo>
-                <a:lnTo>
-                  <a:pt x="6215475" y="2270153"/>
-                </a:lnTo>
-                <a:lnTo>
-                  <a:pt x="6255966" y="2335401"/>
-                </a:lnTo>
-                <a:lnTo>
-                  <a:pt x="6272711" y="2385144"/>
-                </a:lnTo>
-                <a:cubicBezTo>
-                  <a:pt x="6282320" y="2406495"/>
-                  <a:pt x="6299066" y="2405139"/>
-                  <a:pt x="6304347" y="2439388"/>
-                </a:cubicBezTo>
-                <a:cubicBezTo>
-                  <a:pt x="6297131" y="2486231"/>
-                  <a:pt x="6325530" y="2500962"/>
-                  <a:pt x="6326729" y="2549400"/>
-                </a:cubicBezTo>
-                <a:cubicBezTo>
-                  <a:pt x="6325926" y="2572066"/>
-                  <a:pt x="6339111" y="2599957"/>
-                  <a:pt x="6344663" y="2628839"/>
-                </a:cubicBezTo>
-                <a:lnTo>
-                  <a:pt x="6375811" y="2639204"/>
-                </a:lnTo>
-                <a:cubicBezTo>
-                  <a:pt x="6375427" y="2643533"/>
-                  <a:pt x="6375041" y="2647863"/>
-                  <a:pt x="6374657" y="2652193"/>
-                </a:cubicBezTo>
-                <a:cubicBezTo>
-                  <a:pt x="6373555" y="2658134"/>
-                  <a:pt x="6371943" y="2662665"/>
-                  <a:pt x="6369740" y="2664642"/>
-                </a:cubicBezTo>
-                <a:cubicBezTo>
-                  <a:pt x="6368032" y="2674540"/>
-                  <a:pt x="6371528" y="2686899"/>
-                  <a:pt x="6361964" y="2690172"/>
-                </a:cubicBezTo>
-                <a:cubicBezTo>
-                  <a:pt x="6350507" y="2696218"/>
-                  <a:pt x="6369375" y="2734440"/>
-                  <a:pt x="6355511" y="2727335"/>
-                </a:cubicBezTo>
-                <a:cubicBezTo>
-                  <a:pt x="6358746" y="2734104"/>
-                  <a:pt x="6360434" y="2742096"/>
-                  <a:pt x="6361058" y="2750592"/>
-                </a:cubicBezTo>
-                <a:cubicBezTo>
-                  <a:pt x="6361013" y="2751998"/>
-                  <a:pt x="6360970" y="2753408"/>
-                  <a:pt x="6360926" y="2754814"/>
-                </a:cubicBezTo>
-                <a:lnTo>
-                  <a:pt x="6339285" y="2810353"/>
-                </a:lnTo>
-                <a:cubicBezTo>
-                  <a:pt x="6360091" y="2854187"/>
-                  <a:pt x="6313103" y="2870086"/>
-                  <a:pt x="6325672" y="2908809"/>
-                </a:cubicBezTo>
-                <a:cubicBezTo>
-                  <a:pt x="6341563" y="2966972"/>
-                  <a:pt x="6291836" y="2935388"/>
-                  <a:pt x="6333498" y="3009772"/>
-                </a:cubicBezTo>
-                <a:cubicBezTo>
-                  <a:pt x="6345476" y="3039254"/>
-                  <a:pt x="6345955" y="3068963"/>
-                  <a:pt x="6334947" y="3095405"/>
-                </a:cubicBezTo>
-                <a:lnTo>
-                  <a:pt x="6344768" y="3155941"/>
-                </a:lnTo>
-                <a:cubicBezTo>
-                  <a:pt x="6348643" y="3153663"/>
-                  <a:pt x="6311793" y="3186588"/>
-                  <a:pt x="6314754" y="3197987"/>
-                </a:cubicBezTo>
-                <a:cubicBezTo>
-                  <a:pt x="6318695" y="3221971"/>
-                  <a:pt x="6319257" y="3226752"/>
-                  <a:pt x="6304230" y="3239690"/>
-                </a:cubicBezTo>
-                <a:cubicBezTo>
-                  <a:pt x="6306321" y="3248567"/>
-                  <a:pt x="6307305" y="3254005"/>
-                  <a:pt x="6308837" y="3264003"/>
-                </a:cubicBezTo>
-                <a:cubicBezTo>
-                  <a:pt x="6301812" y="3288243"/>
-                  <a:pt x="6298529" y="3302527"/>
-                  <a:pt x="6309285" y="3324103"/>
-                </a:cubicBezTo>
-                <a:cubicBezTo>
-                  <a:pt x="6301188" y="3343007"/>
-                  <a:pt x="6329285" y="3359307"/>
-                  <a:pt x="6342503" y="3405661"/>
-                </a:cubicBezTo>
-                <a:cubicBezTo>
-                  <a:pt x="6338012" y="3447477"/>
-                  <a:pt x="6408325" y="3505721"/>
-                  <a:pt x="6401531" y="3550593"/>
-                </a:cubicBezTo>
-                <a:cubicBezTo>
-                  <a:pt x="6395655" y="3579549"/>
-                  <a:pt x="6423437" y="3594758"/>
-                  <a:pt x="6427705" y="3624684"/>
-                </a:cubicBezTo>
-                <a:cubicBezTo>
-                  <a:pt x="6416402" y="3629199"/>
-                  <a:pt x="6435787" y="3639516"/>
-                  <a:pt x="6448424" y="3657106"/>
-                </a:cubicBezTo>
-                <a:lnTo>
-                  <a:pt x="6444014" y="3752742"/>
-                </a:lnTo>
-                <a:cubicBezTo>
-                  <a:pt x="6443990" y="3752777"/>
-                  <a:pt x="6443967" y="3752813"/>
-                  <a:pt x="6443946" y="3752849"/>
-                </a:cubicBezTo>
-                <a:lnTo>
-                  <a:pt x="0" y="3752849"/>
-                </a:lnTo>
-                <a:close/>
-              </a:path>
-            </a:pathLst>
-          </a:custGeom>
-          <a:noFill/>
-          <a:extLst>
-            <a:ext uri="{909E8E84-426E-40DD-AFC4-6F175D3DCCD1}">
-              <a14:hiddenFill xmlns:a14="http://schemas.microsoft.com/office/drawing/2010/main">
-                <a:solidFill>
-                  <a:srgbClr val="FFFFFF"/>
-                </a:solidFill>
-              </a14:hiddenFill>
-            </a:ext>
-          </a:extLst>
-        </p:spPr>
-      </p:pic>
-      <p:sp>
-        <p:nvSpPr>
-          <p:cNvPr id="3" name="내용 개체 틀 2">
-            <a:extLst>
-              <a:ext uri="{FF2B5EF4-FFF2-40B4-BE49-F238E27FC236}">
-                <a16:creationId xmlns:a16="http://schemas.microsoft.com/office/drawing/2014/main" id="{C836182A-5A59-924F-5708-DA837F0F13F9}"/>
-              </a:ext>
-            </a:extLst>
-          </p:cNvPr>
-          <p:cNvSpPr>
-            <a:spLocks noGrp="1"/>
-          </p:cNvSpPr>
-          <p:nvPr>
-            <p:ph idx="1"/>
-          </p:nvPr>
-        </p:nvSpPr>
-        <p:spPr>
-          <a:xfrm>
-            <a:off x="6797004" y="670559"/>
-            <a:ext cx="4555782" cy="5445076"/>
-          </a:xfrm>
-        </p:spPr>
-        <p:txBody>
-          <a:bodyPr anchor="t">
-            <a:normAutofit/>
-          </a:bodyPr>
-          <a:lstStyle/>
-          <a:p>
-            <a:r>
-              <a:rPr kumimoji="1" lang="ko-KR" altLang="en-US" sz="2000"/>
-              <a:t>슬라이드 유형의 다양성</a:t>
-            </a:r>
-            <a:r>
-              <a:rPr kumimoji="1" lang="en-US" altLang="ko-KR" sz="2000"/>
-              <a:t>(</a:t>
-            </a:r>
-            <a:r>
-              <a:rPr kumimoji="1" lang="ko-KR" altLang="en-US" sz="2000"/>
-              <a:t>손의 제스쳐의 종류에 따라</a:t>
-            </a:r>
-            <a:r>
-              <a:rPr kumimoji="1" lang="en-US" altLang="ko-KR" sz="2000"/>
-              <a:t>)</a:t>
-            </a:r>
-            <a:endParaRPr kumimoji="1" lang="ko-KR" altLang="en-US" sz="2000"/>
-          </a:p>
-        </p:txBody>
-      </p:sp>
-    </p:spTree>
-    <p:extLst>
-      <p:ext uri="{BB962C8B-B14F-4D97-AF65-F5344CB8AC3E}">
-        <p14:creationId xmlns:p14="http://schemas.microsoft.com/office/powerpoint/2010/main" val="894101800"/>
-      </p:ext>
-    </p:extLst>
-  </p:cSld>
-  <p:clrMapOvr>
-    <a:masterClrMapping/>
-  </p:clrMapOvr>
-  <p:timing>
-    <p:tnLst>
-      <p:par>
-        <p:cTn id="1" dur="indefinite" restart="never" nodeType="tmRoot">
-          <p:childTnLst>
-            <p:seq concurrent="1" nextAc="seek">
-              <p:cTn id="2" dur="indefinite" nodeType="mainSeq">
-                <p:childTnLst>
-                  <p:par>
-                    <p:cTn id="3" fill="hold">
-                      <p:stCondLst>
-                        <p:cond delay="indefinite"/>
-                        <p:cond evt="onBegin" delay="0">
-                          <p:tn val="2"/>
-                        </p:cond>
-                      </p:stCondLst>
-                      <p:childTnLst>
-                        <p:par>
-                          <p:cTn id="4" fill="hold">
-                            <p:stCondLst>
-                              <p:cond delay="0"/>
-                            </p:stCondLst>
-                            <p:childTnLst>
-                              <p:par>
-                                <p:cTn id="5" presetID="10" presetClass="entr" presetSubtype="0" fill="hold" grpId="0" nodeType="withEffect">
-                                  <p:stCondLst>
-                                    <p:cond delay="1000"/>
-                                  </p:stCondLst>
-                                  <p:iterate>
-                                    <p:tmPct val="10000"/>
-                                  </p:iterate>
-                                  <p:childTnLst>
-                                    <p:set>
-                                      <p:cBhvr>
-                                        <p:cTn id="6" dur="1" fill="hold">
-                                          <p:stCondLst>
-                                            <p:cond delay="0"/>
-                                          </p:stCondLst>
-                                        </p:cTn>
-                                        <p:tgtEl>
-                                          <p:spTgt spid="2"/>
-                                        </p:tgtEl>
-                                        <p:attrNameLst>
-                                          <p:attrName>style.visibility</p:attrName>
-                                        </p:attrNameLst>
-                                      </p:cBhvr>
-                                      <p:to>
-                                        <p:strVal val="visible"/>
-                                      </p:to>
-                                    </p:set>
-                                    <p:animEffect transition="in" filter="fade">
-                                      <p:cBhvr>
-                                        <p:cTn id="7" dur="700"/>
-                                        <p:tgtEl>
-                                          <p:spTgt spid="2"/>
-                                        </p:tgtEl>
-                                      </p:cBhvr>
-                                    </p:animEffect>
-                                  </p:childTnLst>
-                                </p:cTn>
-                              </p:par>
-                            </p:childTnLst>
-                          </p:cTn>
-                        </p:par>
-                      </p:childTnLst>
-                    </p:cTn>
-                  </p:par>
-                </p:childTnLst>
-              </p:cTn>
-              <p:prevCondLst>
-                <p:cond evt="onPrev" delay="0">
-                  <p:tgtEl>
-                    <p:sldTgt/>
-                  </p:tgtEl>
-                </p:cond>
-              </p:prevCondLst>
-              <p:nextCondLst>
-                <p:cond evt="onNext" delay="0">
-                  <p:tgtEl>
-                    <p:sldTgt/>
-                  </p:tgtEl>
-                </p:cond>
-              </p:nextCondLst>
-            </p:seq>
-          </p:childTnLst>
-        </p:cTn>
-      </p:par>
-    </p:tnLst>
-    <p:bldLst>
-      <p:bldP spid="2" grpId="0"/>
-    </p:bldLst>
-  </p:timing>
-</p:sld>
-</file>
-
 <file path=ppt/theme/theme1.xml><?xml version="1.0" encoding="utf-8"?>
-<a:theme xmlns:a="http://schemas.openxmlformats.org/drawingml/2006/main" name="Office 테마">
+<a:theme xmlns:r="http://schemas.openxmlformats.org/officeDocument/2006/relationships" xmlns:c="http://schemas.openxmlformats.org/drawingml/2006/chart" xmlns:dgm="http://schemas.openxmlformats.org/drawingml/2006/diagram" xmlns:dsp="http://schemas.microsoft.com/office/drawing/2008/diagram" xmlns:a="http://schemas.openxmlformats.org/drawingml/2006/main" xmlns:pic="http://schemas.openxmlformats.org/drawingml/2006/picture" xmlns:wp="http://schemas.openxmlformats.org/drawingml/2006/wordprocessingDrawing" xmlns:xdr="http://schemas.openxmlformats.org/drawingml/2006/spreadsheetDrawing" xmlns:lc="http://schemas.openxmlformats.org/drawingml/2006/lockedCanvas" xmlns:p="http://schemas.openxmlformats.org/presentationml/2006/main" name="Office 테마">
   <a:themeElements>
     <a:clrScheme name="Office">
       <a:dk1>
         <a:sysClr val="windowText" lastClr="000000"/>
       </a:dk1>
       <a:lt1>
-        <a:sysClr val="window" lastClr="FFFFFF"/>
+        <a:sysClr val="window" lastClr="ffffff"/>
       </a:lt1>
       <a:dk2>
-        <a:srgbClr val="0E2841"/>
+        <a:srgbClr val="0e2841"/>
       </a:dk2>
       <a:lt2>
-        <a:srgbClr val="E8E8E8"/>
+        <a:srgbClr val="e8e8e8"/>
       </a:lt2>
       <a:accent1>
         <a:srgbClr val="156082"/>
       </a:accent1>
       <a:accent2>
-        <a:srgbClr val="E97132"/>
+        <a:srgbClr val="e97132"/>
       </a:accent2>
       <a:accent3>
-        <a:srgbClr val="196B24"/>
+        <a:srgbClr val="196b24"/>
       </a:accent3>
       <a:accent4>
-        <a:srgbClr val="0F9ED5"/>
+        <a:srgbClr val="0f9ed5"/>
       </a:accent4>
       <a:accent5>
-        <a:srgbClr val="A02B93"/>
+        <a:srgbClr val="a02b93"/>
       </a:accent5>
       <a:accent6>
-        <a:srgbClr val="4EA72E"/>
+        <a:srgbClr val="4ea72e"/>
       </a:accent6>
       <a:hlink>
         <a:srgbClr val="467886"/>
       </a:hlink>
       <a:folHlink>
-        <a:srgbClr val="96607D"/>
+        <a:srgbClr val="96607d"/>
       </a:folHlink>
     </a:clrScheme>
     <a:fontScheme name="Office">
@@ -15288,7 +16474,7 @@
         <a:latin typeface="맑은 고딕" panose="02110004020202020204"/>
         <a:ea typeface=""/>
         <a:cs typeface=""/>
-        <a:font script="Jpan" typeface="游ゴシック Light"/>
+        <a:font script="Jpan" typeface="Yu Gothic Light"/>
         <a:font script="Hang" typeface="맑은 고딕"/>
         <a:font script="Hans" typeface="等线 Light"/>
         <a:font script="Hant" typeface="新細明體"/>
@@ -15340,7 +16526,7 @@
         <a:latin typeface="맑은 고딕" panose="02110004020202020204"/>
         <a:ea typeface=""/>
         <a:cs typeface=""/>
-        <a:font script="Jpan" typeface="游ゴシック"/>
+        <a:font script="Jpan" typeface="Yu Gothic"/>
         <a:font script="Hang" typeface="맑은 고딕"/>
         <a:font script="Hans" typeface="等线"/>
         <a:font script="Hant" typeface="新細明體"/>
@@ -15453,21 +16639,21 @@
             <a:schemeClr val="phClr"/>
           </a:solidFill>
           <a:prstDash val="solid"/>
-          <a:miter lim="800000"/>
+          <a:miter/>
         </a:ln>
         <a:ln w="19050" cap="flat" cmpd="sng" algn="ctr">
           <a:solidFill>
             <a:schemeClr val="phClr"/>
           </a:solidFill>
           <a:prstDash val="solid"/>
-          <a:miter lim="800000"/>
+          <a:miter/>
         </a:ln>
         <a:ln w="25400" cap="flat" cmpd="sng" algn="ctr">
           <a:solidFill>
             <a:schemeClr val="phClr"/>
           </a:solidFill>
           <a:prstDash val="solid"/>
-          <a:miter lim="800000"/>
+          <a:miter/>
         </a:ln>
       </a:lnStyleLst>
       <a:effectStyleLst>
@@ -15528,6 +16714,27 @@
     </a:fmtScheme>
   </a:themeElements>
   <a:objectDefaults>
+    <a:spDef>
+      <a:spPr/>
+      <a:bodyPr/>
+      <a:lstStyle/>
+      <a:style>
+        <a:lnRef idx="2">
+          <a:schemeClr val="accent1">
+            <a:shade val="20000"/>
+          </a:schemeClr>
+        </a:lnRef>
+        <a:fillRef idx="1">
+          <a:schemeClr val="accent1"/>
+        </a:fillRef>
+        <a:effectRef idx="0">
+          <a:schemeClr val="accent1"/>
+        </a:effectRef>
+        <a:fontRef idx="minor">
+          <a:schemeClr val="lt1"/>
+        </a:fontRef>
+      </a:style>
+    </a:spDef>
     <a:lnDef>
       <a:spPr/>
       <a:bodyPr/>
@@ -15547,12 +16754,11 @@
         </a:fontRef>
       </a:style>
     </a:lnDef>
+    <a:txDef>
+      <a:spPr/>
+      <a:bodyPr/>
+      <a:lstStyle/>
+    </a:txDef>
   </a:objectDefaults>
-  <a:extraClrSchemeLst/>
-  <a:extLst>
-    <a:ext uri="{05A4C25C-085E-4340-85A3-A5531E510DB2}">
-      <thm15:themeFamily xmlns:thm15="http://schemas.microsoft.com/office/thememl/2012/main" name="Office Theme" id="{2E142A2C-CD16-42D6-873A-C26D2A0506FA}" vid="{1BDDFF52-6CD6-40A5-AB3C-68EB2F1E4D0A}"/>
-    </a:ext>
-  </a:extLst>
 </a:theme>
 </file>